--- a/Programming with C#/4. C# High-Quality Code/03. Code Documentation and Comments in the Program/Code Documentation and Comments.pptx
+++ b/Programming with C#/4. C# High-Quality Code/03. Code Documentation and Comments in the Program/Code Documentation and Comments.pptx
@@ -326,7 +326,7 @@
             <a:fld id="{3BF7C7B5-275F-4D1F-9AB4-9255447DBC73}" type="datetimeFigureOut">
               <a:rPr lang="en-US"/>
               <a:pPr/>
-              <a:t>11.04.2013</a:t>
+              <a:t>12/9/2019</a:t>
             </a:fld>
             <a:endParaRPr lang="en-US" dirty="0"/>
           </a:p>
@@ -557,7 +557,7 @@
             <a:fld id="{9B46F231-FB2B-4655-A644-E2477325E686}" type="datetimeFigureOut">
               <a:rPr lang="en-US"/>
               <a:pPr/>
-              <a:t>11.04.2013</a:t>
+              <a:t>12/9/2019</a:t>
             </a:fld>
             <a:endParaRPr lang="en-US" dirty="0"/>
           </a:p>
@@ -633,38 +633,37 @@
           <a:p>
             <a:pPr lvl="0"/>
             <a:r>
-              <a:rPr lang="en-US" noProof="0" smtClean="0"/>
+              <a:rPr lang="en-US" noProof="0"/>
               <a:t>Click to edit Master text styles</a:t>
             </a:r>
           </a:p>
           <a:p>
             <a:pPr lvl="1"/>
             <a:r>
-              <a:rPr lang="en-US" noProof="0" smtClean="0"/>
+              <a:rPr lang="en-US" noProof="0"/>
               <a:t>Second level</a:t>
             </a:r>
           </a:p>
           <a:p>
             <a:pPr lvl="2"/>
             <a:r>
-              <a:rPr lang="en-US" noProof="0" smtClean="0"/>
+              <a:rPr lang="en-US" noProof="0"/>
               <a:t>Third level</a:t>
             </a:r>
           </a:p>
           <a:p>
             <a:pPr lvl="3"/>
             <a:r>
-              <a:rPr lang="en-US" noProof="0" smtClean="0"/>
+              <a:rPr lang="en-US" noProof="0"/>
               <a:t>Fourth level</a:t>
             </a:r>
           </a:p>
           <a:p>
             <a:pPr lvl="4"/>
             <a:r>
-              <a:rPr lang="en-US" noProof="0" smtClean="0"/>
+              <a:rPr lang="en-US" noProof="0"/>
               <a:t>Fifth level</a:t>
             </a:r>
-            <a:endParaRPr lang="en-US" noProof="0"/>
           </a:p>
         </p:txBody>
       </p:sp>
@@ -1119,11 +1118,11 @@
           <a:lstStyle/>
           <a:p>
             <a:r>
-              <a:rPr lang="en-US" dirty="0" smtClean="0"/>
+              <a:rPr lang="en-US" dirty="0"/>
               <a:t>Comment does not add anything</a:t>
             </a:r>
             <a:r>
-              <a:rPr lang="en-US" baseline="0" dirty="0" smtClean="0"/>
+              <a:rPr lang="en-US" baseline="0" dirty="0"/>
               <a:t> to the code</a:t>
             </a:r>
             <a:endParaRPr lang="en-US" dirty="0"/>
@@ -1214,15 +1213,15 @@
           <a:lstStyle/>
           <a:p>
             <a:r>
-              <a:rPr lang="en-US" dirty="0" smtClean="0"/>
+              <a:rPr lang="en-US" dirty="0"/>
               <a:t>Comment does not add anything</a:t>
             </a:r>
             <a:r>
-              <a:rPr lang="en-US" baseline="0" dirty="0" smtClean="0"/>
+              <a:rPr lang="en-US" baseline="0" dirty="0"/>
               <a:t> to </a:t>
             </a:r>
             <a:r>
-              <a:rPr lang="en-US" baseline="0" smtClean="0"/>
+              <a:rPr lang="en-US" baseline="0"/>
               <a:t>the code</a:t>
             </a:r>
             <a:endParaRPr lang="en-US"/>
@@ -1328,10 +1327,9 @@
           </a:lstStyle>
           <a:p>
             <a:r>
-              <a:rPr lang="en-US" dirty="0" smtClean="0"/>
+              <a:rPr lang="en-US" dirty="0"/>
               <a:t>Presentation Title</a:t>
             </a:r>
-            <a:endParaRPr lang="en-US" dirty="0"/>
           </a:p>
         </p:txBody>
       </p:sp>
@@ -1392,10 +1390,9 @@
           </a:lstStyle>
           <a:p>
             <a:r>
-              <a:rPr lang="en-US" dirty="0" smtClean="0"/>
+              <a:rPr lang="en-US" dirty="0"/>
               <a:t>Presentation Subtitle</a:t>
             </a:r>
-            <a:endParaRPr lang="en-US" dirty="0"/>
           </a:p>
         </p:txBody>
       </p:sp>
@@ -1498,10 +1495,9 @@
           <a:p>
             <a:pPr lvl="0"/>
             <a:r>
-              <a:rPr lang="en-US" dirty="0" smtClean="0"/>
+              <a:rPr lang="en-US" dirty="0"/>
               <a:t>Author Name</a:t>
             </a:r>
-            <a:endParaRPr lang="en-US" dirty="0"/>
           </a:p>
         </p:txBody>
       </p:sp>
@@ -1577,7 +1573,7 @@
               <a:buNone/>
             </a:pPr>
             <a:r>
-              <a:rPr lang="en-US" sz="1800" b="1" dirty="0" smtClean="0">
+              <a:rPr lang="en-US" sz="1800" b="1" dirty="0">
                 <a:solidFill>
                   <a:srgbClr val="0EFE58"/>
                 </a:solidFill>
@@ -1591,18 +1587,6 @@
               </a:rPr>
               <a:t>Company Name</a:t>
             </a:r>
-            <a:endParaRPr lang="en-US" sz="1800" b="1" dirty="0">
-              <a:solidFill>
-                <a:srgbClr val="0EFE58"/>
-              </a:solidFill>
-              <a:effectLst>
-                <a:outerShdw blurRad="38100" dist="38100" dir="2700000" algn="tl">
-                  <a:srgbClr val="000000">
-                    <a:alpha val="43137"/>
-                  </a:srgbClr>
-                </a:outerShdw>
-              </a:effectLst>
-            </a:endParaRPr>
           </a:p>
         </p:txBody>
       </p:sp>
@@ -1659,7 +1643,7 @@
           <a:p>
             <a:pPr algn="l"/>
             <a:r>
-              <a:rPr lang="en-US" sz="1600" b="1" dirty="0" smtClean="0">
+              <a:rPr lang="en-US" sz="1600" b="1" dirty="0">
                 <a:solidFill>
                   <a:schemeClr val="tx1">
                     <a:lumMod val="50000"/>
@@ -1675,20 +1659,6 @@
               </a:rPr>
               <a:t>Company Web Site</a:t>
             </a:r>
-            <a:endParaRPr lang="en-US" sz="1600" b="1" dirty="0">
-              <a:solidFill>
-                <a:schemeClr val="tx1">
-                  <a:lumMod val="50000"/>
-                </a:schemeClr>
-              </a:solidFill>
-              <a:effectLst>
-                <a:outerShdw blurRad="38100" dist="38100" dir="2700000" algn="tl">
-                  <a:srgbClr val="000000">
-                    <a:alpha val="43137"/>
-                  </a:srgbClr>
-                </a:outerShdw>
-              </a:effectLst>
-            </a:endParaRPr>
           </a:p>
         </p:txBody>
       </p:sp>
@@ -1747,10 +1717,9 @@
           <a:p>
             <a:pPr lvl="0"/>
             <a:r>
-              <a:rPr lang="en-US" dirty="0" smtClean="0"/>
+              <a:rPr lang="en-US" dirty="0"/>
               <a:t>Position</a:t>
             </a:r>
-            <a:endParaRPr lang="en-US" dirty="0"/>
           </a:p>
         </p:txBody>
       </p:sp>
@@ -1809,7 +1778,7 @@
           <a:p>
             <a:pPr lvl="0"/>
             <a:r>
-              <a:rPr lang="en-US" smtClean="0"/>
+              <a:rPr lang="en-US"/>
               <a:t>Web Site</a:t>
             </a:r>
             <a:endParaRPr lang="en-US" dirty="0"/>
@@ -1845,10 +1814,9 @@
           </a:lstStyle>
           <a:p>
             <a:r>
-              <a:rPr lang="en-US" dirty="0" smtClean="0"/>
+              <a:rPr lang="en-US" dirty="0"/>
               <a:t>Insert a Picture Here</a:t>
             </a:r>
-            <a:endParaRPr lang="en-US" dirty="0"/>
           </a:p>
         </p:txBody>
       </p:sp>
@@ -1857,13 +1825,6 @@
   <p:clrMapOvr>
     <a:masterClrMapping/>
   </p:clrMapOvr>
-  <p:timing>
-    <p:tnLst>
-      <p:par>
-        <p:cTn id="1" dur="indefinite" restart="never" nodeType="tmRoot"/>
-      </p:par>
-    </p:tnLst>
-  </p:timing>
 </p:sldLayout>
 </file>
 
@@ -1941,10 +1902,9 @@
           </a:lstStyle>
           <a:p>
             <a:r>
-              <a:rPr lang="en-US" dirty="0" smtClean="0"/>
+              <a:rPr lang="en-US" dirty="0"/>
               <a:t>Slide Title</a:t>
             </a:r>
-            <a:endParaRPr lang="en-US" dirty="0"/>
           </a:p>
         </p:txBody>
       </p:sp>
@@ -2081,38 +2041,37 @@
           <a:p>
             <a:pPr lvl="0"/>
             <a:r>
-              <a:rPr lang="en-US" dirty="0" smtClean="0"/>
+              <a:rPr lang="en-US" dirty="0"/>
               <a:t>First Level</a:t>
             </a:r>
           </a:p>
           <a:p>
             <a:pPr lvl="1"/>
             <a:r>
-              <a:rPr lang="en-US" dirty="0" smtClean="0"/>
+              <a:rPr lang="en-US" dirty="0"/>
               <a:t>Second level</a:t>
             </a:r>
           </a:p>
           <a:p>
             <a:pPr lvl="2"/>
             <a:r>
-              <a:rPr lang="en-US" dirty="0" smtClean="0"/>
+              <a:rPr lang="en-US" dirty="0"/>
               <a:t>Third level</a:t>
             </a:r>
           </a:p>
           <a:p>
             <a:pPr lvl="3"/>
             <a:r>
-              <a:rPr lang="en-US" dirty="0" smtClean="0"/>
+              <a:rPr lang="en-US" dirty="0"/>
               <a:t>Fourth level</a:t>
             </a:r>
           </a:p>
           <a:p>
             <a:pPr lvl="4"/>
             <a:r>
-              <a:rPr lang="en-US" dirty="0" smtClean="0"/>
+              <a:rPr lang="en-US" dirty="0"/>
               <a:t>Fifth level</a:t>
             </a:r>
-            <a:endParaRPr lang="en-US" dirty="0"/>
           </a:p>
         </p:txBody>
       </p:sp>
@@ -2162,13 +2121,6 @@
   <p:clrMapOvr>
     <a:masterClrMapping/>
   </p:clrMapOvr>
-  <p:timing>
-    <p:tnLst>
-      <p:par>
-        <p:cTn id="1" dur="indefinite" restart="never" nodeType="tmRoot"/>
-      </p:par>
-    </p:tnLst>
-  </p:timing>
 </p:sldLayout>
 </file>
 
@@ -2231,10 +2183,9 @@
           </a:lstStyle>
           <a:p>
             <a:r>
-              <a:rPr lang="en-US" dirty="0" smtClean="0"/>
+              <a:rPr lang="en-US" dirty="0"/>
               <a:t>Slide Title</a:t>
             </a:r>
-            <a:endParaRPr lang="en-US" dirty="0"/>
           </a:p>
         </p:txBody>
       </p:sp>
@@ -2401,7 +2352,7 @@
               <a:defRPr/>
             </a:pPr>
             <a:r>
-              <a:rPr kumimoji="0" lang="en-US" sz="3200" b="1" i="0" u="none" strike="noStrike" kern="1200" cap="none" spc="0" normalizeH="0" baseline="0" noProof="0" dirty="0" smtClean="0">
+              <a:rPr kumimoji="0" lang="en-US" sz="3200" b="1" i="0" u="none" strike="noStrike" kern="1200" cap="none" spc="0" normalizeH="0" baseline="0" noProof="0" dirty="0">
                 <a:ln>
                   <a:noFill/>
                 </a:ln>
@@ -2485,65 +2436,65 @@
           <a:p>
             <a:pPr lvl="0"/>
             <a:r>
-              <a:rPr lang="en-US" noProof="1" smtClean="0"/>
+              <a:rPr lang="en-US" noProof="1"/>
               <a:t>Enter source code here</a:t>
             </a:r>
           </a:p>
           <a:p>
             <a:pPr lvl="0"/>
-            <a:endParaRPr lang="en-US" noProof="1" smtClean="0"/>
+            <a:endParaRPr lang="en-US" noProof="1"/>
           </a:p>
           <a:p>
             <a:pPr lvl="0"/>
-            <a:endParaRPr lang="en-US" noProof="1" smtClean="0"/>
+            <a:endParaRPr lang="en-US" noProof="1"/>
           </a:p>
           <a:p>
             <a:pPr lvl="0"/>
-            <a:endParaRPr lang="en-US" noProof="1" smtClean="0"/>
+            <a:endParaRPr lang="en-US" noProof="1"/>
           </a:p>
           <a:p>
             <a:pPr lvl="0"/>
-            <a:endParaRPr lang="en-US" noProof="1" smtClean="0"/>
+            <a:endParaRPr lang="en-US" noProof="1"/>
           </a:p>
           <a:p>
             <a:pPr lvl="0"/>
-            <a:endParaRPr lang="en-US" noProof="1" smtClean="0"/>
+            <a:endParaRPr lang="en-US" noProof="1"/>
           </a:p>
           <a:p>
             <a:pPr lvl="0"/>
-            <a:endParaRPr lang="en-US" noProof="1" smtClean="0"/>
+            <a:endParaRPr lang="en-US" noProof="1"/>
           </a:p>
           <a:p>
             <a:pPr lvl="0"/>
-            <a:endParaRPr lang="en-US" noProof="1" smtClean="0"/>
+            <a:endParaRPr lang="en-US" noProof="1"/>
           </a:p>
           <a:p>
             <a:pPr lvl="0"/>
-            <a:endParaRPr lang="en-US" noProof="1" smtClean="0"/>
+            <a:endParaRPr lang="en-US" noProof="1"/>
           </a:p>
           <a:p>
             <a:pPr lvl="0"/>
-            <a:endParaRPr lang="en-US" noProof="1" smtClean="0"/>
+            <a:endParaRPr lang="en-US" noProof="1"/>
           </a:p>
           <a:p>
             <a:pPr lvl="0"/>
-            <a:endParaRPr lang="en-US" noProof="1" smtClean="0"/>
+            <a:endParaRPr lang="en-US" noProof="1"/>
           </a:p>
           <a:p>
             <a:pPr lvl="0"/>
-            <a:endParaRPr lang="en-US" noProof="1" smtClean="0"/>
+            <a:endParaRPr lang="en-US" noProof="1"/>
           </a:p>
           <a:p>
             <a:pPr lvl="0"/>
-            <a:endParaRPr lang="en-US" noProof="1" smtClean="0"/>
+            <a:endParaRPr lang="en-US" noProof="1"/>
           </a:p>
           <a:p>
             <a:pPr lvl="0"/>
-            <a:endParaRPr lang="en-US" noProof="1" smtClean="0"/>
+            <a:endParaRPr lang="en-US" noProof="1"/>
           </a:p>
           <a:p>
             <a:pPr lvl="0"/>
-            <a:endParaRPr lang="en-US" noProof="1" smtClean="0"/>
+            <a:endParaRPr lang="en-US" noProof="1"/>
           </a:p>
         </p:txBody>
       </p:sp>
@@ -2660,10 +2611,9 @@
           </a:lstStyle>
           <a:p>
             <a:r>
-              <a:rPr lang="en-US" dirty="0" smtClean="0"/>
+              <a:rPr lang="en-US" dirty="0"/>
               <a:t>Section Title</a:t>
             </a:r>
-            <a:endParaRPr lang="en-US" dirty="0"/>
           </a:p>
         </p:txBody>
       </p:sp>
@@ -2748,10 +2698,9 @@
           </a:lstStyle>
           <a:p>
             <a:r>
-              <a:rPr lang="en-US" dirty="0" smtClean="0"/>
+              <a:rPr lang="en-US" dirty="0"/>
               <a:t>Section Subtitle</a:t>
             </a:r>
-            <a:endParaRPr lang="en-US" dirty="0"/>
           </a:p>
         </p:txBody>
       </p:sp>
@@ -2760,13 +2709,6 @@
   <p:clrMapOvr>
     <a:masterClrMapping/>
   </p:clrMapOvr>
-  <p:timing>
-    <p:tnLst>
-      <p:par>
-        <p:cTn id="1" dur="indefinite" restart="never" nodeType="tmRoot"/>
-      </p:par>
-    </p:tnLst>
-  </p:timing>
 </p:sldLayout>
 </file>
 
@@ -2835,7 +2777,7 @@
             <a:p>
               <a:pPr lvl="0"/>
               <a:r>
-                <a:rPr lang="bg-BG" sz="200" noProof="1" smtClean="0">
+                <a:rPr lang="bg-BG" sz="200" noProof="1">
                   <a:ln w="0">
                     <a:noFill/>
                   </a:ln>
@@ -2846,15 +2788,6 @@
                 </a:rPr>
                 <a:t>форум програмиране, форум уеб дизайн</a:t>
               </a:r>
-              <a:endParaRPr lang="bg-BG" sz="200" noProof="1">
-                <a:ln w="0">
-                  <a:noFill/>
-                </a:ln>
-                <a:solidFill>
-                  <a:schemeClr val="bg1"/>
-                </a:solidFill>
-                <a:effectLst/>
-              </a:endParaRPr>
             </a:p>
           </p:txBody>
         </p:sp>
@@ -2888,7 +2821,7 @@
                 </a:lnSpc>
               </a:pPr>
               <a:r>
-                <a:rPr lang="bg-BG" sz="200" kern="1200" noProof="1" smtClean="0">
+                <a:rPr lang="bg-BG" sz="200" kern="1200" noProof="1">
                   <a:ln w="0">
                     <a:noFill/>
                   </a:ln>
@@ -2902,18 +2835,6 @@
                 </a:rPr>
                 <a:t>курсове и уроци по програмиране, уеб дизайн – безплатно</a:t>
               </a:r>
-              <a:endParaRPr lang="bg-BG" sz="200" kern="1200" noProof="1">
-                <a:ln w="0">
-                  <a:noFill/>
-                </a:ln>
-                <a:solidFill>
-                  <a:schemeClr val="bg1"/>
-                </a:solidFill>
-                <a:effectLst/>
-                <a:latin typeface="Corbel" pitchFamily="34" charset="0"/>
-                <a:ea typeface="+mn-ea"/>
-                <a:cs typeface="+mn-cs"/>
-              </a:endParaRPr>
             </a:p>
           </p:txBody>
         </p:sp>
@@ -2942,7 +2863,7 @@
             <a:lstStyle/>
             <a:p>
               <a:r>
-                <a:rPr lang="bg-BG" sz="200" kern="1200" noProof="1" smtClean="0">
+                <a:rPr lang="bg-BG" sz="200" kern="1200" noProof="1">
                   <a:ln w="0">
                     <a:noFill/>
                   </a:ln>
@@ -2956,18 +2877,6 @@
                 </a:rPr>
                 <a:t>програмиране за деца – безплатни курсове и уроци</a:t>
               </a:r>
-              <a:endParaRPr lang="bg-BG" sz="200" kern="1200" noProof="1">
-                <a:ln w="0">
-                  <a:noFill/>
-                </a:ln>
-                <a:solidFill>
-                  <a:schemeClr val="bg1"/>
-                </a:solidFill>
-                <a:effectLst/>
-                <a:latin typeface="Corbel" pitchFamily="34" charset="0"/>
-                <a:ea typeface="+mn-ea"/>
-                <a:cs typeface="+mn-cs"/>
-              </a:endParaRPr>
             </a:p>
           </p:txBody>
         </p:sp>
@@ -3004,7 +2913,7 @@
             <a:p>
               <a:pPr lvl="0" algn="l"/>
               <a:r>
-                <a:rPr lang="bg-BG" sz="200" noProof="1" smtClean="0">
+                <a:rPr lang="bg-BG" sz="200" noProof="1">
                   <a:ln w="0">
                     <a:noFill/>
                   </a:ln>
@@ -3015,15 +2924,6 @@
                 </a:rPr>
                 <a:t>безплатен SEO курс - оптимизация за търсачки</a:t>
               </a:r>
-              <a:endParaRPr lang="bg-BG" sz="200" noProof="1">
-                <a:ln w="0">
-                  <a:noFill/>
-                </a:ln>
-                <a:solidFill>
-                  <a:schemeClr val="bg1"/>
-                </a:solidFill>
-                <a:effectLst/>
-              </a:endParaRPr>
             </a:p>
           </p:txBody>
         </p:sp>
@@ -3060,7 +2960,7 @@
             <a:p>
               <a:pPr lvl="0"/>
               <a:r>
-                <a:rPr lang="bg-BG" sz="200" noProof="1" smtClean="0">
+                <a:rPr lang="bg-BG" sz="200" noProof="1">
                   <a:ln w="0">
                     <a:noFill/>
                   </a:ln>
@@ -3071,15 +2971,6 @@
                 </a:rPr>
                 <a:t>уроци по уеб дизайн, HTML, CSS, JavaScript, Photoshop</a:t>
               </a:r>
-              <a:endParaRPr lang="bg-BG" sz="200" noProof="1">
-                <a:ln w="0">
-                  <a:noFill/>
-                </a:ln>
-                <a:solidFill>
-                  <a:schemeClr val="bg1"/>
-                </a:solidFill>
-                <a:effectLst/>
-              </a:endParaRPr>
             </a:p>
           </p:txBody>
         </p:sp>
@@ -3109,7 +3000,7 @@
             <a:p>
               <a:pPr algn="l"/>
               <a:r>
-                <a:rPr lang="bg-BG" sz="200" kern="1200" noProof="1" smtClean="0">
+                <a:rPr lang="bg-BG" sz="200" kern="1200" noProof="1">
                   <a:ln w="0">
                     <a:noFill/>
                   </a:ln>
@@ -3123,18 +3014,6 @@
                 </a:rPr>
                 <a:t>уроци по програмиране и уеб дизайн за ученици</a:t>
               </a:r>
-              <a:endParaRPr lang="bg-BG" sz="200" kern="1200" noProof="1">
-                <a:ln w="0">
-                  <a:noFill/>
-                </a:ln>
-                <a:solidFill>
-                  <a:schemeClr val="bg1"/>
-                </a:solidFill>
-                <a:effectLst/>
-                <a:latin typeface="Corbel" pitchFamily="34" charset="0"/>
-                <a:ea typeface="+mn-ea"/>
-                <a:cs typeface="+mn-cs"/>
-              </a:endParaRPr>
             </a:p>
           </p:txBody>
         </p:sp>
@@ -3171,7 +3050,7 @@
             <a:p>
               <a:pPr lvl="0"/>
               <a:r>
-                <a:rPr lang="bg-BG" sz="200" noProof="1" smtClean="0">
+                <a:rPr lang="bg-BG" sz="200" noProof="1">
                   <a:ln w="0">
                     <a:noFill/>
                   </a:ln>
@@ -3182,15 +3061,6 @@
                 </a:rPr>
                 <a:t>ASP.NET MVC курс – HTML, SQL, C#, .NET, ASP.NET MVC</a:t>
               </a:r>
-              <a:endParaRPr lang="bg-BG" sz="200" noProof="1">
-                <a:ln w="0">
-                  <a:noFill/>
-                </a:ln>
-                <a:solidFill>
-                  <a:schemeClr val="bg1"/>
-                </a:solidFill>
-                <a:effectLst/>
-              </a:endParaRPr>
             </a:p>
           </p:txBody>
         </p:sp>
@@ -3219,7 +3089,7 @@
             <a:lstStyle/>
             <a:p>
               <a:r>
-                <a:rPr lang="bg-BG" sz="200" kern="1200" noProof="1" smtClean="0">
+                <a:rPr lang="bg-BG" sz="200" kern="1200" noProof="1">
                   <a:ln w="0">
                     <a:noFill/>
                   </a:ln>
@@ -3233,18 +3103,6 @@
                 </a:rPr>
                 <a:t>безплатен курс "Разработка на софтуер в cloud среда"</a:t>
               </a:r>
-              <a:endParaRPr lang="bg-BG" sz="200" kern="1200" noProof="1">
-                <a:ln w="0">
-                  <a:noFill/>
-                </a:ln>
-                <a:solidFill>
-                  <a:schemeClr val="bg1"/>
-                </a:solidFill>
-                <a:effectLst/>
-                <a:latin typeface="Corbel" pitchFamily="34" charset="0"/>
-                <a:ea typeface="+mn-ea"/>
-                <a:cs typeface="+mn-cs"/>
-              </a:endParaRPr>
             </a:p>
           </p:txBody>
         </p:sp>
@@ -3281,7 +3139,7 @@
             <a:p>
               <a:pPr lvl="0"/>
               <a:r>
-                <a:rPr lang="bg-BG" sz="200" noProof="1" smtClean="0">
+                <a:rPr lang="bg-BG" sz="200" noProof="1">
                   <a:ln w="0">
                     <a:noFill/>
                   </a:ln>
@@ -3292,15 +3150,6 @@
                 </a:rPr>
                 <a:t>BG Coder - онлайн състезателна система - online judge</a:t>
               </a:r>
-              <a:endParaRPr lang="bg-BG" sz="200" noProof="1">
-                <a:ln w="0">
-                  <a:noFill/>
-                </a:ln>
-                <a:solidFill>
-                  <a:schemeClr val="bg1"/>
-                </a:solidFill>
-                <a:effectLst/>
-              </a:endParaRPr>
             </a:p>
           </p:txBody>
         </p:sp>
@@ -3337,7 +3186,7 @@
             <a:p>
               <a:pPr lvl="0"/>
               <a:r>
-                <a:rPr lang="bg-BG" sz="200" noProof="1" smtClean="0">
+                <a:rPr lang="bg-BG" sz="200" noProof="1">
                   <a:ln w="0">
                     <a:noFill/>
                   </a:ln>
@@ -3348,15 +3197,6 @@
                 </a:rPr>
                 <a:t>курсове и уроци по програмиране, книги – безплатно от Наков</a:t>
               </a:r>
-              <a:endParaRPr lang="bg-BG" sz="200" noProof="1">
-                <a:ln w="0">
-                  <a:noFill/>
-                </a:ln>
-                <a:solidFill>
-                  <a:schemeClr val="bg1"/>
-                </a:solidFill>
-                <a:effectLst/>
-              </a:endParaRPr>
             </a:p>
           </p:txBody>
         </p:sp>
@@ -3385,7 +3225,7 @@
             <a:lstStyle/>
             <a:p>
               <a:r>
-                <a:rPr lang="bg-BG" sz="200" kern="1200" noProof="1" smtClean="0">
+                <a:rPr lang="bg-BG" sz="200" kern="1200" noProof="1">
                   <a:ln w="0">
                     <a:noFill/>
                   </a:ln>
@@ -3399,18 +3239,6 @@
                 </a:rPr>
                 <a:t>безплатен курс "Качествен програмен код"</a:t>
               </a:r>
-              <a:endParaRPr lang="bg-BG" sz="200" kern="1200" noProof="1">
-                <a:ln w="0">
-                  <a:noFill/>
-                </a:ln>
-                <a:solidFill>
-                  <a:schemeClr val="bg1"/>
-                </a:solidFill>
-                <a:effectLst/>
-                <a:latin typeface="Corbel" pitchFamily="34" charset="0"/>
-                <a:ea typeface="+mn-ea"/>
-                <a:cs typeface="+mn-cs"/>
-              </a:endParaRPr>
             </a:p>
           </p:txBody>
         </p:sp>
@@ -3447,7 +3275,7 @@
             <a:p>
               <a:pPr lvl="0"/>
               <a:r>
-                <a:rPr lang="bg-BG" sz="200" noProof="1" smtClean="0">
+                <a:rPr lang="bg-BG" sz="200" noProof="1">
                   <a:ln w="0">
                     <a:noFill/>
                   </a:ln>
@@ -3458,15 +3286,6 @@
                 </a:rPr>
                 <a:t>алго академия – състезателно програмиране, състезания</a:t>
               </a:r>
-              <a:endParaRPr lang="bg-BG" sz="200" noProof="1">
-                <a:ln w="0">
-                  <a:noFill/>
-                </a:ln>
-                <a:solidFill>
-                  <a:schemeClr val="bg1"/>
-                </a:solidFill>
-                <a:effectLst/>
-              </a:endParaRPr>
             </a:p>
           </p:txBody>
         </p:sp>
@@ -3503,7 +3322,7 @@
             <a:p>
               <a:pPr lvl="0"/>
               <a:r>
-                <a:rPr lang="bg-BG" sz="200" noProof="1" smtClean="0">
+                <a:rPr lang="bg-BG" sz="200" noProof="1">
                   <a:ln w="0">
                     <a:noFill/>
                   </a:ln>
@@ -3514,15 +3333,6 @@
                 </a:rPr>
                 <a:t>ASP.NET курс - уеб програмиране, бази данни, C#, .NET, ASP.NET</a:t>
               </a:r>
-              <a:endParaRPr lang="bg-BG" sz="200" noProof="1">
-                <a:ln w="0">
-                  <a:noFill/>
-                </a:ln>
-                <a:solidFill>
-                  <a:schemeClr val="bg1"/>
-                </a:solidFill>
-                <a:effectLst/>
-              </a:endParaRPr>
             </a:p>
           </p:txBody>
         </p:sp>
@@ -3559,7 +3369,7 @@
             <a:p>
               <a:pPr lvl="0" algn="l"/>
               <a:r>
-                <a:rPr lang="bg-BG" sz="200" noProof="1" smtClean="0">
+                <a:rPr lang="bg-BG" sz="200" noProof="1">
                   <a:ln w="0">
                     <a:noFill/>
                   </a:ln>
@@ -3571,7 +3381,7 @@
                 <a:t>курсове и уроци по </a:t>
               </a:r>
               <a:r>
-                <a:rPr lang="bg-BG" sz="200" kern="1200" noProof="1" smtClean="0">
+                <a:rPr lang="bg-BG" sz="200" kern="1200" noProof="1">
                   <a:ln w="0">
                     <a:noFill/>
                   </a:ln>
@@ -3585,18 +3395,6 @@
                 </a:rPr>
                 <a:t>програмиране – Телерик академия</a:t>
               </a:r>
-              <a:endParaRPr lang="bg-BG" sz="200" kern="1200" noProof="1">
-                <a:ln w="0">
-                  <a:noFill/>
-                </a:ln>
-                <a:solidFill>
-                  <a:schemeClr val="bg1"/>
-                </a:solidFill>
-                <a:effectLst/>
-                <a:latin typeface="Corbel" pitchFamily="34" charset="0"/>
-                <a:ea typeface="+mn-ea"/>
-                <a:cs typeface="+mn-cs"/>
-              </a:endParaRPr>
             </a:p>
           </p:txBody>
         </p:sp>
@@ -3633,7 +3431,7 @@
             <a:p>
               <a:pPr lvl="0"/>
               <a:r>
-                <a:rPr lang="bg-BG" sz="200" noProof="1" smtClean="0">
+                <a:rPr lang="bg-BG" sz="200" noProof="1">
                   <a:ln w="0">
                     <a:noFill/>
                   </a:ln>
@@ -3644,15 +3442,6 @@
                 </a:rPr>
                 <a:t>курс мобилни приложения с iPhone, Android, WP7, PhoneGap</a:t>
               </a:r>
-              <a:endParaRPr lang="bg-BG" sz="200" noProof="1">
-                <a:ln w="0">
-                  <a:noFill/>
-                </a:ln>
-                <a:solidFill>
-                  <a:schemeClr val="bg1"/>
-                </a:solidFill>
-                <a:effectLst/>
-              </a:endParaRPr>
             </a:p>
           </p:txBody>
         </p:sp>
@@ -3681,7 +3470,7 @@
             <a:lstStyle/>
             <a:p>
               <a:r>
-                <a:rPr lang="bg-BG" sz="200" kern="1200" noProof="1" smtClean="0">
+                <a:rPr lang="bg-BG" sz="200" kern="1200" noProof="1">
                   <a:ln w="0">
                     <a:noFill/>
                   </a:ln>
@@ -3695,18 +3484,6 @@
                 </a:rPr>
                 <a:t>free C# book, безплатна книга C#, книга Java, книга C#</a:t>
               </a:r>
-              <a:endParaRPr lang="bg-BG" sz="200" kern="1200" noProof="1">
-                <a:ln w="0">
-                  <a:noFill/>
-                </a:ln>
-                <a:solidFill>
-                  <a:schemeClr val="bg1"/>
-                </a:solidFill>
-                <a:effectLst/>
-                <a:latin typeface="Corbel" pitchFamily="34" charset="0"/>
-                <a:ea typeface="+mn-ea"/>
-                <a:cs typeface="+mn-cs"/>
-              </a:endParaRPr>
             </a:p>
           </p:txBody>
         </p:sp>
@@ -3750,7 +3527,7 @@
             <a:p>
               <a:pPr lvl="0"/>
               <a:r>
-                <a:rPr lang="bg-BG" sz="200" noProof="1" smtClean="0">
+                <a:rPr lang="bg-BG" sz="200" noProof="1">
                   <a:ln w="0">
                     <a:noFill/>
                   </a:ln>
@@ -3760,14 +3537,6 @@
                 </a:rPr>
                 <a:t>Дончо Минков - сайт за програмиране</a:t>
               </a:r>
-              <a:endParaRPr lang="bg-BG" sz="200" noProof="1">
-                <a:ln w="0">
-                  <a:noFill/>
-                </a:ln>
-                <a:solidFill>
-                  <a:schemeClr val="bg1"/>
-                </a:solidFill>
-              </a:endParaRPr>
             </a:p>
           </p:txBody>
         </p:sp>
@@ -3797,7 +3566,7 @@
             <a:p>
               <a:pPr algn="l"/>
               <a:r>
-                <a:rPr lang="bg-BG" sz="200" kern="1200" noProof="1" smtClean="0">
+                <a:rPr lang="bg-BG" sz="200" kern="1200" noProof="1">
                   <a:ln w="0">
                     <a:noFill/>
                   </a:ln>
@@ -3811,18 +3580,6 @@
                 </a:rPr>
                 <a:t>Николай Костов - блог за програмиране</a:t>
               </a:r>
-              <a:endParaRPr lang="bg-BG" sz="200" kern="1200" noProof="1">
-                <a:ln w="0">
-                  <a:noFill/>
-                </a:ln>
-                <a:solidFill>
-                  <a:schemeClr val="bg1"/>
-                </a:solidFill>
-                <a:effectLst/>
-                <a:latin typeface="Corbel" pitchFamily="34" charset="0"/>
-                <a:ea typeface="+mn-ea"/>
-                <a:cs typeface="+mn-cs"/>
-              </a:endParaRPr>
             </a:p>
           </p:txBody>
         </p:sp>
@@ -3866,7 +3623,7 @@
             <a:p>
               <a:pPr lvl="0"/>
               <a:r>
-                <a:rPr lang="bg-BG" sz="200" noProof="1" smtClean="0">
+                <a:rPr lang="bg-BG" sz="200" noProof="1">
                   <a:ln w="0">
                     <a:noFill/>
                   </a:ln>
@@ -3876,14 +3633,6 @@
                 </a:rPr>
                 <a:t>C# курс, програмиране, безплатно</a:t>
               </a:r>
-              <a:endParaRPr lang="bg-BG" sz="200" noProof="1">
-                <a:ln w="0">
-                  <a:noFill/>
-                </a:ln>
-                <a:solidFill>
-                  <a:schemeClr val="bg1"/>
-                </a:solidFill>
-              </a:endParaRPr>
             </a:p>
           </p:txBody>
         </p:sp>
@@ -3945,10 +3694,9 @@
           </a:lstStyle>
           <a:p>
             <a:r>
-              <a:rPr lang="en-US" dirty="0" smtClean="0"/>
+              <a:rPr lang="en-US" dirty="0"/>
               <a:t>Presentation Title</a:t>
             </a:r>
-            <a:endParaRPr lang="en-US" dirty="0"/>
           </a:p>
         </p:txBody>
       </p:sp>
@@ -3984,7 +3732,7 @@
           <a:lstStyle/>
           <a:p>
             <a:r>
-              <a:rPr lang="en-US" sz="9600" b="1" dirty="0" smtClean="0">
+              <a:rPr lang="en-US" sz="9600" b="1" dirty="0">
                 <a:solidFill>
                   <a:schemeClr val="tx1">
                     <a:lumMod val="75000"/>
@@ -3996,16 +3744,6 @@
               </a:rPr>
               <a:t>?</a:t>
             </a:r>
-            <a:endParaRPr lang="en-US" sz="9600" b="1" dirty="0">
-              <a:solidFill>
-                <a:schemeClr val="tx1">
-                  <a:lumMod val="75000"/>
-                </a:schemeClr>
-              </a:solidFill>
-              <a:effectLst>
-                <a:reflection blurRad="6350" stA="55000" endA="300" endPos="45500" dir="5400000" sy="-100000" algn="bl" rotWithShape="0"/>
-              </a:effectLst>
-            </a:endParaRPr>
           </a:p>
         </p:txBody>
       </p:sp>
@@ -4041,7 +3779,7 @@
           <a:lstStyle/>
           <a:p>
             <a:r>
-              <a:rPr lang="en-US" sz="8800" dirty="0" smtClean="0">
+              <a:rPr lang="en-US" sz="8800" dirty="0">
                 <a:solidFill>
                   <a:schemeClr val="accent5">
                     <a:lumMod val="60000"/>
@@ -4054,17 +3792,6 @@
               </a:rPr>
               <a:t>?</a:t>
             </a:r>
-            <a:endParaRPr lang="en-US" sz="8800" dirty="0">
-              <a:solidFill>
-                <a:schemeClr val="accent5">
-                  <a:lumMod val="60000"/>
-                  <a:lumOff val="40000"/>
-                </a:schemeClr>
-              </a:solidFill>
-              <a:effectLst>
-                <a:reflection blurRad="6350" stA="55000" endA="300" endPos="45500" dir="5400000" sy="-100000" algn="bl" rotWithShape="0"/>
-              </a:effectLst>
-            </a:endParaRPr>
           </a:p>
         </p:txBody>
       </p:sp>
@@ -4100,7 +3827,7 @@
           <a:lstStyle/>
           <a:p>
             <a:r>
-              <a:rPr lang="en-US" sz="11500" b="1" dirty="0" smtClean="0">
+              <a:rPr lang="en-US" sz="11500" b="1" dirty="0">
                 <a:solidFill>
                   <a:srgbClr val="FF831D"/>
                 </a:solidFill>
@@ -4110,14 +3837,6 @@
               </a:rPr>
               <a:t>?</a:t>
             </a:r>
-            <a:endParaRPr lang="en-US" sz="11500" b="1" dirty="0">
-              <a:solidFill>
-                <a:srgbClr val="FF831D"/>
-              </a:solidFill>
-              <a:effectLst>
-                <a:reflection blurRad="6350" stA="55000" endA="300" endPos="45500" dir="5400000" sy="-100000" algn="bl" rotWithShape="0"/>
-              </a:effectLst>
-            </a:endParaRPr>
           </a:p>
         </p:txBody>
       </p:sp>
@@ -4160,7 +3879,7 @@
           <a:lstStyle/>
           <a:p>
             <a:r>
-              <a:rPr lang="en-US" sz="12800" b="1" dirty="0" smtClean="0">
+              <a:rPr lang="en-US" sz="12800" b="1" dirty="0">
                 <a:ln w="11430"/>
                 <a:gradFill>
                   <a:gsLst>
@@ -4208,52 +3927,6 @@
               </a:rPr>
               <a:t>?</a:t>
             </a:r>
-            <a:endParaRPr lang="en-US" sz="12800" b="1" dirty="0">
-              <a:ln w="11430"/>
-              <a:gradFill>
-                <a:gsLst>
-                  <a:gs pos="0">
-                    <a:schemeClr val="accent6">
-                      <a:tint val="90000"/>
-                      <a:satMod val="120000"/>
-                    </a:schemeClr>
-                  </a:gs>
-                  <a:gs pos="25000">
-                    <a:schemeClr val="accent6">
-                      <a:tint val="93000"/>
-                      <a:satMod val="120000"/>
-                    </a:schemeClr>
-                  </a:gs>
-                  <a:gs pos="50000">
-                    <a:schemeClr val="accent6">
-                      <a:shade val="89000"/>
-                      <a:satMod val="110000"/>
-                    </a:schemeClr>
-                  </a:gs>
-                  <a:gs pos="75000">
-                    <a:schemeClr val="accent6">
-                      <a:tint val="93000"/>
-                      <a:satMod val="120000"/>
-                    </a:schemeClr>
-                  </a:gs>
-                  <a:gs pos="100000">
-                    <a:schemeClr val="accent6">
-                      <a:tint val="90000"/>
-                      <a:satMod val="120000"/>
-                    </a:schemeClr>
-                  </a:gs>
-                </a:gsLst>
-                <a:lin ang="5400000"/>
-              </a:gradFill>
-              <a:effectLst>
-                <a:innerShdw blurRad="63500" dist="50800" dir="8100000">
-                  <a:prstClr val="black">
-                    <a:alpha val="50000"/>
-                  </a:prstClr>
-                </a:innerShdw>
-                <a:reflection blurRad="6350" stA="55000" endA="300" endPos="45500" dir="5400000" sy="-100000" algn="bl" rotWithShape="0"/>
-              </a:effectLst>
-            </a:endParaRPr>
           </a:p>
         </p:txBody>
       </p:sp>
@@ -4289,7 +3962,7 @@
           <a:lstStyle/>
           <a:p>
             <a:r>
-              <a:rPr lang="en-US" sz="5600" dirty="0" smtClean="0">
+              <a:rPr lang="en-US" sz="5600" dirty="0">
                 <a:solidFill>
                   <a:schemeClr val="tx2">
                     <a:lumMod val="75000"/>
@@ -4301,16 +3974,6 @@
               </a:rPr>
               <a:t>?</a:t>
             </a:r>
-            <a:endParaRPr lang="en-US" sz="5600" dirty="0">
-              <a:solidFill>
-                <a:schemeClr val="tx2">
-                  <a:lumMod val="75000"/>
-                </a:schemeClr>
-              </a:solidFill>
-              <a:effectLst>
-                <a:reflection blurRad="6350" stA="55000" endA="300" endPos="45500" dir="5400000" sy="-100000" algn="bl" rotWithShape="0"/>
-              </a:effectLst>
-            </a:endParaRPr>
           </a:p>
         </p:txBody>
       </p:sp>
@@ -4346,7 +4009,7 @@
           <a:lstStyle/>
           <a:p>
             <a:r>
-              <a:rPr lang="en-US" sz="9600" dirty="0" smtClean="0">
+              <a:rPr lang="en-US" sz="9600" dirty="0">
                 <a:solidFill>
                   <a:srgbClr val="FF4A37"/>
                 </a:solidFill>
@@ -4356,14 +4019,6 @@
               </a:rPr>
               <a:t>?</a:t>
             </a:r>
-            <a:endParaRPr lang="en-US" sz="9600" dirty="0">
-              <a:solidFill>
-                <a:srgbClr val="FF4A37"/>
-              </a:solidFill>
-              <a:effectLst>
-                <a:reflection blurRad="6350" stA="60000" endA="900" endPos="60000" dist="29997" dir="5400000" sy="-100000" algn="bl" rotWithShape="0"/>
-              </a:effectLst>
-            </a:endParaRPr>
           </a:p>
         </p:txBody>
       </p:sp>
@@ -4399,7 +4054,7 @@
           <a:lstStyle/>
           <a:p>
             <a:r>
-              <a:rPr lang="en-US" sz="3600" dirty="0" smtClean="0">
+              <a:rPr lang="en-US" sz="3600" dirty="0">
                 <a:solidFill>
                   <a:schemeClr val="tx2">
                     <a:lumMod val="40000"/>
@@ -4412,17 +4067,6 @@
               </a:rPr>
               <a:t>?</a:t>
             </a:r>
-            <a:endParaRPr lang="en-US" sz="3600" dirty="0">
-              <a:solidFill>
-                <a:schemeClr val="tx2">
-                  <a:lumMod val="40000"/>
-                  <a:lumOff val="60000"/>
-                </a:schemeClr>
-              </a:solidFill>
-              <a:effectLst>
-                <a:reflection blurRad="6350" stA="55000" endA="300" endPos="45500" dir="5400000" sy="-100000" algn="bl" rotWithShape="0"/>
-              </a:effectLst>
-            </a:endParaRPr>
           </a:p>
         </p:txBody>
       </p:sp>
@@ -4458,7 +4102,7 @@
           <a:lstStyle/>
           <a:p>
             <a:r>
-              <a:rPr lang="en-US" sz="6600" dirty="0" smtClean="0">
+              <a:rPr lang="en-US" sz="6600" dirty="0">
                 <a:solidFill>
                   <a:srgbClr val="9966FF"/>
                 </a:solidFill>
@@ -4468,14 +4112,6 @@
               </a:rPr>
               <a:t>?</a:t>
             </a:r>
-            <a:endParaRPr lang="en-US" sz="6600" dirty="0">
-              <a:solidFill>
-                <a:srgbClr val="9966FF"/>
-              </a:solidFill>
-              <a:effectLst>
-                <a:reflection blurRad="6350" stA="55000" endA="300" endPos="45500" dir="5400000" sy="-100000" algn="bl" rotWithShape="0"/>
-              </a:effectLst>
-            </a:endParaRPr>
           </a:p>
         </p:txBody>
       </p:sp>
@@ -4514,7 +4150,7 @@
           <a:lstStyle/>
           <a:p>
             <a:r>
-              <a:rPr lang="en-US" sz="4400" dirty="0" smtClean="0">
+              <a:rPr lang="en-US" sz="4400" dirty="0">
                 <a:solidFill>
                   <a:srgbClr val="FF6699"/>
                 </a:solidFill>
@@ -4524,14 +4160,6 @@
               </a:rPr>
               <a:t>?</a:t>
             </a:r>
-            <a:endParaRPr lang="en-US" sz="4400" dirty="0">
-              <a:solidFill>
-                <a:srgbClr val="FF6699"/>
-              </a:solidFill>
-              <a:effectLst>
-                <a:reflection blurRad="6350" stA="55000" endA="300" endPos="45500" dir="5400000" sy="-100000" algn="bl" rotWithShape="0"/>
-              </a:effectLst>
-            </a:endParaRPr>
           </a:p>
         </p:txBody>
       </p:sp>
@@ -4567,7 +4195,7 @@
           <a:lstStyle/>
           <a:p>
             <a:r>
-              <a:rPr lang="en-US" sz="3600" dirty="0" smtClean="0">
+              <a:rPr lang="en-US" sz="3600" dirty="0">
                 <a:solidFill>
                   <a:schemeClr val="tx2">
                     <a:lumMod val="40000"/>
@@ -4580,17 +4208,6 @@
               </a:rPr>
               <a:t>?</a:t>
             </a:r>
-            <a:endParaRPr lang="en-US" sz="3600" dirty="0">
-              <a:solidFill>
-                <a:schemeClr val="tx2">
-                  <a:lumMod val="40000"/>
-                  <a:lumOff val="60000"/>
-                </a:schemeClr>
-              </a:solidFill>
-              <a:effectLst>
-                <a:reflection blurRad="6350" stA="55000" endA="300" endPos="45500" dir="5400000" sy="-100000" algn="bl" rotWithShape="0"/>
-              </a:effectLst>
-            </a:endParaRPr>
           </a:p>
         </p:txBody>
       </p:sp>
@@ -4619,7 +4236,7 @@
           <a:lstStyle/>
           <a:p>
             <a:r>
-              <a:rPr lang="en-US" sz="6000" b="1" dirty="0" smtClean="0">
+              <a:rPr lang="en-US" sz="6000" b="1" dirty="0">
                 <a:ln w="1905"/>
                 <a:gradFill>
                   <a:gsLst>
@@ -4655,40 +4272,6 @@
               </a:rPr>
               <a:t>?</a:t>
             </a:r>
-            <a:endParaRPr lang="en-US" sz="6000" b="1" dirty="0">
-              <a:ln w="1905"/>
-              <a:gradFill>
-                <a:gsLst>
-                  <a:gs pos="0">
-                    <a:schemeClr val="accent6">
-                      <a:shade val="20000"/>
-                      <a:satMod val="200000"/>
-                    </a:schemeClr>
-                  </a:gs>
-                  <a:gs pos="78000">
-                    <a:schemeClr val="accent6">
-                      <a:tint val="90000"/>
-                      <a:shade val="89000"/>
-                      <a:satMod val="220000"/>
-                    </a:schemeClr>
-                  </a:gs>
-                  <a:gs pos="100000">
-                    <a:schemeClr val="accent6">
-                      <a:tint val="12000"/>
-                      <a:satMod val="255000"/>
-                    </a:schemeClr>
-                  </a:gs>
-                </a:gsLst>
-                <a:lin ang="5400000"/>
-              </a:gradFill>
-              <a:effectLst>
-                <a:innerShdw blurRad="69850" dist="43180" dir="5400000">
-                  <a:srgbClr val="000000">
-                    <a:alpha val="65000"/>
-                  </a:srgbClr>
-                </a:innerShdw>
-              </a:effectLst>
-            </a:endParaRPr>
           </a:p>
         </p:txBody>
       </p:sp>
@@ -4724,7 +4307,7 @@
           <a:lstStyle/>
           <a:p>
             <a:r>
-              <a:rPr lang="en-US" sz="4000" dirty="0" smtClean="0">
+              <a:rPr lang="en-US" sz="4000" dirty="0">
                 <a:solidFill>
                   <a:schemeClr val="accent4">
                     <a:lumMod val="60000"/>
@@ -4737,17 +4320,6 @@
               </a:rPr>
               <a:t>?</a:t>
             </a:r>
-            <a:endParaRPr lang="en-US" sz="4000" dirty="0">
-              <a:solidFill>
-                <a:schemeClr val="accent4">
-                  <a:lumMod val="60000"/>
-                  <a:lumOff val="40000"/>
-                </a:schemeClr>
-              </a:solidFill>
-              <a:effectLst>
-                <a:reflection blurRad="6350" stA="55000" endA="300" endPos="45500" dir="5400000" sy="-100000" algn="bl" rotWithShape="0"/>
-              </a:effectLst>
-            </a:endParaRPr>
           </a:p>
         </p:txBody>
       </p:sp>
@@ -4788,7 +4360,7 @@
           <a:lstStyle/>
           <a:p>
             <a:r>
-              <a:rPr lang="en-US" sz="4000" b="1" spc="150" dirty="0" smtClean="0">
+              <a:rPr lang="en-US" sz="4000" b="1" spc="150" dirty="0">
                 <a:ln w="11430"/>
                 <a:solidFill>
                   <a:schemeClr val="accent4">
@@ -4806,22 +4378,6 @@
               </a:rPr>
               <a:t>?</a:t>
             </a:r>
-            <a:endParaRPr lang="en-US" sz="4000" b="1" spc="150" dirty="0">
-              <a:ln w="11430"/>
-              <a:solidFill>
-                <a:schemeClr val="accent4">
-                  <a:lumMod val="60000"/>
-                  <a:lumOff val="40000"/>
-                </a:schemeClr>
-              </a:solidFill>
-              <a:effectLst>
-                <a:outerShdw blurRad="25400" algn="tl" rotWithShape="0">
-                  <a:srgbClr val="000000">
-                    <a:alpha val="43000"/>
-                  </a:srgbClr>
-                </a:outerShdw>
-              </a:effectLst>
-            </a:endParaRPr>
           </a:p>
         </p:txBody>
       </p:sp>
@@ -4850,7 +4406,7 @@
           <a:lstStyle/>
           <a:p>
             <a:r>
-              <a:rPr lang="en-US" sz="3600" b="1" dirty="0" smtClean="0">
+              <a:rPr lang="en-US" sz="3600" b="1" dirty="0">
                 <a:ln w="19050">
                   <a:solidFill>
                     <a:schemeClr val="accent4">
@@ -4939,7 +4495,7 @@
           <a:lstStyle/>
           <a:p>
             <a:r>
-              <a:rPr lang="en-US" sz="4400" dirty="0" smtClean="0">
+              <a:rPr lang="en-US" sz="4400" dirty="0">
                 <a:ln>
                   <a:solidFill>
                     <a:schemeClr val="accent2">
@@ -4960,25 +4516,6 @@
               </a:rPr>
               <a:t>?</a:t>
             </a:r>
-            <a:endParaRPr lang="en-US" sz="4400" dirty="0">
-              <a:ln>
-                <a:solidFill>
-                  <a:schemeClr val="accent2">
-                    <a:lumMod val="40000"/>
-                    <a:lumOff val="60000"/>
-                  </a:schemeClr>
-                </a:solidFill>
-              </a:ln>
-              <a:solidFill>
-                <a:schemeClr val="accent6">
-                  <a:lumMod val="60000"/>
-                  <a:lumOff val="40000"/>
-                </a:schemeClr>
-              </a:solidFill>
-              <a:effectLst>
-                <a:reflection blurRad="6350" stA="55000" endA="300" endPos="45500" dir="5400000" sy="-100000" algn="bl" rotWithShape="0"/>
-              </a:effectLst>
-            </a:endParaRPr>
           </a:p>
         </p:txBody>
       </p:sp>
@@ -5014,7 +4551,7 @@
           <a:lstStyle/>
           <a:p>
             <a:r>
-              <a:rPr lang="en-US" sz="2800" dirty="0" smtClean="0">
+              <a:rPr lang="en-US" sz="2800" dirty="0">
                 <a:ln>
                   <a:solidFill>
                     <a:schemeClr val="tx1">
@@ -5034,24 +4571,6 @@
               </a:rPr>
               <a:t>?</a:t>
             </a:r>
-            <a:endParaRPr lang="en-US" sz="2800" dirty="0">
-              <a:ln>
-                <a:solidFill>
-                  <a:schemeClr val="tx1">
-                    <a:lumMod val="75000"/>
-                  </a:schemeClr>
-                </a:solidFill>
-              </a:ln>
-              <a:solidFill>
-                <a:schemeClr val="accent4">
-                  <a:lumMod val="60000"/>
-                  <a:lumOff val="40000"/>
-                </a:schemeClr>
-              </a:solidFill>
-              <a:effectLst>
-                <a:reflection blurRad="6350" stA="55000" endA="300" endPos="45500" dir="5400000" sy="-100000" algn="bl" rotWithShape="0"/>
-              </a:effectLst>
-            </a:endParaRPr>
           </a:p>
         </p:txBody>
       </p:sp>
@@ -5087,7 +4606,7 @@
           <a:lstStyle/>
           <a:p>
             <a:r>
-              <a:rPr lang="en-US" sz="2800" b="1" dirty="0" smtClean="0">
+              <a:rPr lang="en-US" sz="2800" b="1" dirty="0">
                 <a:ln w="31550" cmpd="sng">
                   <a:solidFill>
                     <a:schemeClr val="tx2">
@@ -5170,7 +4689,7 @@
           <a:lstStyle/>
           <a:p>
             <a:r>
-              <a:rPr lang="en-US" sz="3200" dirty="0" smtClean="0">
+              <a:rPr lang="en-US" sz="3200" dirty="0">
                 <a:ln>
                   <a:solidFill>
                     <a:schemeClr val="accent1">
@@ -5191,25 +4710,6 @@
               </a:rPr>
               <a:t>?</a:t>
             </a:r>
-            <a:endParaRPr lang="en-US" sz="3200" dirty="0">
-              <a:ln>
-                <a:solidFill>
-                  <a:schemeClr val="accent1">
-                    <a:lumMod val="40000"/>
-                    <a:lumOff val="60000"/>
-                  </a:schemeClr>
-                </a:solidFill>
-              </a:ln>
-              <a:solidFill>
-                <a:schemeClr val="accent4">
-                  <a:lumMod val="60000"/>
-                  <a:lumOff val="40000"/>
-                </a:schemeClr>
-              </a:solidFill>
-              <a:effectLst>
-                <a:reflection blurRad="6350" stA="55000" endA="300" endPos="45500" dir="5400000" sy="-100000" algn="bl" rotWithShape="0"/>
-              </a:effectLst>
-            </a:endParaRPr>
           </a:p>
         </p:txBody>
       </p:sp>
@@ -5267,7 +4767,7 @@
               <a:buNone/>
             </a:pPr>
             <a:r>
-              <a:rPr lang="en-US" sz="7600" b="1" spc="150" noProof="0" dirty="0" smtClean="0">
+              <a:rPr lang="en-US" sz="7600" b="1" spc="150" noProof="0" dirty="0">
                 <a:ln w="11430"/>
                 <a:solidFill>
                   <a:schemeClr val="tx1">
@@ -5338,10 +4838,9 @@
           <a:p>
             <a:pPr lvl="0"/>
             <a:r>
-              <a:rPr lang="en-US" dirty="0" smtClean="0"/>
+              <a:rPr lang="en-US" dirty="0"/>
               <a:t>Course web site URL</a:t>
             </a:r>
-            <a:endParaRPr lang="en-US" dirty="0"/>
           </a:p>
         </p:txBody>
       </p:sp>
@@ -5382,7 +4881,7 @@
               </a:lnSpc>
             </a:pPr>
             <a:r>
-              <a:rPr lang="en-US" sz="12000" b="1" dirty="0" smtClean="0">
+              <a:rPr lang="en-US" sz="12000" b="1" dirty="0">
                 <a:solidFill>
                   <a:srgbClr val="FFBF8B"/>
                 </a:solidFill>
@@ -5393,15 +4892,6 @@
               </a:rPr>
               <a:t>?</a:t>
             </a:r>
-            <a:endParaRPr lang="en-US" sz="12000" b="1" dirty="0">
-              <a:solidFill>
-                <a:srgbClr val="FFBF8B"/>
-              </a:solidFill>
-              <a:effectLst>
-                <a:reflection blurRad="6350" stA="55000" endA="300" endPos="45500" dir="5400000" sy="-100000" algn="bl" rotWithShape="0"/>
-              </a:effectLst>
-              <a:latin typeface="Cambria" pitchFamily="18" charset="0"/>
-            </a:endParaRPr>
           </a:p>
         </p:txBody>
       </p:sp>
@@ -5410,13 +4900,6 @@
   <p:clrMapOvr>
     <a:masterClrMapping/>
   </p:clrMapOvr>
-  <p:timing>
-    <p:tnLst>
-      <p:par>
-        <p:cTn id="1" dur="indefinite" restart="never" nodeType="tmRoot"/>
-      </p:par>
-    </p:tnLst>
-  </p:timing>
 </p:sldLayout>
 </file>
 
@@ -5682,13 +5165,6 @@
     <p:sldLayoutId id="2147483689" r:id="rId4"/>
     <p:sldLayoutId id="2147483703" r:id="rId5"/>
   </p:sldLayoutIdLst>
-  <p:timing>
-    <p:tnLst>
-      <p:par>
-        <p:cTn id="1" dur="indefinite" restart="never" nodeType="tmRoot"/>
-      </p:par>
-    </p:tnLst>
-  </p:timing>
   <p:hf hdr="0" ftr="0" dt="0"/>
   <p:txStyles>
     <p:titleStyle>
@@ -6242,38 +5718,6 @@
       </p:sp>
       <p:sp>
         <p:nvSpPr>
-          <p:cNvPr id="14" name="Text Placeholder 4"/>
-          <p:cNvSpPr>
-            <a:spLocks noGrp="1"/>
-          </p:cNvSpPr>
-          <p:nvPr>
-            <p:ph type="body" sz="quarter" idx="10"/>
-          </p:nvPr>
-        </p:nvSpPr>
-        <p:spPr>
-          <a:xfrm>
-            <a:off x="419099" y="4495800"/>
-            <a:ext cx="3853295" cy="533400"/>
-          </a:xfrm>
-        </p:spPr>
-        <p:txBody>
-          <a:bodyPr/>
-          <a:lstStyle/>
-          <a:p>
-            <a:r>
-              <a:rPr lang="en-US" dirty="0" smtClean="0"/>
-              <a:t>Nikolay </a:t>
-            </a:r>
-            <a:r>
-              <a:rPr lang="en-US" dirty="0" err="1" smtClean="0"/>
-              <a:t>Kostov</a:t>
-            </a:r>
-            <a:endParaRPr lang="en-US" dirty="0"/>
-          </a:p>
-        </p:txBody>
-      </p:sp>
-      <p:sp>
-        <p:nvSpPr>
           <p:cNvPr id="15" name="Text Placeholder 5"/>
           <p:cNvSpPr>
             <a:spLocks noGrp="1"/>
@@ -6293,10 +5737,9 @@
           <a:lstStyle/>
           <a:p>
             <a:r>
-              <a:rPr lang="en-US" dirty="0" smtClean="0"/>
+              <a:rPr lang="en-US" dirty="0"/>
               <a:t>Telerik Software Academy</a:t>
             </a:r>
-            <a:endParaRPr lang="en-US" dirty="0"/>
           </a:p>
         </p:txBody>
       </p:sp>
@@ -6321,81 +5764,15 @@
           <a:lstStyle/>
           <a:p>
             <a:r>
-              <a:rPr lang="en-US" dirty="0" smtClean="0">
+              <a:rPr lang="en-US" dirty="0">
                 <a:hlinkClick r:id="rId3"/>
               </a:rPr>
               <a:t>academy.telerik.com</a:t>
             </a:r>
             <a:r>
-              <a:rPr lang="en-US" dirty="0" smtClean="0"/>
+              <a:rPr lang="en-US" dirty="0"/>
               <a:t>   </a:t>
             </a:r>
-            <a:endParaRPr lang="en-US" dirty="0"/>
-          </a:p>
-        </p:txBody>
-      </p:sp>
-      <p:sp>
-        <p:nvSpPr>
-          <p:cNvPr id="4" name="Text Placeholder 3"/>
-          <p:cNvSpPr>
-            <a:spLocks noGrp="1"/>
-          </p:cNvSpPr>
-          <p:nvPr>
-            <p:ph type="body" sz="quarter" idx="13"/>
-          </p:nvPr>
-        </p:nvSpPr>
-        <p:spPr>
-          <a:xfrm>
-            <a:off x="431800" y="4914781"/>
-            <a:ext cx="3838864" cy="800219"/>
-          </a:xfrm>
-        </p:spPr>
-        <p:txBody>
-          <a:bodyPr/>
-          <a:lstStyle/>
-          <a:p>
-            <a:r>
-              <a:rPr lang="en-US" dirty="0" smtClean="0"/>
-              <a:t>Senior Software Developer</a:t>
-            </a:r>
-            <a:br>
-              <a:rPr lang="en-US" dirty="0" smtClean="0"/>
-            </a:br>
-            <a:r>
-              <a:rPr lang="en-US" dirty="0" smtClean="0"/>
-              <a:t>and Technical Trainer</a:t>
-            </a:r>
-            <a:endParaRPr lang="en-US" dirty="0"/>
-          </a:p>
-        </p:txBody>
-      </p:sp>
-      <p:sp>
-        <p:nvSpPr>
-          <p:cNvPr id="6" name="Text Placeholder 5"/>
-          <p:cNvSpPr>
-            <a:spLocks noGrp="1"/>
-          </p:cNvSpPr>
-          <p:nvPr>
-            <p:ph type="body" sz="quarter" idx="14"/>
-          </p:nvPr>
-        </p:nvSpPr>
-        <p:spPr>
-          <a:xfrm>
-            <a:off x="457200" y="5650468"/>
-            <a:ext cx="3810000" cy="369332"/>
-          </a:xfrm>
-        </p:spPr>
-        <p:txBody>
-          <a:bodyPr/>
-          <a:lstStyle/>
-          <a:p>
-            <a:r>
-              <a:rPr lang="en-US" sz="1800" dirty="0" smtClean="0">
-                <a:hlinkClick r:id="rId4"/>
-              </a:rPr>
-              <a:t>http://Nikolay.IT</a:t>
-            </a:r>
-            <a:endParaRPr lang="en-US" sz="1800" dirty="0"/>
           </a:p>
         </p:txBody>
       </p:sp>
@@ -6408,7 +5785,7 @@
           <p:nvPr/>
         </p:nvPicPr>
         <p:blipFill>
-          <a:blip r:embed="rId5">
+          <a:blip r:embed="rId4">
             <a:extLst>
               <a:ext uri="{28A0092B-C50C-407E-A947-70E740481C1C}">
                 <a14:useLocalDpi xmlns:a14="http://schemas.microsoft.com/office/drawing/2010/main"/>
@@ -6472,7 +5849,7 @@
           <p:nvPr/>
         </p:nvPicPr>
         <p:blipFill rotWithShape="1">
-          <a:blip r:embed="rId6" cstate="screen">
+          <a:blip r:embed="rId5" cstate="screen">
             <a:extLst>
               <a:ext uri="{28A0092B-C50C-407E-A947-70E740481C1C}">
                 <a14:useLocalDpi xmlns:a14="http://schemas.microsoft.com/office/drawing/2010/main"/>
@@ -6504,18 +5881,86 @@
           </a:extLst>
         </p:spPr>
       </p:pic>
+      <p:sp>
+        <p:nvSpPr>
+          <p:cNvPr id="7" name="Platshållare för text 6">
+            <a:extLst>
+              <a:ext uri="{FF2B5EF4-FFF2-40B4-BE49-F238E27FC236}">
+                <a16:creationId xmlns:a16="http://schemas.microsoft.com/office/drawing/2014/main" id="{090DC9CF-ECE2-43D1-928B-552759FB5FD2}"/>
+              </a:ext>
+            </a:extLst>
+          </p:cNvPr>
+          <p:cNvSpPr>
+            <a:spLocks noGrp="1"/>
+          </p:cNvSpPr>
+          <p:nvPr>
+            <p:ph type="body" sz="quarter" idx="10"/>
+          </p:nvPr>
+        </p:nvSpPr>
+        <p:spPr/>
+        <p:txBody>
+          <a:bodyPr/>
+          <a:lstStyle/>
+          <a:p>
+            <a:endParaRPr lang="sv-SE"/>
+          </a:p>
+        </p:txBody>
+      </p:sp>
+      <p:sp>
+        <p:nvSpPr>
+          <p:cNvPr id="9" name="Platshållare för text 8">
+            <a:extLst>
+              <a:ext uri="{FF2B5EF4-FFF2-40B4-BE49-F238E27FC236}">
+                <a16:creationId xmlns:a16="http://schemas.microsoft.com/office/drawing/2014/main" id="{44BE2052-1647-4BA0-8CAD-0393E41F4BD1}"/>
+              </a:ext>
+            </a:extLst>
+          </p:cNvPr>
+          <p:cNvSpPr>
+            <a:spLocks noGrp="1"/>
+          </p:cNvSpPr>
+          <p:nvPr>
+            <p:ph type="body" sz="quarter" idx="13"/>
+          </p:nvPr>
+        </p:nvSpPr>
+        <p:spPr/>
+        <p:txBody>
+          <a:bodyPr/>
+          <a:lstStyle/>
+          <a:p>
+            <a:endParaRPr lang="sv-SE"/>
+          </a:p>
+        </p:txBody>
+      </p:sp>
+      <p:sp>
+        <p:nvSpPr>
+          <p:cNvPr id="11" name="Platshållare för text 10">
+            <a:extLst>
+              <a:ext uri="{FF2B5EF4-FFF2-40B4-BE49-F238E27FC236}">
+                <a16:creationId xmlns:a16="http://schemas.microsoft.com/office/drawing/2014/main" id="{745436D3-B4EE-4516-9C93-E1771387C01D}"/>
+              </a:ext>
+            </a:extLst>
+          </p:cNvPr>
+          <p:cNvSpPr>
+            <a:spLocks noGrp="1"/>
+          </p:cNvSpPr>
+          <p:nvPr>
+            <p:ph type="body" sz="quarter" idx="14"/>
+          </p:nvPr>
+        </p:nvSpPr>
+        <p:spPr/>
+        <p:txBody>
+          <a:bodyPr/>
+          <a:lstStyle/>
+          <a:p>
+            <a:endParaRPr lang="sv-SE"/>
+          </a:p>
+        </p:txBody>
+      </p:sp>
     </p:spTree>
   </p:cSld>
   <p:clrMapOvr>
     <a:masterClrMapping/>
   </p:clrMapOvr>
-  <p:timing>
-    <p:tnLst>
-      <p:par>
-        <p:cTn id="1" dur="indefinite" restart="never" nodeType="tmRoot"/>
-      </p:par>
-    </p:tnLst>
-  </p:timing>
 </p:sld>
 </file>
 
@@ -6557,14 +6002,9 @@
           <a:lstStyle/>
           <a:p>
             <a:r>
-              <a:rPr lang="en-US" sz="3600" dirty="0" smtClean="0"/>
-              <a:t>Bad Programming </a:t>
-            </a:r>
-            <a:r>
-              <a:rPr lang="en-US" sz="3600" dirty="0" smtClean="0"/>
-              <a:t>Style – Example</a:t>
-            </a:r>
-            <a:endParaRPr lang="en-US" sz="3600" dirty="0"/>
+              <a:rPr lang="en-US" sz="3600" dirty="0"/>
+              <a:t>Bad Programming Style – Example</a:t>
+            </a:r>
           </a:p>
         </p:txBody>
       </p:sp>
@@ -7370,7 +6810,7 @@
               <a:buSzPct val="70000"/>
             </a:pPr>
             <a:r>
-              <a:rPr lang="en-US" sz="2200" b="1" noProof="1" smtClean="0">
+              <a:rPr lang="en-US" sz="2200" b="1" noProof="1">
                 <a:solidFill>
                   <a:srgbClr val="F7FFE7"/>
                 </a:solidFill>
@@ -7384,39 +6824,8 @@
                 <a:latin typeface="+mn-lt"/>
                 <a:cs typeface="Consolas" pitchFamily="49" charset="0"/>
               </a:rPr>
-              <a:t>Uninformative </a:t>
-            </a:r>
-            <a:r>
-              <a:rPr lang="en-US" sz="2200" b="1" noProof="1" smtClean="0">
-                <a:solidFill>
-                  <a:srgbClr val="F7FFE7"/>
-                </a:solidFill>
-                <a:effectLst>
-                  <a:outerShdw blurRad="38100" dist="38100" dir="2700000" algn="tl">
-                    <a:srgbClr val="000000">
-                      <a:alpha val="43137"/>
-                    </a:srgbClr>
-                  </a:outerShdw>
-                </a:effectLst>
-                <a:latin typeface="+mn-lt"/>
-                <a:cs typeface="Consolas" pitchFamily="49" charset="0"/>
-              </a:rPr>
-              <a:t>variable names. Crude layout.</a:t>
-            </a:r>
-            <a:endParaRPr lang="en-US" sz="2200" b="1" noProof="1" smtClean="0">
-              <a:solidFill>
-                <a:srgbClr val="F7FFE7"/>
-              </a:solidFill>
-              <a:effectLst>
-                <a:outerShdw blurRad="38100" dist="38100" dir="2700000" algn="tl">
-                  <a:srgbClr val="000000">
-                    <a:alpha val="43137"/>
-                  </a:srgbClr>
-                </a:outerShdw>
-              </a:effectLst>
-              <a:latin typeface="+mn-lt"/>
-              <a:cs typeface="Consolas" pitchFamily="49" charset="0"/>
-            </a:endParaRPr>
+              <a:t>Uninformative variable names. Crude layout.</a:t>
+            </a:r>
           </a:p>
         </p:txBody>
       </p:sp>
@@ -7606,10 +7015,9 @@
           <a:lstStyle/>
           <a:p>
             <a:r>
-              <a:rPr lang="en-US" dirty="0" smtClean="0"/>
+              <a:rPr lang="en-US" dirty="0"/>
               <a:t>Good Programming Style – Example</a:t>
             </a:r>
-            <a:endParaRPr lang="en-US" dirty="0"/>
           </a:p>
         </p:txBody>
       </p:sp>
@@ -8483,13 +7891,6 @@
   <p:clrMapOvr>
     <a:masterClrMapping/>
   </p:clrMapOvr>
-  <p:timing>
-    <p:tnLst>
-      <p:par>
-        <p:cTn id="1" dur="indefinite" restart="never" nodeType="tmRoot"/>
-      </p:par>
-    </p:tnLst>
-  </p:timing>
 </p:sld>
 </file>
 
@@ -8526,10 +7927,9 @@
           <a:lstStyle/>
           <a:p>
             <a:r>
-              <a:rPr lang="en-US" dirty="0" smtClean="0"/>
+              <a:rPr lang="en-US" dirty="0"/>
               <a:t>Self-Documenting Code</a:t>
             </a:r>
-            <a:endParaRPr lang="en-US" dirty="0"/>
           </a:p>
         </p:txBody>
       </p:sp>
@@ -8554,11 +7954,11 @@
               </a:lnSpc>
             </a:pPr>
             <a:r>
-              <a:rPr lang="en-US" dirty="0" smtClean="0"/>
+              <a:rPr lang="en-US" dirty="0"/>
               <a:t>Code that relies on </a:t>
             </a:r>
             <a:r>
-              <a:rPr lang="en-US" dirty="0" smtClean="0">
+              <a:rPr lang="en-US" dirty="0">
                 <a:solidFill>
                   <a:schemeClr val="accent5">
                     <a:lumMod val="20000"/>
@@ -8566,18 +7966,7 @@
                   </a:schemeClr>
                 </a:solidFill>
               </a:rPr>
-              <a:t>good programming </a:t>
-            </a:r>
-            <a:r>
-              <a:rPr lang="en-US" dirty="0" smtClean="0">
-                <a:solidFill>
-                  <a:schemeClr val="accent5">
-                    <a:lumMod val="20000"/>
-                    <a:lumOff val="80000"/>
-                  </a:schemeClr>
-                </a:solidFill>
-              </a:rPr>
-              <a:t>style</a:t>
+              <a:t>good programming style</a:t>
             </a:r>
           </a:p>
           <a:p>
@@ -8587,12 +7976,8 @@
               </a:lnSpc>
             </a:pPr>
             <a:r>
-              <a:rPr lang="en-US" dirty="0" smtClean="0"/>
-              <a:t>To carry </a:t>
-            </a:r>
-            <a:r>
-              <a:rPr lang="en-US" dirty="0" smtClean="0"/>
-              <a:t>major part of the information intended for the documentation</a:t>
+              <a:rPr lang="en-US" dirty="0"/>
+              <a:t>To carry major part of the information intended for the documentation</a:t>
             </a:r>
           </a:p>
           <a:p>
@@ -8602,14 +7987,9 @@
               </a:lnSpc>
             </a:pPr>
             <a:r>
-              <a:rPr lang="en-US" dirty="0" smtClean="0"/>
-              <a:t>Self-documenting code fundamental </a:t>
-            </a:r>
-            <a:r>
-              <a:rPr lang="en-US" dirty="0" smtClean="0"/>
-              <a:t>principles</a:t>
-            </a:r>
-            <a:endParaRPr lang="en-US" dirty="0" smtClean="0"/>
+              <a:rPr lang="en-US" dirty="0"/>
+              <a:t>Self-documenting code fundamental principles</a:t>
+            </a:r>
           </a:p>
         </p:txBody>
       </p:sp>
@@ -8696,7 +8076,7 @@
               <a:buSzPct val="70000"/>
             </a:pPr>
             <a:r>
-              <a:rPr lang="en-US" sz="3200" b="1" noProof="1" smtClean="0">
+              <a:rPr lang="en-US" sz="3200" b="1" noProof="1">
                 <a:solidFill>
                   <a:schemeClr val="accent5">
                     <a:lumMod val="20000"/>
@@ -8772,7 +8152,7 @@
               <a:buSzPct val="70000"/>
             </a:pPr>
             <a:r>
-              <a:rPr lang="en-US" sz="3200" b="1" noProof="1" smtClean="0">
+              <a:rPr lang="en-US" sz="3200" b="1" noProof="1">
                 <a:solidFill>
                   <a:schemeClr val="accent5">
                     <a:lumMod val="20000"/>
@@ -8848,7 +8228,7 @@
               <a:buSzPct val="70000"/>
             </a:pPr>
             <a:r>
-              <a:rPr lang="en-US" sz="3200" b="1" noProof="1" smtClean="0">
+              <a:rPr lang="en-US" sz="3200" b="1" noProof="1">
                 <a:solidFill>
                   <a:schemeClr val="accent5">
                     <a:lumMod val="20000"/>
@@ -8867,7 +8247,7 @@
               <a:t>Make the code self-explainable and self-documenting, easy to read and understand.</a:t>
             </a:r>
             <a:r>
-              <a:rPr lang="en-US" sz="3200" b="1" noProof="1" smtClean="0">
+              <a:rPr lang="en-US" sz="3200" b="1" noProof="1">
                 <a:solidFill>
                   <a:schemeClr val="accent5">
                     <a:lumMod val="20000"/>
@@ -8899,13 +8279,6 @@
   <p:clrMapOvr>
     <a:masterClrMapping/>
   </p:clrMapOvr>
-  <p:timing>
-    <p:tnLst>
-      <p:par>
-        <p:cTn id="1" dur="indefinite" restart="never" nodeType="tmRoot"/>
-      </p:par>
-    </p:tnLst>
-  </p:timing>
 </p:sld>
 </file>
 
@@ -8947,10 +8320,9 @@
           <a:lstStyle/>
           <a:p>
             <a:r>
-              <a:rPr lang="en-US" dirty="0" smtClean="0"/>
+              <a:rPr lang="en-US" dirty="0"/>
               <a:t>Self-Documenting Code Checklist</a:t>
             </a:r>
-            <a:endParaRPr lang="en-US" dirty="0"/>
           </a:p>
         </p:txBody>
       </p:sp>
@@ -8980,7 +8352,7 @@
               </a:lnSpc>
             </a:pPr>
             <a:r>
-              <a:rPr lang="en-US" dirty="0" smtClean="0">
+              <a:rPr lang="en-US" dirty="0">
                 <a:solidFill>
                   <a:schemeClr val="accent5">
                     <a:lumMod val="20000"/>
@@ -8998,7 +8370,7 @@
               </a:lnSpc>
             </a:pPr>
             <a:r>
-              <a:rPr lang="en-US" dirty="0" smtClean="0"/>
+              <a:rPr lang="en-US" dirty="0"/>
               <a:t>Does the class’s interface present a consistent abstraction?</a:t>
             </a:r>
           </a:p>
@@ -9009,7 +8381,7 @@
               </a:lnSpc>
             </a:pPr>
             <a:r>
-              <a:rPr lang="en-US" dirty="0" smtClean="0"/>
+              <a:rPr lang="en-US" dirty="0"/>
               <a:t>Does the class’s interface make obvious how you should use the class?</a:t>
             </a:r>
           </a:p>
@@ -9020,7 +8392,7 @@
               </a:lnSpc>
             </a:pPr>
             <a:r>
-              <a:rPr lang="en-US" dirty="0" smtClean="0"/>
+              <a:rPr lang="en-US" dirty="0"/>
               <a:t>Is the class well named, and does its name describe its purpose?</a:t>
             </a:r>
           </a:p>
@@ -9031,12 +8403,8 @@
               </a:lnSpc>
             </a:pPr>
             <a:r>
-              <a:rPr lang="en-US" dirty="0" smtClean="0"/>
-              <a:t>Can you treat the class as a black box</a:t>
-            </a:r>
-            <a:r>
-              <a:rPr lang="en-US" dirty="0" smtClean="0"/>
-              <a:t>?</a:t>
+              <a:rPr lang="en-US" dirty="0"/>
+              <a:t>Can you treat the class as a black box?</a:t>
             </a:r>
           </a:p>
           <a:p>
@@ -9046,10 +8414,9 @@
               </a:lnSpc>
             </a:pPr>
             <a:r>
-              <a:rPr lang="en-US" dirty="0" smtClean="0"/>
+              <a:rPr lang="en-US" dirty="0"/>
               <a:t>Do you reuse instead of repeating code?</a:t>
             </a:r>
-            <a:endParaRPr lang="en-US" dirty="0" smtClean="0"/>
           </a:p>
         </p:txBody>
       </p:sp>
@@ -9092,13 +8459,6 @@
   <p:clrMapOvr>
     <a:masterClrMapping/>
   </p:clrMapOvr>
-  <p:timing>
-    <p:tnLst>
-      <p:par>
-        <p:cTn id="1" dur="indefinite" restart="never" nodeType="tmRoot"/>
-      </p:par>
-    </p:tnLst>
-  </p:timing>
 </p:sld>
 </file>
 
@@ -9140,10 +8500,9 @@
           <a:lstStyle/>
           <a:p>
             <a:r>
-              <a:rPr lang="en-US" dirty="0" smtClean="0"/>
+              <a:rPr lang="en-US" dirty="0"/>
               <a:t>Self-Documenting Code Checklist (2)</a:t>
             </a:r>
-            <a:endParaRPr lang="en-US" dirty="0"/>
           </a:p>
         </p:txBody>
       </p:sp>
@@ -9173,7 +8532,7 @@
               </a:lnSpc>
             </a:pPr>
             <a:r>
-              <a:rPr lang="en-US" dirty="0" smtClean="0">
+              <a:rPr lang="en-US" dirty="0">
                 <a:solidFill>
                   <a:schemeClr val="accent5">
                     <a:lumMod val="20000"/>
@@ -9191,7 +8550,7 @@
               </a:lnSpc>
             </a:pPr>
             <a:r>
-              <a:rPr lang="en-US" dirty="0" smtClean="0"/>
+              <a:rPr lang="en-US" dirty="0"/>
               <a:t>Does each routine’s name describe exactly what the method does?</a:t>
             </a:r>
           </a:p>
@@ -9202,14 +8561,9 @@
               </a:lnSpc>
             </a:pPr>
             <a:r>
-              <a:rPr lang="en-US" dirty="0" smtClean="0"/>
-              <a:t>Does each method perform one well-defined </a:t>
-            </a:r>
-            <a:r>
-              <a:rPr lang="en-US" dirty="0" smtClean="0"/>
-              <a:t>task with minimal dependencies?</a:t>
-            </a:r>
-            <a:endParaRPr lang="en-US" dirty="0" smtClean="0"/>
+              <a:rPr lang="en-US" dirty="0"/>
+              <a:t>Does each method perform one well-defined task with minimal dependencies?</a:t>
+            </a:r>
           </a:p>
           <a:p>
             <a:pPr>
@@ -9218,7 +8572,7 @@
               </a:lnSpc>
             </a:pPr>
             <a:r>
-              <a:rPr lang="en-US" dirty="0" smtClean="0">
+              <a:rPr lang="en-US" dirty="0">
                 <a:solidFill>
                   <a:schemeClr val="accent5">
                     <a:lumMod val="20000"/>
@@ -9236,7 +8590,7 @@
               </a:lnSpc>
             </a:pPr>
             <a:r>
-              <a:rPr lang="en-US" dirty="0" smtClean="0"/>
+              <a:rPr lang="en-US" dirty="0"/>
               <a:t>Are type names descriptive enough to help document data declarations? </a:t>
             </a:r>
           </a:p>
@@ -9247,7 +8601,7 @@
               </a:lnSpc>
             </a:pPr>
             <a:r>
-              <a:rPr lang="en-US" dirty="0" smtClean="0"/>
+              <a:rPr lang="en-US" dirty="0"/>
               <a:t>Are variables used only for the purpose for which they’re named?</a:t>
             </a:r>
           </a:p>
@@ -9292,13 +8646,6 @@
   <p:clrMapOvr>
     <a:masterClrMapping/>
   </p:clrMapOvr>
-  <p:timing>
-    <p:tnLst>
-      <p:par>
-        <p:cTn id="1" dur="indefinite" restart="never" nodeType="tmRoot"/>
-      </p:par>
-    </p:tnLst>
-  </p:timing>
 </p:sld>
 </file>
 
@@ -9340,10 +8687,9 @@
           <a:lstStyle/>
           <a:p>
             <a:r>
-              <a:rPr lang="en-US" dirty="0" smtClean="0"/>
+              <a:rPr lang="en-US" dirty="0"/>
               <a:t>Self-Documenting Code Checklist (3)</a:t>
             </a:r>
-            <a:endParaRPr lang="en-US" dirty="0"/>
           </a:p>
         </p:txBody>
       </p:sp>
@@ -9373,7 +8719,7 @@
               </a:lnSpc>
             </a:pPr>
             <a:r>
-              <a:rPr lang="en-US" dirty="0" smtClean="0">
+              <a:rPr lang="en-US" dirty="0">
                 <a:solidFill>
                   <a:schemeClr val="accent5">
                     <a:lumMod val="20000"/>
@@ -9391,7 +8737,7 @@
               </a:lnSpc>
             </a:pPr>
             <a:r>
-              <a:rPr lang="en-US" dirty="0" smtClean="0"/>
+              <a:rPr lang="en-US" dirty="0"/>
               <a:t>Does naming conventions distinguish among type names, enumerated types,  named constants, local variables, class variables, and global variables?</a:t>
             </a:r>
           </a:p>
@@ -9402,7 +8748,7 @@
               </a:lnSpc>
             </a:pPr>
             <a:r>
-              <a:rPr lang="en-US" dirty="0" smtClean="0">
+              <a:rPr lang="en-US" dirty="0">
                 <a:solidFill>
                   <a:schemeClr val="accent5">
                     <a:lumMod val="20000"/>
@@ -9420,7 +8766,7 @@
               </a:lnSpc>
             </a:pPr>
             <a:r>
-              <a:rPr lang="en-US" dirty="0" smtClean="0"/>
+              <a:rPr lang="en-US" dirty="0"/>
               <a:t>Are data types simple so that they minimize complexity? </a:t>
             </a:r>
           </a:p>
@@ -9431,7 +8777,7 @@
               </a:lnSpc>
             </a:pPr>
             <a:r>
-              <a:rPr lang="en-US" dirty="0" smtClean="0"/>
+              <a:rPr lang="en-US" dirty="0"/>
               <a:t>Are related statements grouped together? </a:t>
             </a:r>
           </a:p>
@@ -9476,13 +8822,6 @@
   <p:clrMapOvr>
     <a:masterClrMapping/>
   </p:clrMapOvr>
-  <p:timing>
-    <p:tnLst>
-      <p:par>
-        <p:cTn id="1" dur="indefinite" restart="never" nodeType="tmRoot"/>
-      </p:par>
-    </p:tnLst>
-  </p:timing>
 </p:sld>
 </file>
 
@@ -9567,17 +8906,16 @@
               </a:lnSpc>
             </a:pPr>
             <a:r>
-              <a:rPr lang="en-US" dirty="0" smtClean="0"/>
+              <a:rPr lang="en-US" dirty="0"/>
               <a:t>To Comment or Not</a:t>
             </a:r>
             <a:br>
-              <a:rPr lang="en-US" dirty="0" smtClean="0"/>
+              <a:rPr lang="en-US" dirty="0"/>
             </a:br>
             <a:r>
-              <a:rPr lang="en-US" dirty="0" smtClean="0"/>
+              <a:rPr lang="en-US" dirty="0"/>
               <a:t>to Comment?</a:t>
             </a:r>
-            <a:endParaRPr lang="en-US" dirty="0"/>
           </a:p>
         </p:txBody>
       </p:sp>
@@ -9603,28 +8941,15 @@
           <a:p>
             <a:r>
               <a:rPr lang="en-US" dirty="0"/>
-              <a:t>"Everything the </a:t>
-            </a:r>
-            <a:r>
-              <a:rPr lang="en-US" dirty="0" smtClean="0"/>
-              <a:t>Compiler</a:t>
+              <a:t>"Everything the Compiler</a:t>
             </a:r>
             <a:br>
-              <a:rPr lang="en-US" dirty="0" smtClean="0"/>
+              <a:rPr lang="en-US" dirty="0"/>
             </a:br>
             <a:r>
-              <a:rPr lang="en-US" dirty="0" smtClean="0"/>
-              <a:t>Needs to Know is </a:t>
-            </a:r>
-            <a:r>
               <a:rPr lang="en-US" dirty="0"/>
-              <a:t>in the </a:t>
-            </a:r>
-            <a:r>
-              <a:rPr lang="en-US" dirty="0" smtClean="0"/>
-              <a:t>Code!"</a:t>
-            </a:r>
-            <a:endParaRPr lang="en-US" dirty="0"/>
+              <a:t>Needs to Know is in the Code!"</a:t>
+            </a:r>
           </a:p>
         </p:txBody>
       </p:sp>
@@ -9638,13 +8963,6 @@
   <p:clrMapOvr>
     <a:masterClrMapping/>
   </p:clrMapOvr>
-  <p:timing>
-    <p:tnLst>
-      <p:par>
-        <p:cTn id="1" dur="indefinite" restart="never" nodeType="tmRoot"/>
-      </p:par>
-    </p:tnLst>
-  </p:timing>
 </p:sld>
 </file>
 
@@ -9681,10 +8999,9 @@
           <a:lstStyle/>
           <a:p>
             <a:r>
-              <a:rPr lang="en-US" dirty="0" smtClean="0"/>
+              <a:rPr lang="en-US" dirty="0"/>
               <a:t>Effective Comments</a:t>
             </a:r>
-            <a:endParaRPr lang="en-US" dirty="0"/>
           </a:p>
         </p:txBody>
       </p:sp>
@@ -9709,11 +9026,11 @@
               </a:lnSpc>
             </a:pPr>
             <a:r>
-              <a:rPr lang="en-US" dirty="0" smtClean="0"/>
+              <a:rPr lang="en-US" dirty="0"/>
               <a:t>Effective comments </a:t>
             </a:r>
             <a:r>
-              <a:rPr lang="en-US" dirty="0" smtClean="0">
+              <a:rPr lang="en-US" dirty="0">
                 <a:solidFill>
                   <a:schemeClr val="accent5">
                     <a:lumMod val="20000"/>
@@ -9731,20 +9048,8 @@
               </a:lnSpc>
             </a:pPr>
             <a:r>
-              <a:rPr lang="en-US" dirty="0" smtClean="0"/>
-              <a:t>They explain it at </a:t>
-            </a:r>
-            <a:r>
-              <a:rPr lang="en-US" dirty="0" smtClean="0"/>
-              <a:t>a </a:t>
-            </a:r>
-            <a:r>
-              <a:rPr lang="en-US" dirty="0" smtClean="0"/>
-              <a:t>higher </a:t>
-            </a:r>
-            <a:r>
-              <a:rPr lang="en-US" dirty="0" smtClean="0"/>
-              <a:t>level and reveal non-obvious details</a:t>
+              <a:rPr lang="en-US" dirty="0"/>
+              <a:t>They explain it at a higher level and reveal non-obvious details</a:t>
             </a:r>
           </a:p>
           <a:p>
@@ -9754,14 +9059,9 @@
               </a:lnSpc>
             </a:pPr>
             <a:r>
-              <a:rPr lang="en-US" dirty="0" smtClean="0"/>
-              <a:t>The best software documentation is the source code itself – keep it clean and </a:t>
-            </a:r>
-            <a:r>
-              <a:rPr lang="en-US" dirty="0" smtClean="0"/>
-              <a:t>readable!</a:t>
-            </a:r>
-            <a:endParaRPr lang="en-US" dirty="0" smtClean="0"/>
+              <a:rPr lang="en-US" dirty="0"/>
+              <a:t>The best software documentation is the source code itself – keep it clean and readable!</a:t>
+            </a:r>
           </a:p>
           <a:p>
             <a:pPr>
@@ -9770,7 +9070,7 @@
               </a:lnSpc>
             </a:pPr>
             <a:r>
-              <a:rPr lang="en-US" dirty="0" smtClean="0">
+              <a:rPr lang="en-US" dirty="0">
                 <a:solidFill>
                   <a:schemeClr val="accent5">
                     <a:lumMod val="20000"/>
@@ -9781,16 +9081,8 @@
               <a:t>Self-documenting code </a:t>
             </a:r>
             <a:r>
-              <a:rPr lang="en-US" dirty="0" smtClean="0"/>
-              <a:t>is </a:t>
-            </a:r>
-            <a:r>
-              <a:rPr lang="en-US" dirty="0" smtClean="0"/>
-              <a:t>self-explainable </a:t>
-            </a:r>
-            <a:r>
-              <a:rPr lang="en-US" dirty="0" smtClean="0"/>
-              <a:t>and does not need comments</a:t>
+              <a:rPr lang="en-US" dirty="0"/>
+              <a:t>is self-explainable and does not need comments</a:t>
             </a:r>
           </a:p>
           <a:p>
@@ -9800,10 +9092,9 @@
               </a:lnSpc>
             </a:pPr>
             <a:r>
-              <a:rPr lang="en-US" dirty="0" smtClean="0"/>
+              <a:rPr lang="en-US" dirty="0"/>
               <a:t>Simple design, small well named methods, strong cohesion and loose coupling, simple logic, good variable names, good formatting, … </a:t>
             </a:r>
-            <a:endParaRPr lang="en-US" dirty="0"/>
           </a:p>
         </p:txBody>
       </p:sp>
@@ -9846,13 +9137,6 @@
   <p:clrMapOvr>
     <a:masterClrMapping/>
   </p:clrMapOvr>
-  <p:timing>
-    <p:tnLst>
-      <p:par>
-        <p:cTn id="1" dur="indefinite" restart="never" nodeType="tmRoot"/>
-      </p:par>
-    </p:tnLst>
-  </p:timing>
 </p:sld>
 </file>
 
@@ -9889,10 +9173,9 @@
           <a:lstStyle/>
           <a:p>
             <a:r>
-              <a:rPr lang="en-US" dirty="0" smtClean="0"/>
+              <a:rPr lang="en-US" dirty="0"/>
               <a:t>Effective Comments – Mistakes</a:t>
             </a:r>
-            <a:endParaRPr lang="en-US" dirty="0"/>
           </a:p>
         </p:txBody>
       </p:sp>
@@ -9917,7 +9200,7 @@
           <a:lstStyle/>
           <a:p>
             <a:r>
-              <a:rPr lang="en-US" dirty="0" smtClean="0"/>
+              <a:rPr lang="en-US" dirty="0"/>
               <a:t>Misleading comments</a:t>
             </a:r>
           </a:p>
@@ -10162,67 +9445,7 @@
                 <a:latin typeface="Consolas" pitchFamily="49" charset="0"/>
                 <a:cs typeface="Consolas" pitchFamily="49" charset="0"/>
               </a:rPr>
-              <a:t>for </a:t>
-            </a:r>
-            <a:r>
-              <a:rPr lang="en-US" sz="1800" b="1" noProof="1" smtClean="0">
-                <a:solidFill>
-                  <a:schemeClr val="accent2">
-                    <a:lumMod val="40000"/>
-                    <a:lumOff val="60000"/>
-                  </a:schemeClr>
-                </a:solidFill>
-                <a:effectLst>
-                  <a:outerShdw blurRad="38100" dist="38100" dir="2700000" algn="tl">
-                    <a:srgbClr val="000000">
-                      <a:alpha val="43137"/>
-                    </a:srgbClr>
-                  </a:outerShdw>
-                </a:effectLst>
-                <a:latin typeface="Consolas" pitchFamily="49" charset="0"/>
-                <a:cs typeface="Consolas" pitchFamily="49" charset="0"/>
-              </a:rPr>
-              <a:t>(int </a:t>
-            </a:r>
-            <a:r>
-              <a:rPr lang="en-US" sz="1800" b="1" noProof="1">
-                <a:solidFill>
-                  <a:schemeClr val="accent2">
-                    <a:lumMod val="40000"/>
-                    <a:lumOff val="60000"/>
-                  </a:schemeClr>
-                </a:solidFill>
-                <a:effectLst>
-                  <a:outerShdw blurRad="38100" dist="38100" dir="2700000" algn="tl">
-                    <a:srgbClr val="000000">
-                      <a:alpha val="43137"/>
-                    </a:srgbClr>
-                  </a:outerShdw>
-                </a:effectLst>
-                <a:latin typeface="Consolas" pitchFamily="49" charset="0"/>
-                <a:cs typeface="Consolas" pitchFamily="49" charset="0"/>
-              </a:rPr>
-              <a:t>i = 0; i &lt; num; i</a:t>
-            </a:r>
-            <a:r>
-              <a:rPr lang="en-US" sz="1800" b="1" noProof="1" smtClean="0">
-                <a:solidFill>
-                  <a:schemeClr val="accent2">
-                    <a:lumMod val="40000"/>
-                    <a:lumOff val="60000"/>
-                  </a:schemeClr>
-                </a:solidFill>
-                <a:effectLst>
-                  <a:outerShdw blurRad="38100" dist="38100" dir="2700000" algn="tl">
-                    <a:srgbClr val="000000">
-                      <a:alpha val="43137"/>
-                    </a:srgbClr>
-                  </a:outerShdw>
-                </a:effectLst>
-                <a:latin typeface="Consolas" pitchFamily="49" charset="0"/>
-                <a:cs typeface="Consolas" pitchFamily="49" charset="0"/>
-              </a:rPr>
-              <a:t>++)</a:t>
+              <a:t>for (int i = 0; i &lt; num; i++)</a:t>
             </a:r>
           </a:p>
           <a:p>
@@ -10239,7 +9462,7 @@
               <a:buSzPct val="70000"/>
             </a:pPr>
             <a:r>
-              <a:rPr lang="en-US" sz="1800" b="1" noProof="1" smtClean="0">
+              <a:rPr lang="en-US" sz="1800" b="1" noProof="1">
                 <a:solidFill>
                   <a:schemeClr val="accent2">
                     <a:lumMod val="40000"/>
@@ -10258,23 +9481,6 @@
               </a:rPr>
               <a:t>{   </a:t>
             </a:r>
-            <a:endParaRPr lang="en-US" sz="1800" b="1" noProof="1">
-              <a:solidFill>
-                <a:schemeClr val="accent2">
-                  <a:lumMod val="40000"/>
-                  <a:lumOff val="60000"/>
-                </a:schemeClr>
-              </a:solidFill>
-              <a:effectLst>
-                <a:outerShdw blurRad="38100" dist="38100" dir="2700000" algn="tl">
-                  <a:srgbClr val="000000">
-                    <a:alpha val="43137"/>
-                  </a:srgbClr>
-                </a:outerShdw>
-              </a:effectLst>
-              <a:latin typeface="Consolas" pitchFamily="49" charset="0"/>
-              <a:cs typeface="Consolas" pitchFamily="49" charset="0"/>
-            </a:endParaRPr>
           </a:p>
           <a:p>
             <a:pPr eaLnBrk="0" hangingPunct="0">
@@ -10307,47 +9513,7 @@
                 <a:latin typeface="Consolas" pitchFamily="49" charset="0"/>
                 <a:cs typeface="Consolas" pitchFamily="49" charset="0"/>
               </a:rPr>
-              <a:t>   </a:t>
-            </a:r>
-            <a:r>
-              <a:rPr lang="en-US" sz="1800" b="1" noProof="1" smtClean="0">
-                <a:solidFill>
-                  <a:schemeClr val="accent2">
-                    <a:lumMod val="40000"/>
-                    <a:lumOff val="60000"/>
-                  </a:schemeClr>
-                </a:solidFill>
-                <a:effectLst>
-                  <a:outerShdw blurRad="38100" dist="38100" dir="2700000" algn="tl">
-                    <a:srgbClr val="000000">
-                      <a:alpha val="43137"/>
-                    </a:srgbClr>
-                  </a:outerShdw>
-                </a:effectLst>
-                <a:latin typeface="Consolas" pitchFamily="49" charset="0"/>
-                <a:cs typeface="Consolas" pitchFamily="49" charset="0"/>
-              </a:rPr>
-              <a:t>Console.WriteLine( </a:t>
-            </a:r>
-            <a:r>
-              <a:rPr lang="en-US" sz="1800" b="1" noProof="1">
-                <a:solidFill>
-                  <a:schemeClr val="accent2">
-                    <a:lumMod val="40000"/>
-                    <a:lumOff val="60000"/>
-                  </a:schemeClr>
-                </a:solidFill>
-                <a:effectLst>
-                  <a:outerShdw blurRad="38100" dist="38100" dir="2700000" algn="tl">
-                    <a:srgbClr val="000000">
-                      <a:alpha val="43137"/>
-                    </a:srgbClr>
-                  </a:outerShdw>
-                </a:effectLst>
-                <a:latin typeface="Consolas" pitchFamily="49" charset="0"/>
-                <a:cs typeface="Consolas" pitchFamily="49" charset="0"/>
-              </a:rPr>
-              <a:t>"Sum = " + sum );   </a:t>
+              <a:t>   Console.WriteLine( "Sum = " + sum );   </a:t>
             </a:r>
           </a:p>
           <a:p>
@@ -10449,27 +9615,7 @@
                 <a:latin typeface="Consolas" pitchFamily="49" charset="0"/>
                 <a:cs typeface="Consolas" pitchFamily="49" charset="0"/>
               </a:rPr>
-              <a:t>   current = sum</a:t>
-            </a:r>
-            <a:r>
-              <a:rPr lang="en-US" sz="1800" b="1" noProof="1" smtClean="0">
-                <a:solidFill>
-                  <a:schemeClr val="accent2">
-                    <a:lumMod val="40000"/>
-                    <a:lumOff val="60000"/>
-                  </a:schemeClr>
-                </a:solidFill>
-                <a:effectLst>
-                  <a:outerShdw blurRad="38100" dist="38100" dir="2700000" algn="tl">
-                    <a:srgbClr val="000000">
-                      <a:alpha val="43137"/>
-                    </a:srgbClr>
-                  </a:outerShdw>
-                </a:effectLst>
-                <a:latin typeface="Consolas" pitchFamily="49" charset="0"/>
-                <a:cs typeface="Consolas" pitchFamily="49" charset="0"/>
-              </a:rPr>
-              <a:t>;</a:t>
+              <a:t>   current = sum;</a:t>
             </a:r>
           </a:p>
           <a:p>
@@ -10486,7 +9632,7 @@
               <a:buSzPct val="70000"/>
             </a:pPr>
             <a:r>
-              <a:rPr lang="en-US" sz="1800" b="1" noProof="1" smtClean="0">
+              <a:rPr lang="en-US" sz="1800" b="1" noProof="1">
                 <a:solidFill>
                   <a:schemeClr val="accent2">
                     <a:lumMod val="40000"/>
@@ -10505,23 +9651,6 @@
               </a:rPr>
               <a:t>} </a:t>
             </a:r>
-            <a:endParaRPr lang="en-US" sz="1800" b="1" noProof="1">
-              <a:solidFill>
-                <a:schemeClr val="accent2">
-                  <a:lumMod val="40000"/>
-                  <a:lumOff val="60000"/>
-                </a:schemeClr>
-              </a:solidFill>
-              <a:effectLst>
-                <a:outerShdw blurRad="38100" dist="38100" dir="2700000" algn="tl">
-                  <a:srgbClr val="000000">
-                    <a:alpha val="43137"/>
-                  </a:srgbClr>
-                </a:outerShdw>
-              </a:effectLst>
-              <a:latin typeface="Consolas" pitchFamily="49" charset="0"/>
-              <a:cs typeface="Consolas" pitchFamily="49" charset="0"/>
-            </a:endParaRPr>
           </a:p>
         </p:txBody>
       </p:sp>
@@ -10579,7 +9708,7 @@
               <a:buSzPct val="70000"/>
             </a:pPr>
             <a:r>
-              <a:rPr lang="en-US" sz="2200" b="1" noProof="1" smtClean="0">
+              <a:rPr lang="en-US" sz="2200" b="1" noProof="1">
                 <a:solidFill>
                   <a:srgbClr val="F7FFE7"/>
                 </a:solidFill>
@@ -10652,7 +9781,7 @@
               <a:buSzPct val="70000"/>
             </a:pPr>
             <a:r>
-              <a:rPr lang="en-US" sz="2200" b="1" noProof="1" smtClean="0">
+              <a:rPr lang="en-US" sz="2200" b="1" noProof="1">
                 <a:solidFill>
                   <a:srgbClr val="F7FFE7"/>
                 </a:solidFill>
@@ -10669,7 +9798,7 @@
               <a:t>Can you guess that sum is equal to the i</a:t>
             </a:r>
             <a:r>
-              <a:rPr lang="en-US" sz="2200" b="1" baseline="30000" noProof="1" smtClean="0">
+              <a:rPr lang="en-US" sz="2200" b="1" baseline="30000" noProof="1">
                 <a:solidFill>
                   <a:srgbClr val="F7FFE7"/>
                 </a:solidFill>
@@ -10686,7 +9815,7 @@
               <a:t>th</a:t>
             </a:r>
             <a:r>
-              <a:rPr lang="en-US" sz="2200" b="1" noProof="1" smtClean="0">
+              <a:rPr lang="en-US" sz="2200" b="1" noProof="1">
                 <a:solidFill>
                   <a:srgbClr val="F7FFE7"/>
                 </a:solidFill>
@@ -10937,17 +10066,16 @@
           <a:lstStyle/>
           <a:p>
             <a:r>
-              <a:rPr lang="en-US" dirty="0" smtClean="0"/>
+              <a:rPr lang="en-US" dirty="0"/>
               <a:t>Effective Comments –</a:t>
             </a:r>
             <a:br>
-              <a:rPr lang="en-US" dirty="0" smtClean="0"/>
+              <a:rPr lang="en-US" dirty="0"/>
             </a:br>
             <a:r>
-              <a:rPr lang="en-US" dirty="0" smtClean="0"/>
+              <a:rPr lang="en-US" dirty="0"/>
               <a:t> Mistakes (2)</a:t>
             </a:r>
-            <a:endParaRPr lang="en-US" dirty="0"/>
           </a:p>
         </p:txBody>
       </p:sp>
@@ -10972,7 +10100,7 @@
           <a:lstStyle/>
           <a:p>
             <a:r>
-              <a:rPr lang="en-US" dirty="0" smtClean="0"/>
+              <a:rPr lang="en-US" dirty="0"/>
               <a:t>Comments repeating the code:</a:t>
             </a:r>
           </a:p>
@@ -11217,27 +10345,7 @@
                 <a:latin typeface="Consolas" pitchFamily="49" charset="0"/>
                 <a:cs typeface="Consolas" pitchFamily="49" charset="0"/>
               </a:rPr>
-              <a:t>for ( int i = 2; i &lt;= num; i++ </a:t>
-            </a:r>
-            <a:r>
-              <a:rPr lang="en-US" sz="1800" b="1" noProof="1" smtClean="0">
-                <a:solidFill>
-                  <a:schemeClr val="accent2">
-                    <a:lumMod val="40000"/>
-                    <a:lumOff val="60000"/>
-                  </a:schemeClr>
-                </a:solidFill>
-                <a:effectLst>
-                  <a:outerShdw blurRad="38100" dist="38100" dir="2700000" algn="tl">
-                    <a:srgbClr val="000000">
-                      <a:alpha val="43137"/>
-                    </a:srgbClr>
-                  </a:outerShdw>
-                </a:effectLst>
-                <a:latin typeface="Consolas" pitchFamily="49" charset="0"/>
-                <a:cs typeface="Consolas" pitchFamily="49" charset="0"/>
-              </a:rPr>
-              <a:t>)</a:t>
+              <a:t>for ( int i = 2; i &lt;= num; i++ )</a:t>
             </a:r>
           </a:p>
           <a:p>
@@ -11254,7 +10362,7 @@
               <a:buSzPct val="70000"/>
             </a:pPr>
             <a:r>
-              <a:rPr lang="en-US" sz="1800" b="1" noProof="1" smtClean="0">
+              <a:rPr lang="en-US" sz="1800" b="1" noProof="1">
                 <a:solidFill>
                   <a:schemeClr val="accent2">
                     <a:lumMod val="40000"/>
@@ -11273,23 +10381,6 @@
               </a:rPr>
               <a:t>{ </a:t>
             </a:r>
-            <a:endParaRPr lang="en-US" sz="1800" b="1" noProof="1">
-              <a:solidFill>
-                <a:schemeClr val="accent2">
-                  <a:lumMod val="40000"/>
-                  <a:lumOff val="60000"/>
-                </a:schemeClr>
-              </a:solidFill>
-              <a:effectLst>
-                <a:outerShdw blurRad="38100" dist="38100" dir="2700000" algn="tl">
-                  <a:srgbClr val="000000">
-                    <a:alpha val="43137"/>
-                  </a:srgbClr>
-                </a:outerShdw>
-              </a:effectLst>
-              <a:latin typeface="Consolas" pitchFamily="49" charset="0"/>
-              <a:cs typeface="Consolas" pitchFamily="49" charset="0"/>
-            </a:endParaRPr>
           </a:p>
           <a:p>
             <a:pPr eaLnBrk="0" hangingPunct="0">
@@ -11407,7 +10498,7 @@
               <a:buSzPct val="70000"/>
             </a:pPr>
             <a:r>
-              <a:rPr lang="en-US" sz="1800" b="1" noProof="1" smtClean="0">
+              <a:rPr lang="en-US" sz="1800" b="1" noProof="1">
                 <a:solidFill>
                   <a:schemeClr val="accent2">
                     <a:lumMod val="40000"/>
@@ -11424,27 +10515,7 @@
                 <a:latin typeface="Consolas" pitchFamily="49" charset="0"/>
                 <a:cs typeface="Consolas" pitchFamily="49" charset="0"/>
               </a:rPr>
-              <a:t>Console.WriteLine( </a:t>
-            </a:r>
-            <a:r>
-              <a:rPr lang="en-US" sz="1800" b="1" noProof="1">
-                <a:solidFill>
-                  <a:schemeClr val="accent2">
-                    <a:lumMod val="40000"/>
-                    <a:lumOff val="60000"/>
-                  </a:schemeClr>
-                </a:solidFill>
-                <a:effectLst>
-                  <a:outerShdw blurRad="38100" dist="38100" dir="2700000" algn="tl">
-                    <a:srgbClr val="000000">
-                      <a:alpha val="43137"/>
-                    </a:srgbClr>
-                  </a:outerShdw>
-                </a:effectLst>
-                <a:latin typeface="Consolas" pitchFamily="49" charset="0"/>
-                <a:cs typeface="Consolas" pitchFamily="49" charset="0"/>
-              </a:rPr>
-              <a:t>"Product = " + product );</a:t>
+              <a:t>Console.WriteLine( "Product = " + product );</a:t>
             </a:r>
           </a:p>
         </p:txBody>
@@ -11503,7 +10574,7 @@
               <a:buSzPct val="70000"/>
             </a:pPr>
             <a:r>
-              <a:rPr lang="en-US" sz="2200" b="1" noProof="1" smtClean="0">
+              <a:rPr lang="en-US" sz="2200" b="1" noProof="1">
                 <a:solidFill>
                   <a:srgbClr val="F7FFE7"/>
                 </a:solidFill>
@@ -11576,7 +10647,7 @@
               <a:buSzPct val="70000"/>
             </a:pPr>
             <a:r>
-              <a:rPr lang="en-US" sz="2200" b="1" noProof="1" smtClean="0">
+              <a:rPr lang="en-US" sz="2200" b="1" noProof="1">
                 <a:solidFill>
                   <a:srgbClr val="F7FFE7"/>
                 </a:solidFill>
@@ -11822,10 +10893,9 @@
           <a:lstStyle/>
           <a:p>
             <a:r>
-              <a:rPr lang="en-US" dirty="0" smtClean="0"/>
+              <a:rPr lang="en-US" dirty="0"/>
               <a:t>Table of Contents</a:t>
             </a:r>
-            <a:endParaRPr lang="en-US" dirty="0"/>
           </a:p>
         </p:txBody>
       </p:sp>
@@ -11852,7 +10922,7 @@
               <a:buAutoNum type="arabicPeriod"/>
             </a:pPr>
             <a:r>
-              <a:rPr lang="en-US" dirty="0" smtClean="0"/>
+              <a:rPr lang="en-US" dirty="0"/>
               <a:t>The Concept of Self-Documenting Code</a:t>
             </a:r>
           </a:p>
@@ -11865,7 +10935,7 @@
               <a:buAutoNum type="arabicPeriod"/>
             </a:pPr>
             <a:r>
-              <a:rPr lang="en-US" dirty="0" smtClean="0"/>
+              <a:rPr lang="en-US" dirty="0"/>
               <a:t>Bad Comments </a:t>
             </a:r>
           </a:p>
@@ -11878,7 +10948,7 @@
               <a:buAutoNum type="arabicPeriod"/>
             </a:pPr>
             <a:r>
-              <a:rPr lang="en-US" dirty="0" smtClean="0"/>
+              <a:rPr lang="en-US" dirty="0"/>
               <a:t>Good Programming Style </a:t>
             </a:r>
           </a:p>
@@ -11891,7 +10961,7 @@
               <a:buAutoNum type="arabicPeriod"/>
             </a:pPr>
             <a:r>
-              <a:rPr lang="en-US" dirty="0" smtClean="0"/>
+              <a:rPr lang="en-US" dirty="0"/>
               <a:t>To Comment or Not to				 Comment?</a:t>
             </a:r>
           </a:p>
@@ -11904,7 +10974,7 @@
               <a:buAutoNum type="arabicPeriod"/>
             </a:pPr>
             <a:r>
-              <a:rPr lang="en-US" dirty="0" smtClean="0"/>
+              <a:rPr lang="en-US" dirty="0"/>
               <a:t>Key Points commenting</a:t>
             </a:r>
           </a:p>
@@ -11917,10 +10987,10 @@
               <a:buAutoNum type="arabicPeriod"/>
             </a:pPr>
             <a:r>
-              <a:rPr lang="en-US" dirty="0" smtClean="0"/>
+              <a:rPr lang="en-US" dirty="0"/>
               <a:t>Recommended practices</a:t>
             </a:r>
-            <a:endParaRPr lang="bg-BG" dirty="0" smtClean="0"/>
+            <a:endParaRPr lang="bg-BG" dirty="0"/>
           </a:p>
           <a:p>
             <a:pPr marL="514350" indent="-514350">
@@ -11932,17 +11002,13 @@
             </a:pPr>
             <a:r>
               <a:rPr lang="en-US" dirty="0"/>
-              <a:t>C# XML </a:t>
-            </a:r>
-            <a:r>
-              <a:rPr lang="en-US" dirty="0" smtClean="0"/>
-              <a:t>Documentation</a:t>
+              <a:t>C# XML Documentation</a:t>
             </a:r>
             <a:br>
-              <a:rPr lang="en-US" dirty="0" smtClean="0"/>
+              <a:rPr lang="en-US" dirty="0"/>
             </a:br>
             <a:r>
-              <a:rPr lang="en-US" dirty="0" smtClean="0"/>
+              <a:rPr lang="en-US" dirty="0"/>
               <a:t>Comments</a:t>
             </a:r>
           </a:p>
@@ -12024,13 +11090,6 @@
   <p:clrMapOvr>
     <a:masterClrMapping/>
   </p:clrMapOvr>
-  <p:timing>
-    <p:tnLst>
-      <p:par>
-        <p:cTn id="1" dur="indefinite" restart="never" nodeType="tmRoot"/>
-      </p:par>
-    </p:tnLst>
-  </p:timing>
 </p:sld>
 </file>
 
@@ -12072,17 +11131,16 @@
           <a:lstStyle/>
           <a:p>
             <a:r>
-              <a:rPr lang="en-US" dirty="0" smtClean="0"/>
+              <a:rPr lang="en-US" dirty="0"/>
               <a:t>Effective Comments –</a:t>
             </a:r>
             <a:br>
-              <a:rPr lang="en-US" dirty="0" smtClean="0"/>
+              <a:rPr lang="en-US" dirty="0"/>
             </a:br>
             <a:r>
-              <a:rPr lang="en-US" dirty="0" smtClean="0"/>
+              <a:rPr lang="en-US" dirty="0"/>
               <a:t> Mistakes (3)</a:t>
             </a:r>
-            <a:endParaRPr lang="en-US" dirty="0"/>
           </a:p>
         </p:txBody>
       </p:sp>
@@ -12107,7 +11165,7 @@
           <a:lstStyle/>
           <a:p>
             <a:r>
-              <a:rPr lang="en-US" dirty="0" smtClean="0"/>
+              <a:rPr lang="en-US" dirty="0"/>
               <a:t>Poor coding style:</a:t>
             </a:r>
           </a:p>
@@ -12115,13 +11173,13 @@
             <a:endParaRPr lang="en-US" dirty="0"/>
           </a:p>
           <a:p>
-            <a:endParaRPr lang="en-US" dirty="0" smtClean="0"/>
-          </a:p>
-          <a:p>
             <a:endParaRPr lang="en-US" dirty="0"/>
           </a:p>
           <a:p>
-            <a:endParaRPr lang="en-US" dirty="0" smtClean="0"/>
+            <a:endParaRPr lang="en-US" dirty="0"/>
+          </a:p>
+          <a:p>
+            <a:endParaRPr lang="en-US" dirty="0"/>
           </a:p>
           <a:p>
             <a:pPr>
@@ -12130,14 +11188,14 @@
               </a:spcBef>
             </a:pPr>
             <a:r>
-              <a:rPr lang="en-US" dirty="0" smtClean="0"/>
+              <a:rPr lang="en-US" dirty="0"/>
               <a:t>Do not comment bad code,</a:t>
             </a:r>
             <a:br>
-              <a:rPr lang="en-US" dirty="0" smtClean="0"/>
+              <a:rPr lang="en-US" dirty="0"/>
             </a:br>
             <a:r>
-              <a:rPr lang="en-US" dirty="0" smtClean="0"/>
+              <a:rPr lang="en-US" dirty="0"/>
               <a:t>rewrite it</a:t>
             </a:r>
           </a:p>
@@ -12246,27 +11304,7 @@
                 <a:latin typeface="Consolas" pitchFamily="49" charset="0"/>
                 <a:cs typeface="Consolas" pitchFamily="49" charset="0"/>
               </a:rPr>
-              <a:t>// compute the square root of Num </a:t>
-            </a:r>
-            <a:r>
-              <a:rPr lang="en-US" sz="1800" b="1" noProof="1" smtClean="0">
-                <a:solidFill>
-                  <a:schemeClr val="accent2">
-                    <a:lumMod val="40000"/>
-                    <a:lumOff val="60000"/>
-                  </a:schemeClr>
-                </a:solidFill>
-                <a:effectLst>
-                  <a:outerShdw blurRad="38100" dist="38100" dir="2700000" algn="tl">
-                    <a:srgbClr val="000000">
-                      <a:alpha val="43137"/>
-                    </a:srgbClr>
-                  </a:outerShdw>
-                </a:effectLst>
-                <a:latin typeface="Consolas" pitchFamily="49" charset="0"/>
-                <a:cs typeface="Consolas" pitchFamily="49" charset="0"/>
-              </a:rPr>
-              <a:t>using</a:t>
+              <a:t>// compute the square root of Num using</a:t>
             </a:r>
           </a:p>
           <a:p>
@@ -12300,45 +11338,8 @@
                 <a:latin typeface="Consolas" pitchFamily="49" charset="0"/>
                 <a:cs typeface="Consolas" pitchFamily="49" charset="0"/>
               </a:rPr>
-              <a:t>// the </a:t>
-            </a:r>
-            <a:r>
-              <a:rPr lang="en-US" sz="1800" b="1" noProof="1" smtClean="0">
-                <a:solidFill>
-                  <a:schemeClr val="accent2">
-                    <a:lumMod val="40000"/>
-                    <a:lumOff val="60000"/>
-                  </a:schemeClr>
-                </a:solidFill>
-                <a:effectLst>
-                  <a:outerShdw blurRad="38100" dist="38100" dir="2700000" algn="tl">
-                    <a:srgbClr val="000000">
-                      <a:alpha val="43137"/>
-                    </a:srgbClr>
-                  </a:outerShdw>
-                </a:effectLst>
-                <a:latin typeface="Consolas" pitchFamily="49" charset="0"/>
-                <a:cs typeface="Consolas" pitchFamily="49" charset="0"/>
-              </a:rPr>
-              <a:t>Newton-Raphson approximation </a:t>
-            </a:r>
-            <a:endParaRPr lang="en-US" sz="1800" b="1" noProof="1">
-              <a:solidFill>
-                <a:schemeClr val="accent2">
-                  <a:lumMod val="40000"/>
-                  <a:lumOff val="60000"/>
-                </a:schemeClr>
-              </a:solidFill>
-              <a:effectLst>
-                <a:outerShdw blurRad="38100" dist="38100" dir="2700000" algn="tl">
-                  <a:srgbClr val="000000">
-                    <a:alpha val="43137"/>
-                  </a:srgbClr>
-                </a:outerShdw>
-              </a:effectLst>
-              <a:latin typeface="Consolas" pitchFamily="49" charset="0"/>
-              <a:cs typeface="Consolas" pitchFamily="49" charset="0"/>
-            </a:endParaRPr>
+              <a:t>// the Newton-Raphson approximation </a:t>
+            </a:r>
           </a:p>
           <a:p>
             <a:pPr eaLnBrk="0" hangingPunct="0">
@@ -12405,107 +11406,7 @@
                 <a:latin typeface="Consolas" pitchFamily="49" charset="0"/>
                 <a:cs typeface="Consolas" pitchFamily="49" charset="0"/>
               </a:rPr>
-              <a:t>while </a:t>
-            </a:r>
-            <a:r>
-              <a:rPr lang="pt-BR" sz="1800" b="1" noProof="1" smtClean="0">
-                <a:solidFill>
-                  <a:schemeClr val="accent2">
-                    <a:lumMod val="40000"/>
-                    <a:lumOff val="60000"/>
-                  </a:schemeClr>
-                </a:solidFill>
-                <a:effectLst>
-                  <a:outerShdw blurRad="38100" dist="38100" dir="2700000" algn="tl">
-                    <a:srgbClr val="000000">
-                      <a:alpha val="43137"/>
-                    </a:srgbClr>
-                  </a:outerShdw>
-                </a:effectLst>
-                <a:latin typeface="Consolas" pitchFamily="49" charset="0"/>
-                <a:cs typeface="Consolas" pitchFamily="49" charset="0"/>
-              </a:rPr>
-              <a:t>(abs(r </a:t>
-            </a:r>
-            <a:r>
-              <a:rPr lang="pt-BR" sz="1800" b="1" noProof="1">
-                <a:solidFill>
-                  <a:schemeClr val="accent2">
-                    <a:lumMod val="40000"/>
-                    <a:lumOff val="60000"/>
-                  </a:schemeClr>
-                </a:solidFill>
-                <a:effectLst>
-                  <a:outerShdw blurRad="38100" dist="38100" dir="2700000" algn="tl">
-                    <a:srgbClr val="000000">
-                      <a:alpha val="43137"/>
-                    </a:srgbClr>
-                  </a:outerShdw>
-                </a:effectLst>
-                <a:latin typeface="Consolas" pitchFamily="49" charset="0"/>
-                <a:cs typeface="Consolas" pitchFamily="49" charset="0"/>
-              </a:rPr>
-              <a:t>- (num/r</a:t>
-            </a:r>
-            <a:r>
-              <a:rPr lang="pt-BR" sz="1800" b="1" noProof="1" smtClean="0">
-                <a:solidFill>
-                  <a:schemeClr val="accent2">
-                    <a:lumMod val="40000"/>
-                    <a:lumOff val="60000"/>
-                  </a:schemeClr>
-                </a:solidFill>
-                <a:effectLst>
-                  <a:outerShdw blurRad="38100" dist="38100" dir="2700000" algn="tl">
-                    <a:srgbClr val="000000">
-                      <a:alpha val="43137"/>
-                    </a:srgbClr>
-                  </a:outerShdw>
-                </a:effectLst>
-                <a:latin typeface="Consolas" pitchFamily="49" charset="0"/>
-                <a:cs typeface="Consolas" pitchFamily="49" charset="0"/>
-              </a:rPr>
-              <a:t>)) </a:t>
-            </a:r>
-            <a:r>
-              <a:rPr lang="pt-BR" sz="1800" b="1" noProof="1">
-                <a:solidFill>
-                  <a:schemeClr val="accent2">
-                    <a:lumMod val="40000"/>
-                    <a:lumOff val="60000"/>
-                  </a:schemeClr>
-                </a:solidFill>
-                <a:effectLst>
-                  <a:outerShdw blurRad="38100" dist="38100" dir="2700000" algn="tl">
-                    <a:srgbClr val="000000">
-                      <a:alpha val="43137"/>
-                    </a:srgbClr>
-                  </a:outerShdw>
-                </a:effectLst>
-                <a:latin typeface="Consolas" pitchFamily="49" charset="0"/>
-                <a:cs typeface="Consolas" pitchFamily="49" charset="0"/>
-              </a:rPr>
-              <a:t>&gt; </a:t>
-            </a:r>
-            <a:r>
-              <a:rPr lang="pt-BR" sz="1800" b="1" noProof="1" smtClean="0">
-                <a:solidFill>
-                  <a:schemeClr val="accent2">
-                    <a:lumMod val="40000"/>
-                    <a:lumOff val="60000"/>
-                  </a:schemeClr>
-                </a:solidFill>
-                <a:effectLst>
-                  <a:outerShdw blurRad="38100" dist="38100" dir="2700000" algn="tl">
-                    <a:srgbClr val="000000">
-                      <a:alpha val="43137"/>
-                    </a:srgbClr>
-                  </a:outerShdw>
-                </a:effectLst>
-                <a:latin typeface="Consolas" pitchFamily="49" charset="0"/>
-                <a:cs typeface="Consolas" pitchFamily="49" charset="0"/>
-              </a:rPr>
-              <a:t>TOLERANCE)</a:t>
+              <a:t>while (abs(r - (num/r)) &gt; TOLERANCE)</a:t>
             </a:r>
           </a:p>
           <a:p>
@@ -12522,7 +11423,7 @@
               <a:buSzPct val="70000"/>
             </a:pPr>
             <a:r>
-              <a:rPr lang="pt-BR" sz="1800" b="1" noProof="1" smtClean="0">
+              <a:rPr lang="pt-BR" sz="1800" b="1" noProof="1">
                 <a:solidFill>
                   <a:schemeClr val="accent2">
                     <a:lumMod val="40000"/>
@@ -12541,23 +11442,6 @@
               </a:rPr>
               <a:t>{ </a:t>
             </a:r>
-            <a:endParaRPr lang="pt-BR" sz="1800" b="1" noProof="1">
-              <a:solidFill>
-                <a:schemeClr val="accent2">
-                  <a:lumMod val="40000"/>
-                  <a:lumOff val="60000"/>
-                </a:schemeClr>
-              </a:solidFill>
-              <a:effectLst>
-                <a:outerShdw blurRad="38100" dist="38100" dir="2700000" algn="tl">
-                  <a:srgbClr val="000000">
-                    <a:alpha val="43137"/>
-                  </a:srgbClr>
-                </a:outerShdw>
-              </a:effectLst>
-              <a:latin typeface="Consolas" pitchFamily="49" charset="0"/>
-              <a:cs typeface="Consolas" pitchFamily="49" charset="0"/>
-            </a:endParaRPr>
           </a:p>
           <a:p>
             <a:pPr eaLnBrk="0" hangingPunct="0">
@@ -12590,47 +11474,7 @@
                 <a:latin typeface="Consolas" pitchFamily="49" charset="0"/>
                 <a:cs typeface="Consolas" pitchFamily="49" charset="0"/>
               </a:rPr>
-              <a:t>   r = 0.5 * </a:t>
-            </a:r>
-            <a:r>
-              <a:rPr lang="pt-BR" sz="1800" b="1" noProof="1" smtClean="0">
-                <a:solidFill>
-                  <a:schemeClr val="accent2">
-                    <a:lumMod val="40000"/>
-                    <a:lumOff val="60000"/>
-                  </a:schemeClr>
-                </a:solidFill>
-                <a:effectLst>
-                  <a:outerShdw blurRad="38100" dist="38100" dir="2700000" algn="tl">
-                    <a:srgbClr val="000000">
-                      <a:alpha val="43137"/>
-                    </a:srgbClr>
-                  </a:outerShdw>
-                </a:effectLst>
-                <a:latin typeface="Consolas" pitchFamily="49" charset="0"/>
-                <a:cs typeface="Consolas" pitchFamily="49" charset="0"/>
-              </a:rPr>
-              <a:t>(r </a:t>
-            </a:r>
-            <a:r>
-              <a:rPr lang="pt-BR" sz="1800" b="1" noProof="1">
-                <a:solidFill>
-                  <a:schemeClr val="accent2">
-                    <a:lumMod val="40000"/>
-                    <a:lumOff val="60000"/>
-                  </a:schemeClr>
-                </a:solidFill>
-                <a:effectLst>
-                  <a:outerShdw blurRad="38100" dist="38100" dir="2700000" algn="tl">
-                    <a:srgbClr val="000000">
-                      <a:alpha val="43137"/>
-                    </a:srgbClr>
-                  </a:outerShdw>
-                </a:effectLst>
-                <a:latin typeface="Consolas" pitchFamily="49" charset="0"/>
-                <a:cs typeface="Consolas" pitchFamily="49" charset="0"/>
-              </a:rPr>
-              <a:t>+ (num/r) ); </a:t>
+              <a:t>   r = 0.5 * (r + (num/r) ); </a:t>
             </a:r>
           </a:p>
           <a:p>
@@ -12681,7 +11525,7 @@
               <a:buSzPct val="70000"/>
             </a:pPr>
             <a:r>
-              <a:rPr lang="pt-BR" sz="1800" b="1" noProof="1" smtClean="0">
+              <a:rPr lang="pt-BR" sz="1800" b="1" noProof="1">
                 <a:solidFill>
                   <a:schemeClr val="accent2">
                     <a:lumMod val="40000"/>
@@ -12698,27 +11542,7 @@
                 <a:latin typeface="Consolas" pitchFamily="49" charset="0"/>
                 <a:cs typeface="Consolas" pitchFamily="49" charset="0"/>
               </a:rPr>
-              <a:t>Console.WriteLine( </a:t>
-            </a:r>
-            <a:r>
-              <a:rPr lang="pt-BR" sz="1800" b="1" noProof="1">
-                <a:solidFill>
-                  <a:schemeClr val="accent2">
-                    <a:lumMod val="40000"/>
-                    <a:lumOff val="60000"/>
-                  </a:schemeClr>
-                </a:solidFill>
-                <a:effectLst>
-                  <a:outerShdw blurRad="38100" dist="38100" dir="2700000" algn="tl">
-                    <a:srgbClr val="000000">
-                      <a:alpha val="43137"/>
-                    </a:srgbClr>
-                  </a:outerShdw>
-                </a:effectLst>
-                <a:latin typeface="Consolas" pitchFamily="49" charset="0"/>
-                <a:cs typeface="Consolas" pitchFamily="49" charset="0"/>
-              </a:rPr>
-              <a:t>"r = " + r ); </a:t>
+              <a:t>Console.WriteLine( "r = " + r ); </a:t>
             </a:r>
             <a:endParaRPr lang="en-US" sz="1800" b="1" noProof="1">
               <a:solidFill>
@@ -12848,13 +11672,6 @@
   <p:clrMapOvr>
     <a:masterClrMapping/>
   </p:clrMapOvr>
-  <p:timing>
-    <p:tnLst>
-      <p:par>
-        <p:cTn id="1" dur="indefinite" restart="never" nodeType="tmRoot"/>
-      </p:par>
-    </p:tnLst>
-  </p:timing>
 </p:sld>
 </file>
 
@@ -12896,10 +11713,9 @@
           <a:lstStyle/>
           <a:p>
             <a:r>
-              <a:rPr lang="en-US" dirty="0" smtClean="0"/>
+              <a:rPr lang="en-US" dirty="0"/>
               <a:t>Key Points for Effective Comments</a:t>
             </a:r>
-            <a:endParaRPr lang="en-US" dirty="0"/>
           </a:p>
         </p:txBody>
       </p:sp>
@@ -12924,12 +11740,12 @@
           <a:lstStyle/>
           <a:p>
             <a:r>
-              <a:rPr lang="en-US" dirty="0" smtClean="0"/>
+              <a:rPr lang="en-US" dirty="0"/>
               <a:t>Use commenting styles that don’t break down or discourage modification</a:t>
             </a:r>
           </a:p>
           <a:p>
-            <a:endParaRPr lang="en-US" dirty="0" smtClean="0"/>
+            <a:endParaRPr lang="en-US" dirty="0"/>
           </a:p>
         </p:txBody>
       </p:sp>
@@ -13030,47 +11846,7 @@
                 <a:latin typeface="Consolas" pitchFamily="49" charset="0"/>
                 <a:cs typeface="Consolas" pitchFamily="49" charset="0"/>
               </a:rPr>
-              <a:t>//  Variable       </a:t>
-            </a:r>
-            <a:r>
-              <a:rPr lang="en-US" sz="1800" b="1" noProof="1" smtClean="0">
-                <a:solidFill>
-                  <a:schemeClr val="accent2">
-                    <a:lumMod val="40000"/>
-                    <a:lumOff val="60000"/>
-                  </a:schemeClr>
-                </a:solidFill>
-                <a:effectLst>
-                  <a:outerShdw blurRad="38100" dist="38100" dir="2700000" algn="tl">
-                    <a:srgbClr val="000000">
-                      <a:alpha val="43137"/>
-                    </a:srgbClr>
-                  </a:outerShdw>
-                </a:effectLst>
-                <a:latin typeface="Consolas" pitchFamily="49" charset="0"/>
-                <a:cs typeface="Consolas" pitchFamily="49" charset="0"/>
-              </a:rPr>
-              <a:t>     </a:t>
-            </a:r>
-            <a:r>
-              <a:rPr lang="en-US" sz="1800" b="1" noProof="1">
-                <a:solidFill>
-                  <a:schemeClr val="accent2">
-                    <a:lumMod val="40000"/>
-                    <a:lumOff val="60000"/>
-                  </a:schemeClr>
-                </a:solidFill>
-                <a:effectLst>
-                  <a:outerShdw blurRad="38100" dist="38100" dir="2700000" algn="tl">
-                    <a:srgbClr val="000000">
-                      <a:alpha val="43137"/>
-                    </a:srgbClr>
-                  </a:outerShdw>
-                </a:effectLst>
-                <a:latin typeface="Consolas" pitchFamily="49" charset="0"/>
-                <a:cs typeface="Consolas" pitchFamily="49" charset="0"/>
-              </a:rPr>
-              <a:t>Meaning </a:t>
+              <a:t>//  Variable            Meaning </a:t>
             </a:r>
           </a:p>
           <a:p>
@@ -13104,45 +11880,8 @@
                 <a:latin typeface="Consolas" pitchFamily="49" charset="0"/>
                 <a:cs typeface="Consolas" pitchFamily="49" charset="0"/>
               </a:rPr>
-              <a:t>//  --------      </a:t>
-            </a:r>
-            <a:r>
-              <a:rPr lang="en-US" sz="1800" b="1" noProof="1" smtClean="0">
-                <a:solidFill>
-                  <a:schemeClr val="accent2">
-                    <a:lumMod val="40000"/>
-                    <a:lumOff val="60000"/>
-                  </a:schemeClr>
-                </a:solidFill>
-                <a:effectLst>
-                  <a:outerShdw blurRad="38100" dist="38100" dir="2700000" algn="tl">
-                    <a:srgbClr val="000000">
-                      <a:alpha val="43137"/>
-                    </a:srgbClr>
-                  </a:outerShdw>
-                </a:effectLst>
-                <a:latin typeface="Consolas" pitchFamily="49" charset="0"/>
-                <a:cs typeface="Consolas" pitchFamily="49" charset="0"/>
-              </a:rPr>
-              <a:t>      ------- </a:t>
-            </a:r>
-            <a:endParaRPr lang="en-US" sz="1800" b="1" noProof="1">
-              <a:solidFill>
-                <a:schemeClr val="accent2">
-                  <a:lumMod val="40000"/>
-                  <a:lumOff val="60000"/>
-                </a:schemeClr>
-              </a:solidFill>
-              <a:effectLst>
-                <a:outerShdw blurRad="38100" dist="38100" dir="2700000" algn="tl">
-                  <a:srgbClr val="000000">
-                    <a:alpha val="43137"/>
-                  </a:srgbClr>
-                </a:outerShdw>
-              </a:effectLst>
-              <a:latin typeface="Consolas" pitchFamily="49" charset="0"/>
-              <a:cs typeface="Consolas" pitchFamily="49" charset="0"/>
-            </a:endParaRPr>
+              <a:t>//  --------            ------- </a:t>
+            </a:r>
           </a:p>
           <a:p>
             <a:pPr eaLnBrk="0" hangingPunct="0">
@@ -13175,47 +11914,7 @@
                 <a:latin typeface="Consolas" pitchFamily="49" charset="0"/>
                 <a:cs typeface="Consolas" pitchFamily="49" charset="0"/>
               </a:rPr>
-              <a:t>//  xPos </a:t>
-            </a:r>
-            <a:r>
-              <a:rPr lang="en-US" sz="1800" b="1" noProof="1" smtClean="0">
-                <a:solidFill>
-                  <a:schemeClr val="accent2">
-                    <a:lumMod val="40000"/>
-                    <a:lumOff val="60000"/>
-                  </a:schemeClr>
-                </a:solidFill>
-                <a:effectLst>
-                  <a:outerShdw blurRad="38100" dist="38100" dir="2700000" algn="tl">
-                    <a:srgbClr val="000000">
-                      <a:alpha val="43137"/>
-                    </a:srgbClr>
-                  </a:outerShdw>
-                </a:effectLst>
-                <a:latin typeface="Consolas" pitchFamily="49" charset="0"/>
-                <a:cs typeface="Consolas" pitchFamily="49" charset="0"/>
-              </a:rPr>
-              <a:t>.............. X coordinate position </a:t>
-            </a:r>
-            <a:r>
-              <a:rPr lang="en-US" sz="1800" b="1" noProof="1">
-                <a:solidFill>
-                  <a:schemeClr val="accent2">
-                    <a:lumMod val="40000"/>
-                    <a:lumOff val="60000"/>
-                  </a:schemeClr>
-                </a:solidFill>
-                <a:effectLst>
-                  <a:outerShdw blurRad="38100" dist="38100" dir="2700000" algn="tl">
-                    <a:srgbClr val="000000">
-                      <a:alpha val="43137"/>
-                    </a:srgbClr>
-                  </a:outerShdw>
-                </a:effectLst>
-                <a:latin typeface="Consolas" pitchFamily="49" charset="0"/>
-                <a:cs typeface="Consolas" pitchFamily="49" charset="0"/>
-              </a:rPr>
-              <a:t>(in meters) </a:t>
+              <a:t>//  xPos .............. X coordinate position (in meters) </a:t>
             </a:r>
           </a:p>
           <a:p>
@@ -13249,67 +11948,7 @@
                 <a:latin typeface="Consolas" pitchFamily="49" charset="0"/>
                 <a:cs typeface="Consolas" pitchFamily="49" charset="0"/>
               </a:rPr>
-              <a:t>//  yPos </a:t>
-            </a:r>
-            <a:r>
-              <a:rPr lang="en-US" sz="1800" b="1" noProof="1" smtClean="0">
-                <a:solidFill>
-                  <a:schemeClr val="accent2">
-                    <a:lumMod val="40000"/>
-                    <a:lumOff val="60000"/>
-                  </a:schemeClr>
-                </a:solidFill>
-                <a:effectLst>
-                  <a:outerShdw blurRad="38100" dist="38100" dir="2700000" algn="tl">
-                    <a:srgbClr val="000000">
-                      <a:alpha val="43137"/>
-                    </a:srgbClr>
-                  </a:outerShdw>
-                </a:effectLst>
-                <a:latin typeface="Consolas" pitchFamily="49" charset="0"/>
-                <a:cs typeface="Consolas" pitchFamily="49" charset="0"/>
-              </a:rPr>
-              <a:t>.............. Y coordinate position </a:t>
-            </a:r>
-            <a:r>
-              <a:rPr lang="en-US" sz="1800" b="1" noProof="1">
-                <a:solidFill>
-                  <a:schemeClr val="accent2">
-                    <a:lumMod val="40000"/>
-                    <a:lumOff val="60000"/>
-                  </a:schemeClr>
-                </a:solidFill>
-                <a:effectLst>
-                  <a:outerShdw blurRad="38100" dist="38100" dir="2700000" algn="tl">
-                    <a:srgbClr val="000000">
-                      <a:alpha val="43137"/>
-                    </a:srgbClr>
-                  </a:outerShdw>
-                </a:effectLst>
-                <a:latin typeface="Consolas" pitchFamily="49" charset="0"/>
-                <a:cs typeface="Consolas" pitchFamily="49" charset="0"/>
-              </a:rPr>
-              <a:t>(in meters</a:t>
-            </a:r>
-            <a:r>
-              <a:rPr lang="en-US" sz="1800" b="1" noProof="1" smtClean="0">
-                <a:solidFill>
-                  <a:schemeClr val="accent2">
-                    <a:lumMod val="40000"/>
-                    <a:lumOff val="60000"/>
-                  </a:schemeClr>
-                </a:solidFill>
-                <a:effectLst>
-                  <a:outerShdw blurRad="38100" dist="38100" dir="2700000" algn="tl">
-                    <a:srgbClr val="000000">
-                      <a:alpha val="43137"/>
-                    </a:srgbClr>
-                  </a:outerShdw>
-                </a:effectLst>
-                <a:latin typeface="Consolas" pitchFamily="49" charset="0"/>
-                <a:cs typeface="Consolas" pitchFamily="49" charset="0"/>
-              </a:rPr>
-              <a:t>)</a:t>
+              <a:t>//  yPos .............. Y coordinate position (in meters)</a:t>
             </a:r>
           </a:p>
           <a:p>
@@ -13326,7 +11965,7 @@
               <a:buSzPct val="70000"/>
             </a:pPr>
             <a:r>
-              <a:rPr lang="en-US" sz="1800" b="1" noProof="1" smtClean="0">
+              <a:rPr lang="en-US" sz="1800" b="1" noProof="1">
                 <a:solidFill>
                   <a:schemeClr val="accent2">
                     <a:lumMod val="40000"/>
@@ -13343,87 +11982,7 @@
                 <a:latin typeface="Consolas" pitchFamily="49" charset="0"/>
                 <a:cs typeface="Consolas" pitchFamily="49" charset="0"/>
               </a:rPr>
-              <a:t>//  zPos</a:t>
-            </a:r>
-            <a:r>
-              <a:rPr lang="en-US" sz="1800" b="1" noProof="1">
-                <a:solidFill>
-                  <a:schemeClr val="accent2">
-                    <a:lumMod val="40000"/>
-                    <a:lumOff val="60000"/>
-                  </a:schemeClr>
-                </a:solidFill>
-                <a:effectLst>
-                  <a:outerShdw blurRad="38100" dist="38100" dir="2700000" algn="tl">
-                    <a:srgbClr val="000000">
-                      <a:alpha val="43137"/>
-                    </a:srgbClr>
-                  </a:outerShdw>
-                </a:effectLst>
-                <a:latin typeface="Consolas" pitchFamily="49" charset="0"/>
-                <a:cs typeface="Consolas" pitchFamily="49" charset="0"/>
-              </a:rPr>
-              <a:t> .............. </a:t>
-            </a:r>
-            <a:r>
-              <a:rPr lang="en-US" sz="1800" b="1" noProof="1" smtClean="0">
-                <a:solidFill>
-                  <a:schemeClr val="accent2">
-                    <a:lumMod val="40000"/>
-                    <a:lumOff val="60000"/>
-                  </a:schemeClr>
-                </a:solidFill>
-                <a:effectLst>
-                  <a:outerShdw blurRad="38100" dist="38100" dir="2700000" algn="tl">
-                    <a:srgbClr val="000000">
-                      <a:alpha val="43137"/>
-                    </a:srgbClr>
-                  </a:outerShdw>
-                </a:effectLst>
-                <a:latin typeface="Consolas" pitchFamily="49" charset="0"/>
-                <a:cs typeface="Consolas" pitchFamily="49" charset="0"/>
-              </a:rPr>
-              <a:t>Z coordinate </a:t>
-            </a:r>
-            <a:r>
-              <a:rPr lang="en-US" sz="1800" b="1" noProof="1">
-                <a:solidFill>
-                  <a:schemeClr val="accent2">
-                    <a:lumMod val="40000"/>
-                    <a:lumOff val="60000"/>
-                  </a:schemeClr>
-                </a:solidFill>
-                <a:effectLst>
-                  <a:outerShdw blurRad="38100" dist="38100" dir="2700000" algn="tl">
-                    <a:srgbClr val="000000">
-                      <a:alpha val="43137"/>
-                    </a:srgbClr>
-                  </a:outerShdw>
-                </a:effectLst>
-                <a:latin typeface="Consolas" pitchFamily="49" charset="0"/>
-                <a:cs typeface="Consolas" pitchFamily="49" charset="0"/>
-              </a:rPr>
-              <a:t>position (in meters</a:t>
-            </a:r>
-            <a:r>
-              <a:rPr lang="en-US" sz="1800" b="1" noProof="1" smtClean="0">
-                <a:solidFill>
-                  <a:schemeClr val="accent2">
-                    <a:lumMod val="40000"/>
-                    <a:lumOff val="60000"/>
-                  </a:schemeClr>
-                </a:solidFill>
-                <a:effectLst>
-                  <a:outerShdw blurRad="38100" dist="38100" dir="2700000" algn="tl">
-                    <a:srgbClr val="000000">
-                      <a:alpha val="43137"/>
-                    </a:srgbClr>
-                  </a:outerShdw>
-                </a:effectLst>
-                <a:latin typeface="Consolas" pitchFamily="49" charset="0"/>
-                <a:cs typeface="Consolas" pitchFamily="49" charset="0"/>
-              </a:rPr>
-              <a:t>)</a:t>
+              <a:t>//  zPos .............. Z coordinate position (in meters)</a:t>
             </a:r>
           </a:p>
           <a:p>
@@ -13440,7 +11999,7 @@
               <a:buSzPct val="70000"/>
             </a:pPr>
             <a:r>
-              <a:rPr lang="en-US" sz="1800" b="1" noProof="1" smtClean="0">
+              <a:rPr lang="en-US" sz="1800" b="1" noProof="1">
                 <a:solidFill>
                   <a:schemeClr val="accent2">
                     <a:lumMod val="40000"/>
@@ -13491,27 +12050,7 @@
                 <a:latin typeface="Consolas" pitchFamily="49" charset="0"/>
                 <a:cs typeface="Consolas" pitchFamily="49" charset="0"/>
               </a:rPr>
-              <a:t> </a:t>
-            </a:r>
-            <a:r>
-              <a:rPr lang="en-US" sz="1800" b="1" noProof="1" smtClean="0">
-                <a:solidFill>
-                  <a:schemeClr val="accent2">
-                    <a:lumMod val="40000"/>
-                    <a:lumOff val="60000"/>
-                  </a:schemeClr>
-                </a:solidFill>
-                <a:effectLst>
-                  <a:outerShdw blurRad="38100" dist="38100" dir="2700000" algn="tl">
-                    <a:srgbClr val="000000">
-                      <a:alpha val="43137"/>
-                    </a:srgbClr>
-                  </a:outerShdw>
-                </a:effectLst>
-                <a:latin typeface="Consolas" pitchFamily="49" charset="0"/>
-                <a:cs typeface="Consolas" pitchFamily="49" charset="0"/>
-              </a:rPr>
-              <a:t>                       battle ship is located (in meters)</a:t>
+              <a:t>                        battle ship is located (in meters)</a:t>
             </a:r>
           </a:p>
           <a:p>
@@ -13528,7 +12067,7 @@
               <a:buSzPct val="70000"/>
             </a:pPr>
             <a:r>
-              <a:rPr lang="en-US" sz="1800" b="1" noProof="1" smtClean="0">
+              <a:rPr lang="en-US" sz="1800" b="1" noProof="1">
                 <a:solidFill>
                   <a:schemeClr val="accent2">
                     <a:lumMod val="40000"/>
@@ -13579,45 +12118,8 @@
                 <a:latin typeface="Consolas" pitchFamily="49" charset="0"/>
                 <a:cs typeface="Consolas" pitchFamily="49" charset="0"/>
               </a:rPr>
-              <a:t> </a:t>
-            </a:r>
-            <a:r>
-              <a:rPr lang="en-US" sz="1800" b="1" noProof="1" smtClean="0">
-                <a:solidFill>
-                  <a:schemeClr val="accent2">
-                    <a:lumMod val="40000"/>
-                    <a:lumOff val="60000"/>
-                  </a:schemeClr>
-                </a:solidFill>
-                <a:effectLst>
-                  <a:outerShdw blurRad="38100" dist="38100" dir="2700000" algn="tl">
-                    <a:srgbClr val="000000">
-                      <a:alpha val="43137"/>
-                    </a:srgbClr>
-                  </a:outerShdw>
-                </a:effectLst>
-                <a:latin typeface="Consolas" pitchFamily="49" charset="0"/>
-                <a:cs typeface="Consolas" pitchFamily="49" charset="0"/>
-              </a:rPr>
-              <a:t>                       (in meters)</a:t>
-            </a:r>
-            <a:endParaRPr lang="en-US" sz="1800" b="1" noProof="1">
-              <a:solidFill>
-                <a:schemeClr val="accent2">
-                  <a:lumMod val="40000"/>
-                  <a:lumOff val="60000"/>
-                </a:schemeClr>
-              </a:solidFill>
-              <a:effectLst>
-                <a:outerShdw blurRad="38100" dist="38100" dir="2700000" algn="tl">
-                  <a:srgbClr val="000000">
-                    <a:alpha val="43137"/>
-                  </a:srgbClr>
-                </a:outerShdw>
-              </a:effectLst>
-              <a:latin typeface="Consolas" pitchFamily="49" charset="0"/>
-              <a:cs typeface="Consolas" pitchFamily="49" charset="0"/>
-            </a:endParaRPr>
+              <a:t>                        (in meters)</a:t>
+            </a:r>
           </a:p>
         </p:txBody>
       </p:sp>
@@ -13666,7 +12168,7 @@
               </a:tabLst>
             </a:pPr>
             <a:r>
-              <a:rPr lang="en-US" sz="3200" b="1" dirty="0" smtClean="0">
+              <a:rPr lang="en-US" sz="3200" b="1" dirty="0">
                 <a:solidFill>
                   <a:srgbClr val="EBFFD2"/>
                 </a:solidFill>
@@ -13682,7 +12184,7 @@
               <a:t>The above comments are </a:t>
             </a:r>
             <a:r>
-              <a:rPr lang="en-US" sz="3200" b="1" dirty="0" smtClean="0">
+              <a:rPr lang="en-US" sz="3200" b="1" dirty="0">
                 <a:solidFill>
                   <a:schemeClr val="accent5">
                     <a:lumMod val="20000"/>
@@ -13700,7 +12202,7 @@
               </a:rPr>
               <a:t>unmaintainable</a:t>
             </a:r>
-            <a:endParaRPr kumimoji="0" lang="en-US" sz="3200" b="1" i="0" u="none" strike="noStrike" kern="1200" cap="none" spc="0" normalizeH="0" baseline="0" noProof="0" dirty="0" smtClean="0">
+            <a:endParaRPr kumimoji="0" lang="en-US" sz="3200" b="1" i="0" u="none" strike="noStrike" kern="1200" cap="none" spc="0" normalizeH="0" baseline="0" noProof="0" dirty="0">
               <a:ln>
                 <a:noFill/>
               </a:ln>
@@ -13791,13 +12293,6 @@
   <p:clrMapOvr>
     <a:masterClrMapping/>
   </p:clrMapOvr>
-  <p:timing>
-    <p:tnLst>
-      <p:par>
-        <p:cTn id="1" dur="indefinite" restart="never" nodeType="tmRoot"/>
-      </p:par>
-    </p:tnLst>
-  </p:timing>
 </p:sld>
 </file>
 
@@ -13839,10 +12334,9 @@
           <a:lstStyle/>
           <a:p>
             <a:r>
-              <a:rPr lang="en-US" dirty="0" smtClean="0"/>
+              <a:rPr lang="en-US" dirty="0"/>
               <a:t>Key Points for Effective Comments (2)</a:t>
             </a:r>
-            <a:endParaRPr lang="en-US" dirty="0"/>
           </a:p>
         </p:txBody>
       </p:sp>
@@ -13872,7 +12366,7 @@
               </a:lnSpc>
             </a:pPr>
             <a:r>
-              <a:rPr lang="en-US" dirty="0" smtClean="0"/>
+              <a:rPr lang="en-US" dirty="0"/>
               <a:t>Comment the code intent, not implementation details</a:t>
             </a:r>
           </a:p>
@@ -13951,7 +12445,7 @@
               </a:lnSpc>
             </a:pPr>
             <a:r>
-              <a:rPr lang="en-US" sz="1900" b="1" noProof="1" smtClean="0">
+              <a:rPr lang="en-US" sz="1900" b="1" noProof="1">
                 <a:solidFill>
                   <a:schemeClr val="accent5">
                     <a:lumMod val="20000"/>
@@ -13968,8 +12462,15 @@
                 <a:latin typeface="Consolas" pitchFamily="49" charset="0"/>
                 <a:cs typeface="Consolas" pitchFamily="49" charset="0"/>
               </a:rPr>
-              <a:t>// </a:t>
-            </a:r>
+              <a:t>// Scan char by char to find the command-word terminator ($)</a:t>
+            </a:r>
+          </a:p>
+          <a:p>
+            <a:pPr>
+              <a:lnSpc>
+                <a:spcPts val="2000"/>
+              </a:lnSpc>
+            </a:pPr>
             <a:r>
               <a:rPr lang="en-US" sz="1900" b="1" noProof="1">
                 <a:solidFill>
@@ -13988,10 +12489,17 @@
                 <a:latin typeface="Consolas" pitchFamily="49" charset="0"/>
                 <a:cs typeface="Consolas" pitchFamily="49" charset="0"/>
               </a:rPr>
-              <a:t>S</a:t>
-            </a:r>
-            <a:r>
-              <a:rPr lang="en-US" sz="1900" b="1" noProof="1" smtClean="0">
+              <a:t>done = false;</a:t>
+            </a:r>
+          </a:p>
+          <a:p>
+            <a:pPr>
+              <a:lnSpc>
+                <a:spcPts val="2000"/>
+              </a:lnSpc>
+            </a:pPr>
+            <a:r>
+              <a:rPr lang="en-US" sz="1900" b="1" noProof="1">
                 <a:solidFill>
                   <a:schemeClr val="accent5">
                     <a:lumMod val="20000"/>
@@ -14008,10 +12516,17 @@
                 <a:latin typeface="Consolas" pitchFamily="49" charset="0"/>
                 <a:cs typeface="Consolas" pitchFamily="49" charset="0"/>
               </a:rPr>
-              <a:t>can </a:t>
-            </a:r>
-            <a:r>
-              <a:rPr lang="en-US" sz="1900" b="1" noProof="1" smtClean="0">
+              <a:t>maxLen = inputString.Length;</a:t>
+            </a:r>
+          </a:p>
+          <a:p>
+            <a:pPr>
+              <a:lnSpc>
+                <a:spcPts val="2000"/>
+              </a:lnSpc>
+            </a:pPr>
+            <a:r>
+              <a:rPr lang="en-US" sz="1900" b="1" noProof="1">
                 <a:solidFill>
                   <a:schemeClr val="accent5">
                     <a:lumMod val="20000"/>
@@ -14028,7 +12543,7 @@
                 <a:latin typeface="Consolas" pitchFamily="49" charset="0"/>
                 <a:cs typeface="Consolas" pitchFamily="49" charset="0"/>
               </a:rPr>
-              <a:t>char by char to find the command-word terminator ($)</a:t>
+              <a:t>i = 0;</a:t>
             </a:r>
           </a:p>
           <a:p>
@@ -14038,7 +12553,7 @@
               </a:lnSpc>
             </a:pPr>
             <a:r>
-              <a:rPr lang="en-US" sz="1900" b="1" noProof="1" smtClean="0">
+              <a:rPr lang="en-US" sz="1900" b="1" noProof="1">
                 <a:solidFill>
                   <a:schemeClr val="accent5">
                     <a:lumMod val="20000"/>
@@ -14055,7 +12570,7 @@
                 <a:latin typeface="Consolas" pitchFamily="49" charset="0"/>
                 <a:cs typeface="Consolas" pitchFamily="49" charset="0"/>
               </a:rPr>
-              <a:t>done = false;</a:t>
+              <a:t>while (!done &amp;&amp; (i &lt; maxLen))</a:t>
             </a:r>
           </a:p>
           <a:p>
@@ -14065,7 +12580,7 @@
               </a:lnSpc>
             </a:pPr>
             <a:r>
-              <a:rPr lang="en-US" sz="1900" b="1" noProof="1" smtClean="0">
+              <a:rPr lang="en-US" sz="1900" b="1" noProof="1">
                 <a:solidFill>
                   <a:schemeClr val="accent5">
                     <a:lumMod val="20000"/>
@@ -14082,7 +12597,7 @@
                 <a:latin typeface="Consolas" pitchFamily="49" charset="0"/>
                 <a:cs typeface="Consolas" pitchFamily="49" charset="0"/>
               </a:rPr>
-              <a:t>maxLen = inputString.Length;</a:t>
+              <a:t>{</a:t>
             </a:r>
           </a:p>
           <a:p>
@@ -14092,7 +12607,7 @@
               </a:lnSpc>
             </a:pPr>
             <a:r>
-              <a:rPr lang="en-US" sz="1900" b="1" noProof="1" smtClean="0">
+              <a:rPr lang="en-US" sz="1900" b="1" noProof="1">
                 <a:solidFill>
                   <a:schemeClr val="accent5">
                     <a:lumMod val="20000"/>
@@ -14109,7 +12624,7 @@
                 <a:latin typeface="Consolas" pitchFamily="49" charset="0"/>
                 <a:cs typeface="Consolas" pitchFamily="49" charset="0"/>
               </a:rPr>
-              <a:t>i = 0;</a:t>
+              <a:t>  if (inputString[i] == '$')</a:t>
             </a:r>
           </a:p>
           <a:p>
@@ -14119,7 +12634,7 @@
               </a:lnSpc>
             </a:pPr>
             <a:r>
-              <a:rPr lang="en-US" sz="1900" b="1" noProof="1" smtClean="0">
+              <a:rPr lang="en-US" sz="1900" b="1" noProof="1">
                 <a:solidFill>
                   <a:schemeClr val="accent5">
                     <a:lumMod val="20000"/>
@@ -14136,7 +12651,7 @@
                 <a:latin typeface="Consolas" pitchFamily="49" charset="0"/>
                 <a:cs typeface="Consolas" pitchFamily="49" charset="0"/>
               </a:rPr>
-              <a:t>while (!done &amp;&amp; (i &lt; maxLen))</a:t>
+              <a:t>  {</a:t>
             </a:r>
           </a:p>
           <a:p>
@@ -14146,7 +12661,7 @@
               </a:lnSpc>
             </a:pPr>
             <a:r>
-              <a:rPr lang="en-US" sz="1900" b="1" noProof="1" smtClean="0">
+              <a:rPr lang="en-US" sz="1900" b="1" noProof="1">
                 <a:solidFill>
                   <a:schemeClr val="accent5">
                     <a:lumMod val="20000"/>
@@ -14163,7 +12678,7 @@
                 <a:latin typeface="Consolas" pitchFamily="49" charset="0"/>
                 <a:cs typeface="Consolas" pitchFamily="49" charset="0"/>
               </a:rPr>
-              <a:t>{</a:t>
+              <a:t>    done = true;</a:t>
             </a:r>
           </a:p>
           <a:p>
@@ -14173,7 +12688,7 @@
               </a:lnSpc>
             </a:pPr>
             <a:r>
-              <a:rPr lang="en-US" sz="1900" b="1" noProof="1" smtClean="0">
+              <a:rPr lang="en-US" sz="1900" b="1" noProof="1">
                 <a:solidFill>
                   <a:schemeClr val="accent5">
                     <a:lumMod val="20000"/>
@@ -14190,10 +12705,17 @@
                 <a:latin typeface="Consolas" pitchFamily="49" charset="0"/>
                 <a:cs typeface="Consolas" pitchFamily="49" charset="0"/>
               </a:rPr>
-              <a:t>  </a:t>
-            </a:r>
-            <a:r>
-              <a:rPr lang="en-US" sz="1900" b="1" noProof="1" smtClean="0">
+              <a:t>  }</a:t>
+            </a:r>
+          </a:p>
+          <a:p>
+            <a:pPr>
+              <a:lnSpc>
+                <a:spcPts val="2000"/>
+              </a:lnSpc>
+            </a:pPr>
+            <a:r>
+              <a:rPr lang="en-US" sz="1900" b="1" noProof="1">
                 <a:solidFill>
                   <a:schemeClr val="accent5">
                     <a:lumMod val="20000"/>
@@ -14210,10 +12732,17 @@
                 <a:latin typeface="Consolas" pitchFamily="49" charset="0"/>
                 <a:cs typeface="Consolas" pitchFamily="49" charset="0"/>
               </a:rPr>
-              <a:t>if </a:t>
-            </a:r>
-            <a:r>
-              <a:rPr lang="en-US" sz="1900" b="1" noProof="1" smtClean="0">
+              <a:t>  else</a:t>
+            </a:r>
+          </a:p>
+          <a:p>
+            <a:pPr>
+              <a:lnSpc>
+                <a:spcPts val="2000"/>
+              </a:lnSpc>
+            </a:pPr>
+            <a:r>
+              <a:rPr lang="en-US" sz="1900" b="1" noProof="1">
                 <a:solidFill>
                   <a:schemeClr val="accent5">
                     <a:lumMod val="20000"/>
@@ -14230,7 +12759,7 @@
                 <a:latin typeface="Consolas" pitchFamily="49" charset="0"/>
                 <a:cs typeface="Consolas" pitchFamily="49" charset="0"/>
               </a:rPr>
-              <a:t>(inputString[i] == '$')</a:t>
+              <a:t>  {</a:t>
             </a:r>
           </a:p>
           <a:p>
@@ -14240,7 +12769,7 @@
               </a:lnSpc>
             </a:pPr>
             <a:r>
-              <a:rPr lang="en-US" sz="1900" b="1" noProof="1" smtClean="0">
+              <a:rPr lang="en-US" sz="1900" b="1" noProof="1">
                 <a:solidFill>
                   <a:schemeClr val="accent5">
                     <a:lumMod val="20000"/>
@@ -14257,10 +12786,17 @@
                 <a:latin typeface="Consolas" pitchFamily="49" charset="0"/>
                 <a:cs typeface="Consolas" pitchFamily="49" charset="0"/>
               </a:rPr>
-              <a:t>  </a:t>
-            </a:r>
-            <a:r>
-              <a:rPr lang="en-US" sz="1900" b="1" noProof="1" smtClean="0">
+              <a:t>    i++;</a:t>
+            </a:r>
+          </a:p>
+          <a:p>
+            <a:pPr>
+              <a:lnSpc>
+                <a:spcPts val="2000"/>
+              </a:lnSpc>
+            </a:pPr>
+            <a:r>
+              <a:rPr lang="en-US" sz="1900" b="1" noProof="1">
                 <a:solidFill>
                   <a:schemeClr val="accent5">
                     <a:lumMod val="20000"/>
@@ -14277,25 +12813,8 @@
                 <a:latin typeface="Consolas" pitchFamily="49" charset="0"/>
                 <a:cs typeface="Consolas" pitchFamily="49" charset="0"/>
               </a:rPr>
-              <a:t>{</a:t>
-            </a:r>
-            <a:endParaRPr lang="en-US" sz="1900" b="1" noProof="1" smtClean="0">
-              <a:solidFill>
-                <a:schemeClr val="accent5">
-                  <a:lumMod val="20000"/>
-                  <a:lumOff val="80000"/>
-                </a:schemeClr>
-              </a:solidFill>
-              <a:effectLst>
-                <a:outerShdw blurRad="38100" dist="38100" dir="2700000" algn="tl">
-                  <a:srgbClr val="000000">
-                    <a:alpha val="43137"/>
-                  </a:srgbClr>
-                </a:outerShdw>
-              </a:effectLst>
-              <a:latin typeface="Consolas" pitchFamily="49" charset="0"/>
-              <a:cs typeface="Consolas" pitchFamily="49" charset="0"/>
-            </a:endParaRPr>
+              <a:t>  }</a:t>
+            </a:r>
           </a:p>
           <a:p>
             <a:pPr>
@@ -14304,417 +12823,7 @@
               </a:lnSpc>
             </a:pPr>
             <a:r>
-              <a:rPr lang="en-US" sz="1900" b="1" noProof="1" smtClean="0">
-                <a:solidFill>
-                  <a:schemeClr val="accent5">
-                    <a:lumMod val="20000"/>
-                    <a:lumOff val="80000"/>
-                  </a:schemeClr>
-                </a:solidFill>
-                <a:effectLst>
-                  <a:outerShdw blurRad="38100" dist="38100" dir="2700000" algn="tl">
-                    <a:srgbClr val="000000">
-                      <a:alpha val="43137"/>
-                    </a:srgbClr>
-                  </a:outerShdw>
-                </a:effectLst>
-                <a:latin typeface="Consolas" pitchFamily="49" charset="0"/>
-                <a:cs typeface="Consolas" pitchFamily="49" charset="0"/>
-              </a:rPr>
-              <a:t>  </a:t>
-            </a:r>
-            <a:r>
-              <a:rPr lang="en-US" sz="1900" b="1" noProof="1" smtClean="0">
-                <a:solidFill>
-                  <a:schemeClr val="accent5">
-                    <a:lumMod val="20000"/>
-                    <a:lumOff val="80000"/>
-                  </a:schemeClr>
-                </a:solidFill>
-                <a:effectLst>
-                  <a:outerShdw blurRad="38100" dist="38100" dir="2700000" algn="tl">
-                    <a:srgbClr val="000000">
-                      <a:alpha val="43137"/>
-                    </a:srgbClr>
-                  </a:outerShdw>
-                </a:effectLst>
-                <a:latin typeface="Consolas" pitchFamily="49" charset="0"/>
-                <a:cs typeface="Consolas" pitchFamily="49" charset="0"/>
-              </a:rPr>
-              <a:t>  </a:t>
-            </a:r>
-            <a:r>
-              <a:rPr lang="en-US" sz="1900" b="1" noProof="1" smtClean="0">
-                <a:solidFill>
-                  <a:schemeClr val="accent5">
-                    <a:lumMod val="20000"/>
-                    <a:lumOff val="80000"/>
-                  </a:schemeClr>
-                </a:solidFill>
-                <a:effectLst>
-                  <a:outerShdw blurRad="38100" dist="38100" dir="2700000" algn="tl">
-                    <a:srgbClr val="000000">
-                      <a:alpha val="43137"/>
-                    </a:srgbClr>
-                  </a:outerShdw>
-                </a:effectLst>
-                <a:latin typeface="Consolas" pitchFamily="49" charset="0"/>
-                <a:cs typeface="Consolas" pitchFamily="49" charset="0"/>
-              </a:rPr>
-              <a:t>done = true;</a:t>
-            </a:r>
-          </a:p>
-          <a:p>
-            <a:pPr>
-              <a:lnSpc>
-                <a:spcPts val="2000"/>
-              </a:lnSpc>
-            </a:pPr>
-            <a:r>
-              <a:rPr lang="en-US" sz="1900" b="1" noProof="1" smtClean="0">
-                <a:solidFill>
-                  <a:schemeClr val="accent5">
-                    <a:lumMod val="20000"/>
-                    <a:lumOff val="80000"/>
-                  </a:schemeClr>
-                </a:solidFill>
-                <a:effectLst>
-                  <a:outerShdw blurRad="38100" dist="38100" dir="2700000" algn="tl">
-                    <a:srgbClr val="000000">
-                      <a:alpha val="43137"/>
-                    </a:srgbClr>
-                  </a:outerShdw>
-                </a:effectLst>
-                <a:latin typeface="Consolas" pitchFamily="49" charset="0"/>
-                <a:cs typeface="Consolas" pitchFamily="49" charset="0"/>
-              </a:rPr>
-              <a:t>  </a:t>
-            </a:r>
-            <a:r>
-              <a:rPr lang="en-US" sz="1900" b="1" noProof="1" smtClean="0">
-                <a:solidFill>
-                  <a:schemeClr val="accent5">
-                    <a:lumMod val="20000"/>
-                    <a:lumOff val="80000"/>
-                  </a:schemeClr>
-                </a:solidFill>
-                <a:effectLst>
-                  <a:outerShdw blurRad="38100" dist="38100" dir="2700000" algn="tl">
-                    <a:srgbClr val="000000">
-                      <a:alpha val="43137"/>
-                    </a:srgbClr>
-                  </a:outerShdw>
-                </a:effectLst>
-                <a:latin typeface="Consolas" pitchFamily="49" charset="0"/>
-                <a:cs typeface="Consolas" pitchFamily="49" charset="0"/>
-              </a:rPr>
-              <a:t>}</a:t>
-            </a:r>
-            <a:endParaRPr lang="en-US" sz="1900" b="1" noProof="1" smtClean="0">
-              <a:solidFill>
-                <a:schemeClr val="accent5">
-                  <a:lumMod val="20000"/>
-                  <a:lumOff val="80000"/>
-                </a:schemeClr>
-              </a:solidFill>
-              <a:effectLst>
-                <a:outerShdw blurRad="38100" dist="38100" dir="2700000" algn="tl">
-                  <a:srgbClr val="000000">
-                    <a:alpha val="43137"/>
-                  </a:srgbClr>
-                </a:outerShdw>
-              </a:effectLst>
-              <a:latin typeface="Consolas" pitchFamily="49" charset="0"/>
-              <a:cs typeface="Consolas" pitchFamily="49" charset="0"/>
-            </a:endParaRPr>
-          </a:p>
-          <a:p>
-            <a:pPr>
-              <a:lnSpc>
-                <a:spcPts val="2000"/>
-              </a:lnSpc>
-            </a:pPr>
-            <a:r>
-              <a:rPr lang="en-US" sz="1900" b="1" noProof="1" smtClean="0">
-                <a:solidFill>
-                  <a:schemeClr val="accent5">
-                    <a:lumMod val="20000"/>
-                    <a:lumOff val="80000"/>
-                  </a:schemeClr>
-                </a:solidFill>
-                <a:effectLst>
-                  <a:outerShdw blurRad="38100" dist="38100" dir="2700000" algn="tl">
-                    <a:srgbClr val="000000">
-                      <a:alpha val="43137"/>
-                    </a:srgbClr>
-                  </a:outerShdw>
-                </a:effectLst>
-                <a:latin typeface="Consolas" pitchFamily="49" charset="0"/>
-                <a:cs typeface="Consolas" pitchFamily="49" charset="0"/>
-              </a:rPr>
-              <a:t>  </a:t>
-            </a:r>
-            <a:r>
-              <a:rPr lang="en-US" sz="1900" b="1" noProof="1" smtClean="0">
-                <a:solidFill>
-                  <a:schemeClr val="accent5">
-                    <a:lumMod val="20000"/>
-                    <a:lumOff val="80000"/>
-                  </a:schemeClr>
-                </a:solidFill>
-                <a:effectLst>
-                  <a:outerShdw blurRad="38100" dist="38100" dir="2700000" algn="tl">
-                    <a:srgbClr val="000000">
-                      <a:alpha val="43137"/>
-                    </a:srgbClr>
-                  </a:outerShdw>
-                </a:effectLst>
-                <a:latin typeface="Consolas" pitchFamily="49" charset="0"/>
-                <a:cs typeface="Consolas" pitchFamily="49" charset="0"/>
-              </a:rPr>
-              <a:t>else</a:t>
-            </a:r>
-            <a:endParaRPr lang="en-US" sz="1900" b="1" noProof="1" smtClean="0">
-              <a:solidFill>
-                <a:schemeClr val="accent5">
-                  <a:lumMod val="20000"/>
-                  <a:lumOff val="80000"/>
-                </a:schemeClr>
-              </a:solidFill>
-              <a:effectLst>
-                <a:outerShdw blurRad="38100" dist="38100" dir="2700000" algn="tl">
-                  <a:srgbClr val="000000">
-                    <a:alpha val="43137"/>
-                  </a:srgbClr>
-                </a:outerShdw>
-              </a:effectLst>
-              <a:latin typeface="Consolas" pitchFamily="49" charset="0"/>
-              <a:cs typeface="Consolas" pitchFamily="49" charset="0"/>
-            </a:endParaRPr>
-          </a:p>
-          <a:p>
-            <a:pPr>
-              <a:lnSpc>
-                <a:spcPts val="2000"/>
-              </a:lnSpc>
-            </a:pPr>
-            <a:r>
               <a:rPr lang="en-US" sz="1900" b="1" noProof="1">
-                <a:solidFill>
-                  <a:schemeClr val="accent5">
-                    <a:lumMod val="20000"/>
-                    <a:lumOff val="80000"/>
-                  </a:schemeClr>
-                </a:solidFill>
-                <a:effectLst>
-                  <a:outerShdw blurRad="38100" dist="38100" dir="2700000" algn="tl">
-                    <a:srgbClr val="000000">
-                      <a:alpha val="43137"/>
-                    </a:srgbClr>
-                  </a:outerShdw>
-                </a:effectLst>
-                <a:latin typeface="Consolas" pitchFamily="49" charset="0"/>
-                <a:cs typeface="Consolas" pitchFamily="49" charset="0"/>
-              </a:rPr>
-              <a:t> </a:t>
-            </a:r>
-            <a:r>
-              <a:rPr lang="en-US" sz="1900" b="1" noProof="1" smtClean="0">
-                <a:solidFill>
-                  <a:schemeClr val="accent5">
-                    <a:lumMod val="20000"/>
-                    <a:lumOff val="80000"/>
-                  </a:schemeClr>
-                </a:solidFill>
-                <a:effectLst>
-                  <a:outerShdw blurRad="38100" dist="38100" dir="2700000" algn="tl">
-                    <a:srgbClr val="000000">
-                      <a:alpha val="43137"/>
-                    </a:srgbClr>
-                  </a:outerShdw>
-                </a:effectLst>
-                <a:latin typeface="Consolas" pitchFamily="49" charset="0"/>
-                <a:cs typeface="Consolas" pitchFamily="49" charset="0"/>
-              </a:rPr>
-              <a:t> </a:t>
-            </a:r>
-            <a:r>
-              <a:rPr lang="en-US" sz="1900" b="1" noProof="1" smtClean="0">
-                <a:solidFill>
-                  <a:schemeClr val="accent5">
-                    <a:lumMod val="20000"/>
-                    <a:lumOff val="80000"/>
-                  </a:schemeClr>
-                </a:solidFill>
-                <a:effectLst>
-                  <a:outerShdw blurRad="38100" dist="38100" dir="2700000" algn="tl">
-                    <a:srgbClr val="000000">
-                      <a:alpha val="43137"/>
-                    </a:srgbClr>
-                  </a:outerShdw>
-                </a:effectLst>
-                <a:latin typeface="Consolas" pitchFamily="49" charset="0"/>
-                <a:cs typeface="Consolas" pitchFamily="49" charset="0"/>
-              </a:rPr>
-              <a:t>{</a:t>
-            </a:r>
-            <a:endParaRPr lang="en-US" sz="1900" b="1" noProof="1" smtClean="0">
-              <a:solidFill>
-                <a:schemeClr val="accent5">
-                  <a:lumMod val="20000"/>
-                  <a:lumOff val="80000"/>
-                </a:schemeClr>
-              </a:solidFill>
-              <a:effectLst>
-                <a:outerShdw blurRad="38100" dist="38100" dir="2700000" algn="tl">
-                  <a:srgbClr val="000000">
-                    <a:alpha val="43137"/>
-                  </a:srgbClr>
-                </a:outerShdw>
-              </a:effectLst>
-              <a:latin typeface="Consolas" pitchFamily="49" charset="0"/>
-              <a:cs typeface="Consolas" pitchFamily="49" charset="0"/>
-            </a:endParaRPr>
-          </a:p>
-          <a:p>
-            <a:pPr>
-              <a:lnSpc>
-                <a:spcPts val="2000"/>
-              </a:lnSpc>
-            </a:pPr>
-            <a:r>
-              <a:rPr lang="en-US" sz="1900" b="1" noProof="1" smtClean="0">
-                <a:solidFill>
-                  <a:schemeClr val="accent5">
-                    <a:lumMod val="20000"/>
-                    <a:lumOff val="80000"/>
-                  </a:schemeClr>
-                </a:solidFill>
-                <a:effectLst>
-                  <a:outerShdw blurRad="38100" dist="38100" dir="2700000" algn="tl">
-                    <a:srgbClr val="000000">
-                      <a:alpha val="43137"/>
-                    </a:srgbClr>
-                  </a:outerShdw>
-                </a:effectLst>
-                <a:latin typeface="Consolas" pitchFamily="49" charset="0"/>
-                <a:cs typeface="Consolas" pitchFamily="49" charset="0"/>
-              </a:rPr>
-              <a:t>  </a:t>
-            </a:r>
-            <a:r>
-              <a:rPr lang="en-US" sz="1900" b="1" noProof="1" smtClean="0">
-                <a:solidFill>
-                  <a:schemeClr val="accent5">
-                    <a:lumMod val="20000"/>
-                    <a:lumOff val="80000"/>
-                  </a:schemeClr>
-                </a:solidFill>
-                <a:effectLst>
-                  <a:outerShdw blurRad="38100" dist="38100" dir="2700000" algn="tl">
-                    <a:srgbClr val="000000">
-                      <a:alpha val="43137"/>
-                    </a:srgbClr>
-                  </a:outerShdw>
-                </a:effectLst>
-                <a:latin typeface="Consolas" pitchFamily="49" charset="0"/>
-                <a:cs typeface="Consolas" pitchFamily="49" charset="0"/>
-              </a:rPr>
-              <a:t>  </a:t>
-            </a:r>
-            <a:r>
-              <a:rPr lang="en-US" sz="1900" b="1" noProof="1" smtClean="0">
-                <a:solidFill>
-                  <a:schemeClr val="accent5">
-                    <a:lumMod val="20000"/>
-                    <a:lumOff val="80000"/>
-                  </a:schemeClr>
-                </a:solidFill>
-                <a:effectLst>
-                  <a:outerShdw blurRad="38100" dist="38100" dir="2700000" algn="tl">
-                    <a:srgbClr val="000000">
-                      <a:alpha val="43137"/>
-                    </a:srgbClr>
-                  </a:outerShdw>
-                </a:effectLst>
-                <a:latin typeface="Consolas" pitchFamily="49" charset="0"/>
-                <a:cs typeface="Consolas" pitchFamily="49" charset="0"/>
-              </a:rPr>
-              <a:t>i++;</a:t>
-            </a:r>
-          </a:p>
-          <a:p>
-            <a:pPr>
-              <a:lnSpc>
-                <a:spcPts val="2000"/>
-              </a:lnSpc>
-            </a:pPr>
-            <a:r>
-              <a:rPr lang="en-US" sz="1900" b="1" noProof="1" smtClean="0">
-                <a:solidFill>
-                  <a:schemeClr val="accent5">
-                    <a:lumMod val="20000"/>
-                    <a:lumOff val="80000"/>
-                  </a:schemeClr>
-                </a:solidFill>
-                <a:effectLst>
-                  <a:outerShdw blurRad="38100" dist="38100" dir="2700000" algn="tl">
-                    <a:srgbClr val="000000">
-                      <a:alpha val="43137"/>
-                    </a:srgbClr>
-                  </a:outerShdw>
-                </a:effectLst>
-                <a:latin typeface="Consolas" pitchFamily="49" charset="0"/>
-                <a:cs typeface="Consolas" pitchFamily="49" charset="0"/>
-              </a:rPr>
-              <a:t>  </a:t>
-            </a:r>
-            <a:r>
-              <a:rPr lang="en-US" sz="1900" b="1" noProof="1" smtClean="0">
-                <a:solidFill>
-                  <a:schemeClr val="accent5">
-                    <a:lumMod val="20000"/>
-                    <a:lumOff val="80000"/>
-                  </a:schemeClr>
-                </a:solidFill>
-                <a:effectLst>
-                  <a:outerShdw blurRad="38100" dist="38100" dir="2700000" algn="tl">
-                    <a:srgbClr val="000000">
-                      <a:alpha val="43137"/>
-                    </a:srgbClr>
-                  </a:outerShdw>
-                </a:effectLst>
-                <a:latin typeface="Consolas" pitchFamily="49" charset="0"/>
-                <a:cs typeface="Consolas" pitchFamily="49" charset="0"/>
-              </a:rPr>
-              <a:t>}</a:t>
-            </a:r>
-            <a:endParaRPr lang="en-US" sz="1900" b="1" noProof="1" smtClean="0">
-              <a:solidFill>
-                <a:schemeClr val="accent5">
-                  <a:lumMod val="20000"/>
-                  <a:lumOff val="80000"/>
-                </a:schemeClr>
-              </a:solidFill>
-              <a:effectLst>
-                <a:outerShdw blurRad="38100" dist="38100" dir="2700000" algn="tl">
-                  <a:srgbClr val="000000">
-                    <a:alpha val="43137"/>
-                  </a:srgbClr>
-                </a:outerShdw>
-              </a:effectLst>
-              <a:latin typeface="Consolas" pitchFamily="49" charset="0"/>
-              <a:cs typeface="Consolas" pitchFamily="49" charset="0"/>
-            </a:endParaRPr>
-          </a:p>
-          <a:p>
-            <a:pPr>
-              <a:lnSpc>
-                <a:spcPts val="2000"/>
-              </a:lnSpc>
-            </a:pPr>
-            <a:r>
-              <a:rPr lang="en-US" sz="1900" b="1" noProof="1" smtClean="0">
                 <a:solidFill>
                   <a:schemeClr val="accent5">
                     <a:lumMod val="20000"/>
@@ -14796,13 +12905,6 @@
   <p:clrMapOvr>
     <a:masterClrMapping/>
   </p:clrMapOvr>
-  <p:timing>
-    <p:tnLst>
-      <p:par>
-        <p:cTn id="1" dur="indefinite" restart="never" nodeType="tmRoot"/>
-      </p:par>
-    </p:tnLst>
-  </p:timing>
 </p:sld>
 </file>
 
@@ -14844,10 +12946,9 @@
           <a:lstStyle/>
           <a:p>
             <a:r>
-              <a:rPr lang="en-US" dirty="0" smtClean="0"/>
+              <a:rPr lang="en-US" dirty="0"/>
               <a:t>Key Points for Effective Comments (3)</a:t>
             </a:r>
-            <a:endParaRPr lang="en-US" dirty="0"/>
           </a:p>
         </p:txBody>
       </p:sp>
@@ -14872,14 +12973,9 @@
           <a:lstStyle/>
           <a:p>
             <a:r>
-              <a:rPr lang="en-US" sz="3000" dirty="0" smtClean="0"/>
-              <a:t>Focus your documentation efforts on the </a:t>
-            </a:r>
-            <a:r>
-              <a:rPr lang="en-US" sz="3000" dirty="0" smtClean="0"/>
-              <a:t>code</a:t>
-            </a:r>
-            <a:endParaRPr lang="en-US" sz="3000" dirty="0" smtClean="0"/>
+              <a:rPr lang="en-US" sz="3000" dirty="0"/>
+              <a:t>Focus your documentation efforts on the code</a:t>
+            </a:r>
           </a:p>
         </p:txBody>
       </p:sp>
@@ -14956,7 +13052,7 @@
               </a:lnSpc>
             </a:pPr>
             <a:r>
-              <a:rPr lang="en-US" sz="1800" b="1" noProof="1" smtClean="0">
+              <a:rPr lang="en-US" sz="1800" b="1" noProof="1">
                 <a:solidFill>
                   <a:schemeClr val="accent5">
                     <a:lumMod val="20000"/>
@@ -14973,10 +13069,17 @@
                 <a:latin typeface="Consolas" pitchFamily="49" charset="0"/>
                 <a:cs typeface="Consolas" pitchFamily="49" charset="0"/>
               </a:rPr>
-              <a:t>// </a:t>
-            </a:r>
-            <a:r>
-              <a:rPr lang="en-US" sz="1800" b="1" noProof="1" smtClean="0">
+              <a:t>// Find the command-word terminator </a:t>
+            </a:r>
+          </a:p>
+          <a:p>
+            <a:pPr>
+              <a:lnSpc>
+                <a:spcPts val="2000"/>
+              </a:lnSpc>
+            </a:pPr>
+            <a:r>
+              <a:rPr lang="en-US" sz="1800" b="1" noProof="1">
                 <a:solidFill>
                   <a:schemeClr val="accent5">
                     <a:lumMod val="20000"/>
@@ -14993,10 +13096,17 @@
                 <a:latin typeface="Consolas" pitchFamily="49" charset="0"/>
                 <a:cs typeface="Consolas" pitchFamily="49" charset="0"/>
               </a:rPr>
-              <a:t>Find </a:t>
-            </a:r>
-            <a:r>
-              <a:rPr lang="en-US" sz="1800" b="1" noProof="1" smtClean="0">
+              <a:t>foundTheTerminator = false; </a:t>
+            </a:r>
+          </a:p>
+          <a:p>
+            <a:pPr>
+              <a:lnSpc>
+                <a:spcPts val="2000"/>
+              </a:lnSpc>
+            </a:pPr>
+            <a:r>
+              <a:rPr lang="en-US" sz="1800" b="1" noProof="1">
                 <a:solidFill>
                   <a:schemeClr val="accent5">
                     <a:lumMod val="20000"/>
@@ -15013,7 +13123,7 @@
                 <a:latin typeface="Consolas" pitchFamily="49" charset="0"/>
                 <a:cs typeface="Consolas" pitchFamily="49" charset="0"/>
               </a:rPr>
-              <a:t>the command-word terminator </a:t>
+              <a:t>maxCommandLength = inputString.Length(); </a:t>
             </a:r>
           </a:p>
           <a:p>
@@ -15023,7 +13133,7 @@
               </a:lnSpc>
             </a:pPr>
             <a:r>
-              <a:rPr lang="en-US" sz="1800" b="1" noProof="1" smtClean="0">
+              <a:rPr lang="en-US" sz="1800" b="1" noProof="1">
                 <a:solidFill>
                   <a:schemeClr val="accent5">
                     <a:lumMod val="20000"/>
@@ -15040,7 +13150,7 @@
                 <a:latin typeface="Consolas" pitchFamily="49" charset="0"/>
                 <a:cs typeface="Consolas" pitchFamily="49" charset="0"/>
               </a:rPr>
-              <a:t>foundTheTerminator = false; </a:t>
+              <a:t>testCharPosition = 0; </a:t>
             </a:r>
           </a:p>
           <a:p>
@@ -15050,7 +13160,7 @@
               </a:lnSpc>
             </a:pPr>
             <a:r>
-              <a:rPr lang="en-US" sz="1800" b="1" noProof="1" smtClean="0">
+              <a:rPr lang="en-US" sz="1800" b="1" noProof="1">
                 <a:solidFill>
                   <a:schemeClr val="accent5">
                     <a:lumMod val="20000"/>
@@ -15067,7 +13177,7 @@
                 <a:latin typeface="Consolas" pitchFamily="49" charset="0"/>
                 <a:cs typeface="Consolas" pitchFamily="49" charset="0"/>
               </a:rPr>
-              <a:t>maxCommandLength = inputString.Length(); </a:t>
+              <a:t>while (!foundTheTerminator &amp;&amp;</a:t>
             </a:r>
           </a:p>
           <a:p>
@@ -15077,7 +13187,7 @@
               </a:lnSpc>
             </a:pPr>
             <a:r>
-              <a:rPr lang="en-US" sz="1800" b="1" noProof="1" smtClean="0">
+              <a:rPr lang="en-US" sz="1800" b="1" noProof="1">
                 <a:solidFill>
                   <a:schemeClr val="accent5">
                     <a:lumMod val="20000"/>
@@ -15094,7 +13204,7 @@
                 <a:latin typeface="Consolas" pitchFamily="49" charset="0"/>
                 <a:cs typeface="Consolas" pitchFamily="49" charset="0"/>
               </a:rPr>
-              <a:t>testCharPosition = 0; </a:t>
+              <a:t>    (testCharPosition &lt; maxCommandLength))</a:t>
             </a:r>
           </a:p>
           <a:p>
@@ -15104,7 +13214,7 @@
               </a:lnSpc>
             </a:pPr>
             <a:r>
-              <a:rPr lang="en-US" sz="1800" b="1" noProof="1" smtClean="0">
+              <a:rPr lang="en-US" sz="1800" b="1" noProof="1">
                 <a:solidFill>
                   <a:schemeClr val="accent5">
                     <a:lumMod val="20000"/>
@@ -15121,10 +13231,17 @@
                 <a:latin typeface="Consolas" pitchFamily="49" charset="0"/>
                 <a:cs typeface="Consolas" pitchFamily="49" charset="0"/>
               </a:rPr>
-              <a:t>while (!foundTheTerminator </a:t>
-            </a:r>
-            <a:r>
-              <a:rPr lang="en-US" sz="1800" b="1" noProof="1" smtClean="0">
+              <a:t>{ </a:t>
+            </a:r>
+          </a:p>
+          <a:p>
+            <a:pPr>
+              <a:lnSpc>
+                <a:spcPts val="2000"/>
+              </a:lnSpc>
+            </a:pPr>
+            <a:r>
+              <a:rPr lang="en-US" sz="1800" b="1" noProof="1">
                 <a:solidFill>
                   <a:schemeClr val="accent5">
                     <a:lumMod val="20000"/>
@@ -15141,7 +13258,7 @@
                 <a:latin typeface="Consolas" pitchFamily="49" charset="0"/>
                 <a:cs typeface="Consolas" pitchFamily="49" charset="0"/>
               </a:rPr>
-              <a:t>&amp;&amp;</a:t>
+              <a:t>  if (inputString[testCharPosition] == COMMAND_WORD_TERMINATOR) </a:t>
             </a:r>
           </a:p>
           <a:p>
@@ -15151,7 +13268,7 @@
               </a:lnSpc>
             </a:pPr>
             <a:r>
-              <a:rPr lang="en-US" sz="1800" b="1" noProof="1" smtClean="0">
+              <a:rPr lang="en-US" sz="1800" b="1" noProof="1">
                 <a:solidFill>
                   <a:schemeClr val="accent5">
                     <a:lumMod val="20000"/>
@@ -15168,10 +13285,17 @@
                 <a:latin typeface="Consolas" pitchFamily="49" charset="0"/>
                 <a:cs typeface="Consolas" pitchFamily="49" charset="0"/>
               </a:rPr>
-              <a:t>    (</a:t>
-            </a:r>
-            <a:r>
-              <a:rPr lang="en-US" sz="1800" b="1" noProof="1" smtClean="0">
+              <a:t>  {</a:t>
+            </a:r>
+          </a:p>
+          <a:p>
+            <a:pPr>
+              <a:lnSpc>
+                <a:spcPts val="2000"/>
+              </a:lnSpc>
+            </a:pPr>
+            <a:r>
+              <a:rPr lang="en-US" sz="1800" b="1" noProof="1">
                 <a:solidFill>
                   <a:schemeClr val="accent5">
                     <a:lumMod val="20000"/>
@@ -15188,10 +13312,17 @@
                 <a:latin typeface="Consolas" pitchFamily="49" charset="0"/>
                 <a:cs typeface="Consolas" pitchFamily="49" charset="0"/>
               </a:rPr>
-              <a:t>testCharPosition &lt; maxCommandLength</a:t>
-            </a:r>
-            <a:r>
-              <a:rPr lang="en-US" sz="1800" b="1" noProof="1" smtClean="0">
+              <a:t>    foundTheTerminator = true; </a:t>
+            </a:r>
+          </a:p>
+          <a:p>
+            <a:pPr>
+              <a:lnSpc>
+                <a:spcPts val="2000"/>
+              </a:lnSpc>
+            </a:pPr>
+            <a:r>
+              <a:rPr lang="en-US" sz="1800" b="1" noProof="1">
                 <a:solidFill>
                   <a:schemeClr val="accent5">
                     <a:lumMod val="20000"/>
@@ -15208,7 +13339,7 @@
                 <a:latin typeface="Consolas" pitchFamily="49" charset="0"/>
                 <a:cs typeface="Consolas" pitchFamily="49" charset="0"/>
               </a:rPr>
-              <a:t>))</a:t>
+              <a:t>    terminatorPosition = testCharPosition; </a:t>
             </a:r>
           </a:p>
           <a:p>
@@ -15218,7 +13349,7 @@
               </a:lnSpc>
             </a:pPr>
             <a:r>
-              <a:rPr lang="en-US" sz="1800" b="1" noProof="1" smtClean="0">
+              <a:rPr lang="en-US" sz="1800" b="1" noProof="1">
                 <a:solidFill>
                   <a:schemeClr val="accent5">
                     <a:lumMod val="20000"/>
@@ -15235,25 +13366,8 @@
                 <a:latin typeface="Consolas" pitchFamily="49" charset="0"/>
                 <a:cs typeface="Consolas" pitchFamily="49" charset="0"/>
               </a:rPr>
-              <a:t>{ </a:t>
-            </a:r>
-            <a:endParaRPr lang="en-US" sz="1800" b="1" noProof="1" smtClean="0">
-              <a:solidFill>
-                <a:schemeClr val="accent5">
-                  <a:lumMod val="20000"/>
-                  <a:lumOff val="80000"/>
-                </a:schemeClr>
-              </a:solidFill>
-              <a:effectLst>
-                <a:outerShdw blurRad="38100" dist="38100" dir="2700000" algn="tl">
-                  <a:srgbClr val="000000">
-                    <a:alpha val="43137"/>
-                  </a:srgbClr>
-                </a:outerShdw>
-              </a:effectLst>
-              <a:latin typeface="Consolas" pitchFamily="49" charset="0"/>
-              <a:cs typeface="Consolas" pitchFamily="49" charset="0"/>
-            </a:endParaRPr>
+              <a:t>  } </a:t>
+            </a:r>
           </a:p>
           <a:p>
             <a:pPr>
@@ -15262,7 +13376,7 @@
               </a:lnSpc>
             </a:pPr>
             <a:r>
-              <a:rPr lang="en-US" sz="1800" b="1" noProof="1" smtClean="0">
+              <a:rPr lang="en-US" sz="1800" b="1" noProof="1">
                 <a:solidFill>
                   <a:schemeClr val="accent5">
                     <a:lumMod val="20000"/>
@@ -15279,10 +13393,17 @@
                 <a:latin typeface="Consolas" pitchFamily="49" charset="0"/>
                 <a:cs typeface="Consolas" pitchFamily="49" charset="0"/>
               </a:rPr>
-              <a:t>  </a:t>
-            </a:r>
-            <a:r>
-              <a:rPr lang="en-US" sz="1800" b="1" noProof="1" smtClean="0">
+              <a:t>  else</a:t>
+            </a:r>
+          </a:p>
+          <a:p>
+            <a:pPr>
+              <a:lnSpc>
+                <a:spcPts val="2000"/>
+              </a:lnSpc>
+            </a:pPr>
+            <a:r>
+              <a:rPr lang="en-US" sz="1800" b="1" noProof="1">
                 <a:solidFill>
                   <a:schemeClr val="accent5">
                     <a:lumMod val="20000"/>
@@ -15299,7 +13420,7 @@
                 <a:latin typeface="Consolas" pitchFamily="49" charset="0"/>
                 <a:cs typeface="Consolas" pitchFamily="49" charset="0"/>
               </a:rPr>
-              <a:t>if (inputString[testCharPosition] == COMMAND_WORD_TERMINATOR) </a:t>
+              <a:t>  { </a:t>
             </a:r>
           </a:p>
           <a:p>
@@ -15309,7 +13430,7 @@
               </a:lnSpc>
             </a:pPr>
             <a:r>
-              <a:rPr lang="en-US" sz="1800" b="1" noProof="1" smtClean="0">
+              <a:rPr lang="en-US" sz="1800" b="1" noProof="1">
                 <a:solidFill>
                   <a:schemeClr val="accent5">
                     <a:lumMod val="20000"/>
@@ -15326,7 +13447,7 @@
                 <a:latin typeface="Consolas" pitchFamily="49" charset="0"/>
                 <a:cs typeface="Consolas" pitchFamily="49" charset="0"/>
               </a:rPr>
-              <a:t>  {</a:t>
+              <a:t>    testCharPosition = testCharPosition + 1; </a:t>
             </a:r>
           </a:p>
           <a:p>
@@ -15336,7 +13457,7 @@
               </a:lnSpc>
             </a:pPr>
             <a:r>
-              <a:rPr lang="en-US" sz="1800" b="1" noProof="1" smtClean="0">
+              <a:rPr lang="en-US" sz="1800" b="1" noProof="1">
                 <a:solidFill>
                   <a:schemeClr val="accent5">
                     <a:lumMod val="20000"/>
@@ -15353,10 +13474,17 @@
                 <a:latin typeface="Consolas" pitchFamily="49" charset="0"/>
                 <a:cs typeface="Consolas" pitchFamily="49" charset="0"/>
               </a:rPr>
-              <a:t>    foundTheTerminator </a:t>
-            </a:r>
-            <a:r>
-              <a:rPr lang="en-US" sz="1800" b="1" noProof="1" smtClean="0">
+              <a:t>  } </a:t>
+            </a:r>
+          </a:p>
+          <a:p>
+            <a:pPr>
+              <a:lnSpc>
+                <a:spcPts val="2000"/>
+              </a:lnSpc>
+            </a:pPr>
+            <a:r>
+              <a:rPr lang="en-US" sz="1800" b="1" noProof="1">
                 <a:solidFill>
                   <a:schemeClr val="accent5">
                     <a:lumMod val="20000"/>
@@ -15373,442 +13501,8 @@
                 <a:latin typeface="Consolas" pitchFamily="49" charset="0"/>
                 <a:cs typeface="Consolas" pitchFamily="49" charset="0"/>
               </a:rPr>
-              <a:t>= true; </a:t>
-            </a:r>
-          </a:p>
-          <a:p>
-            <a:pPr>
-              <a:lnSpc>
-                <a:spcPts val="2000"/>
-              </a:lnSpc>
-            </a:pPr>
-            <a:r>
-              <a:rPr lang="en-US" sz="1800" b="1" noProof="1" smtClean="0">
-                <a:solidFill>
-                  <a:schemeClr val="accent5">
-                    <a:lumMod val="20000"/>
-                    <a:lumOff val="80000"/>
-                  </a:schemeClr>
-                </a:solidFill>
-                <a:effectLst>
-                  <a:outerShdw blurRad="38100" dist="38100" dir="2700000" algn="tl">
-                    <a:srgbClr val="000000">
-                      <a:alpha val="43137"/>
-                    </a:srgbClr>
-                  </a:outerShdw>
-                </a:effectLst>
-                <a:latin typeface="Consolas" pitchFamily="49" charset="0"/>
-                <a:cs typeface="Consolas" pitchFamily="49" charset="0"/>
-              </a:rPr>
-              <a:t>  </a:t>
-            </a:r>
-            <a:r>
-              <a:rPr lang="en-US" sz="1800" b="1" noProof="1" smtClean="0">
-                <a:solidFill>
-                  <a:schemeClr val="accent5">
-                    <a:lumMod val="20000"/>
-                    <a:lumOff val="80000"/>
-                  </a:schemeClr>
-                </a:solidFill>
-                <a:effectLst>
-                  <a:outerShdw blurRad="38100" dist="38100" dir="2700000" algn="tl">
-                    <a:srgbClr val="000000">
-                      <a:alpha val="43137"/>
-                    </a:srgbClr>
-                  </a:outerShdw>
-                </a:effectLst>
-                <a:latin typeface="Consolas" pitchFamily="49" charset="0"/>
-                <a:cs typeface="Consolas" pitchFamily="49" charset="0"/>
-              </a:rPr>
-              <a:t>  </a:t>
-            </a:r>
-            <a:r>
-              <a:rPr lang="en-US" sz="1800" b="1" noProof="1" smtClean="0">
-                <a:solidFill>
-                  <a:schemeClr val="accent5">
-                    <a:lumMod val="20000"/>
-                    <a:lumOff val="80000"/>
-                  </a:schemeClr>
-                </a:solidFill>
-                <a:effectLst>
-                  <a:outerShdw blurRad="38100" dist="38100" dir="2700000" algn="tl">
-                    <a:srgbClr val="000000">
-                      <a:alpha val="43137"/>
-                    </a:srgbClr>
-                  </a:outerShdw>
-                </a:effectLst>
-                <a:latin typeface="Consolas" pitchFamily="49" charset="0"/>
-                <a:cs typeface="Consolas" pitchFamily="49" charset="0"/>
-              </a:rPr>
-              <a:t>terminatorPosition = testCharPosition; </a:t>
-            </a:r>
-          </a:p>
-          <a:p>
-            <a:pPr>
-              <a:lnSpc>
-                <a:spcPts val="2000"/>
-              </a:lnSpc>
-            </a:pPr>
-            <a:r>
-              <a:rPr lang="en-US" sz="1800" b="1" noProof="1" smtClean="0">
-                <a:solidFill>
-                  <a:schemeClr val="accent5">
-                    <a:lumMod val="20000"/>
-                    <a:lumOff val="80000"/>
-                  </a:schemeClr>
-                </a:solidFill>
-                <a:effectLst>
-                  <a:outerShdw blurRad="38100" dist="38100" dir="2700000" algn="tl">
-                    <a:srgbClr val="000000">
-                      <a:alpha val="43137"/>
-                    </a:srgbClr>
-                  </a:outerShdw>
-                </a:effectLst>
-                <a:latin typeface="Consolas" pitchFamily="49" charset="0"/>
-                <a:cs typeface="Consolas" pitchFamily="49" charset="0"/>
-              </a:rPr>
-              <a:t>  </a:t>
-            </a:r>
-            <a:r>
-              <a:rPr lang="en-US" sz="1800" b="1" noProof="1" smtClean="0">
-                <a:solidFill>
-                  <a:schemeClr val="accent5">
-                    <a:lumMod val="20000"/>
-                    <a:lumOff val="80000"/>
-                  </a:schemeClr>
-                </a:solidFill>
-                <a:effectLst>
-                  <a:outerShdw blurRad="38100" dist="38100" dir="2700000" algn="tl">
-                    <a:srgbClr val="000000">
-                      <a:alpha val="43137"/>
-                    </a:srgbClr>
-                  </a:outerShdw>
-                </a:effectLst>
-                <a:latin typeface="Consolas" pitchFamily="49" charset="0"/>
-                <a:cs typeface="Consolas" pitchFamily="49" charset="0"/>
-              </a:rPr>
-              <a:t>} </a:t>
-            </a:r>
-            <a:endParaRPr lang="en-US" sz="1800" b="1" noProof="1" smtClean="0">
-              <a:solidFill>
-                <a:schemeClr val="accent5">
-                  <a:lumMod val="20000"/>
-                  <a:lumOff val="80000"/>
-                </a:schemeClr>
-              </a:solidFill>
-              <a:effectLst>
-                <a:outerShdw blurRad="38100" dist="38100" dir="2700000" algn="tl">
-                  <a:srgbClr val="000000">
-                    <a:alpha val="43137"/>
-                  </a:srgbClr>
-                </a:outerShdw>
-              </a:effectLst>
-              <a:latin typeface="Consolas" pitchFamily="49" charset="0"/>
-              <a:cs typeface="Consolas" pitchFamily="49" charset="0"/>
-            </a:endParaRPr>
-          </a:p>
-          <a:p>
-            <a:pPr>
-              <a:lnSpc>
-                <a:spcPts val="2000"/>
-              </a:lnSpc>
-            </a:pPr>
-            <a:r>
-              <a:rPr lang="en-US" sz="1800" b="1" noProof="1" smtClean="0">
-                <a:solidFill>
-                  <a:schemeClr val="accent5">
-                    <a:lumMod val="20000"/>
-                    <a:lumOff val="80000"/>
-                  </a:schemeClr>
-                </a:solidFill>
-                <a:effectLst>
-                  <a:outerShdw blurRad="38100" dist="38100" dir="2700000" algn="tl">
-                    <a:srgbClr val="000000">
-                      <a:alpha val="43137"/>
-                    </a:srgbClr>
-                  </a:outerShdw>
-                </a:effectLst>
-                <a:latin typeface="Consolas" pitchFamily="49" charset="0"/>
-                <a:cs typeface="Consolas" pitchFamily="49" charset="0"/>
-              </a:rPr>
-              <a:t>  </a:t>
-            </a:r>
-            <a:r>
-              <a:rPr lang="en-US" sz="1800" b="1" noProof="1" smtClean="0">
-                <a:solidFill>
-                  <a:schemeClr val="accent5">
-                    <a:lumMod val="20000"/>
-                    <a:lumOff val="80000"/>
-                  </a:schemeClr>
-                </a:solidFill>
-                <a:effectLst>
-                  <a:outerShdw blurRad="38100" dist="38100" dir="2700000" algn="tl">
-                    <a:srgbClr val="000000">
-                      <a:alpha val="43137"/>
-                    </a:srgbClr>
-                  </a:outerShdw>
-                </a:effectLst>
-                <a:latin typeface="Consolas" pitchFamily="49" charset="0"/>
-                <a:cs typeface="Consolas" pitchFamily="49" charset="0"/>
-              </a:rPr>
-              <a:t>else</a:t>
-            </a:r>
-            <a:endParaRPr lang="en-US" sz="1800" b="1" noProof="1" smtClean="0">
-              <a:solidFill>
-                <a:schemeClr val="accent5">
-                  <a:lumMod val="20000"/>
-                  <a:lumOff val="80000"/>
-                </a:schemeClr>
-              </a:solidFill>
-              <a:effectLst>
-                <a:outerShdw blurRad="38100" dist="38100" dir="2700000" algn="tl">
-                  <a:srgbClr val="000000">
-                    <a:alpha val="43137"/>
-                  </a:srgbClr>
-                </a:outerShdw>
-              </a:effectLst>
-              <a:latin typeface="Consolas" pitchFamily="49" charset="0"/>
-              <a:cs typeface="Consolas" pitchFamily="49" charset="0"/>
-            </a:endParaRPr>
-          </a:p>
-          <a:p>
-            <a:pPr>
-              <a:lnSpc>
-                <a:spcPts val="2000"/>
-              </a:lnSpc>
-            </a:pPr>
-            <a:r>
-              <a:rPr lang="en-US" sz="1800" b="1" noProof="1" smtClean="0">
-                <a:solidFill>
-                  <a:schemeClr val="accent5">
-                    <a:lumMod val="20000"/>
-                    <a:lumOff val="80000"/>
-                  </a:schemeClr>
-                </a:solidFill>
-                <a:effectLst>
-                  <a:outerShdw blurRad="38100" dist="38100" dir="2700000" algn="tl">
-                    <a:srgbClr val="000000">
-                      <a:alpha val="43137"/>
-                    </a:srgbClr>
-                  </a:outerShdw>
-                </a:effectLst>
-                <a:latin typeface="Consolas" pitchFamily="49" charset="0"/>
-                <a:cs typeface="Consolas" pitchFamily="49" charset="0"/>
-              </a:rPr>
-              <a:t>  </a:t>
-            </a:r>
-            <a:r>
-              <a:rPr lang="en-US" sz="1800" b="1" noProof="1" smtClean="0">
-                <a:solidFill>
-                  <a:schemeClr val="accent5">
-                    <a:lumMod val="20000"/>
-                    <a:lumOff val="80000"/>
-                  </a:schemeClr>
-                </a:solidFill>
-                <a:effectLst>
-                  <a:outerShdw blurRad="38100" dist="38100" dir="2700000" algn="tl">
-                    <a:srgbClr val="000000">
-                      <a:alpha val="43137"/>
-                    </a:srgbClr>
-                  </a:outerShdw>
-                </a:effectLst>
-                <a:latin typeface="Consolas" pitchFamily="49" charset="0"/>
-                <a:cs typeface="Consolas" pitchFamily="49" charset="0"/>
-              </a:rPr>
-              <a:t>{ </a:t>
-            </a:r>
-            <a:endParaRPr lang="en-US" sz="1800" b="1" noProof="1" smtClean="0">
-              <a:solidFill>
-                <a:schemeClr val="accent5">
-                  <a:lumMod val="20000"/>
-                  <a:lumOff val="80000"/>
-                </a:schemeClr>
-              </a:solidFill>
-              <a:effectLst>
-                <a:outerShdw blurRad="38100" dist="38100" dir="2700000" algn="tl">
-                  <a:srgbClr val="000000">
-                    <a:alpha val="43137"/>
-                  </a:srgbClr>
-                </a:outerShdw>
-              </a:effectLst>
-              <a:latin typeface="Consolas" pitchFamily="49" charset="0"/>
-              <a:cs typeface="Consolas" pitchFamily="49" charset="0"/>
-            </a:endParaRPr>
-          </a:p>
-          <a:p>
-            <a:pPr>
-              <a:lnSpc>
-                <a:spcPts val="2000"/>
-              </a:lnSpc>
-            </a:pPr>
-            <a:r>
-              <a:rPr lang="en-US" sz="1800" b="1" noProof="1" smtClean="0">
-                <a:solidFill>
-                  <a:schemeClr val="accent5">
-                    <a:lumMod val="20000"/>
-                    <a:lumOff val="80000"/>
-                  </a:schemeClr>
-                </a:solidFill>
-                <a:effectLst>
-                  <a:outerShdw blurRad="38100" dist="38100" dir="2700000" algn="tl">
-                    <a:srgbClr val="000000">
-                      <a:alpha val="43137"/>
-                    </a:srgbClr>
-                  </a:outerShdw>
-                </a:effectLst>
-                <a:latin typeface="Consolas" pitchFamily="49" charset="0"/>
-                <a:cs typeface="Consolas" pitchFamily="49" charset="0"/>
-              </a:rPr>
-              <a:t>  </a:t>
-            </a:r>
-            <a:r>
-              <a:rPr lang="en-US" sz="1800" b="1" noProof="1" smtClean="0">
-                <a:solidFill>
-                  <a:schemeClr val="accent5">
-                    <a:lumMod val="20000"/>
-                    <a:lumOff val="80000"/>
-                  </a:schemeClr>
-                </a:solidFill>
-                <a:effectLst>
-                  <a:outerShdw blurRad="38100" dist="38100" dir="2700000" algn="tl">
-                    <a:srgbClr val="000000">
-                      <a:alpha val="43137"/>
-                    </a:srgbClr>
-                  </a:outerShdw>
-                </a:effectLst>
-                <a:latin typeface="Consolas" pitchFamily="49" charset="0"/>
-                <a:cs typeface="Consolas" pitchFamily="49" charset="0"/>
-              </a:rPr>
-              <a:t>  </a:t>
-            </a:r>
-            <a:r>
-              <a:rPr lang="en-US" sz="1800" b="1" noProof="1" smtClean="0">
-                <a:solidFill>
-                  <a:schemeClr val="accent5">
-                    <a:lumMod val="20000"/>
-                    <a:lumOff val="80000"/>
-                  </a:schemeClr>
-                </a:solidFill>
-                <a:effectLst>
-                  <a:outerShdw blurRad="38100" dist="38100" dir="2700000" algn="tl">
-                    <a:srgbClr val="000000">
-                      <a:alpha val="43137"/>
-                    </a:srgbClr>
-                  </a:outerShdw>
-                </a:effectLst>
-                <a:latin typeface="Consolas" pitchFamily="49" charset="0"/>
-                <a:cs typeface="Consolas" pitchFamily="49" charset="0"/>
-              </a:rPr>
-              <a:t>testCharPosition = testCharPosition + 1; </a:t>
-            </a:r>
-          </a:p>
-          <a:p>
-            <a:pPr>
-              <a:lnSpc>
-                <a:spcPts val="2000"/>
-              </a:lnSpc>
-            </a:pPr>
-            <a:r>
-              <a:rPr lang="en-US" sz="1800" b="1" noProof="1" smtClean="0">
-                <a:solidFill>
-                  <a:schemeClr val="accent5">
-                    <a:lumMod val="20000"/>
-                    <a:lumOff val="80000"/>
-                  </a:schemeClr>
-                </a:solidFill>
-                <a:effectLst>
-                  <a:outerShdw blurRad="38100" dist="38100" dir="2700000" algn="tl">
-                    <a:srgbClr val="000000">
-                      <a:alpha val="43137"/>
-                    </a:srgbClr>
-                  </a:outerShdw>
-                </a:effectLst>
-                <a:latin typeface="Consolas" pitchFamily="49" charset="0"/>
-                <a:cs typeface="Consolas" pitchFamily="49" charset="0"/>
-              </a:rPr>
-              <a:t>  </a:t>
-            </a:r>
-            <a:r>
-              <a:rPr lang="en-US" sz="1800" b="1" noProof="1" smtClean="0">
-                <a:solidFill>
-                  <a:schemeClr val="accent5">
-                    <a:lumMod val="20000"/>
-                    <a:lumOff val="80000"/>
-                  </a:schemeClr>
-                </a:solidFill>
-                <a:effectLst>
-                  <a:outerShdw blurRad="38100" dist="38100" dir="2700000" algn="tl">
-                    <a:srgbClr val="000000">
-                      <a:alpha val="43137"/>
-                    </a:srgbClr>
-                  </a:outerShdw>
-                </a:effectLst>
-                <a:latin typeface="Consolas" pitchFamily="49" charset="0"/>
-                <a:cs typeface="Consolas" pitchFamily="49" charset="0"/>
-              </a:rPr>
-              <a:t>} </a:t>
-            </a:r>
-            <a:endParaRPr lang="en-US" sz="1800" b="1" noProof="1" smtClean="0">
-              <a:solidFill>
-                <a:schemeClr val="accent5">
-                  <a:lumMod val="20000"/>
-                  <a:lumOff val="80000"/>
-                </a:schemeClr>
-              </a:solidFill>
-              <a:effectLst>
-                <a:outerShdw blurRad="38100" dist="38100" dir="2700000" algn="tl">
-                  <a:srgbClr val="000000">
-                    <a:alpha val="43137"/>
-                  </a:srgbClr>
-                </a:outerShdw>
-              </a:effectLst>
-              <a:latin typeface="Consolas" pitchFamily="49" charset="0"/>
-              <a:cs typeface="Consolas" pitchFamily="49" charset="0"/>
-            </a:endParaRPr>
-          </a:p>
-          <a:p>
-            <a:pPr>
-              <a:lnSpc>
-                <a:spcPts val="2000"/>
-              </a:lnSpc>
-            </a:pPr>
-            <a:r>
-              <a:rPr lang="en-US" sz="1800" b="1" noProof="1">
-                <a:solidFill>
-                  <a:schemeClr val="accent5">
-                    <a:lumMod val="20000"/>
-                    <a:lumOff val="80000"/>
-                  </a:schemeClr>
-                </a:solidFill>
-                <a:effectLst>
-                  <a:outerShdw blurRad="38100" dist="38100" dir="2700000" algn="tl">
-                    <a:srgbClr val="000000">
-                      <a:alpha val="43137"/>
-                    </a:srgbClr>
-                  </a:outerShdw>
-                </a:effectLst>
-                <a:latin typeface="Consolas" pitchFamily="49" charset="0"/>
-                <a:cs typeface="Consolas" pitchFamily="49" charset="0"/>
-              </a:rPr>
               <a:t>}</a:t>
             </a:r>
-            <a:endParaRPr lang="en-US" sz="1800" b="1" noProof="1" smtClean="0">
-              <a:solidFill>
-                <a:schemeClr val="accent5">
-                  <a:lumMod val="20000"/>
-                  <a:lumOff val="80000"/>
-                </a:schemeClr>
-              </a:solidFill>
-              <a:effectLst>
-                <a:outerShdw blurRad="38100" dist="38100" dir="2700000" algn="tl">
-                  <a:srgbClr val="000000">
-                    <a:alpha val="43137"/>
-                  </a:srgbClr>
-                </a:outerShdw>
-              </a:effectLst>
-              <a:latin typeface="Consolas" pitchFamily="49" charset="0"/>
-              <a:cs typeface="Consolas" pitchFamily="49" charset="0"/>
-            </a:endParaRPr>
           </a:p>
         </p:txBody>
       </p:sp>
@@ -15916,7 +13610,7 @@
               <a:buSzPct val="70000"/>
             </a:pPr>
             <a:r>
-              <a:rPr lang="en-US" sz="2200" b="1" noProof="1" smtClean="0">
+              <a:rPr lang="en-US" sz="2200" b="1" noProof="1">
                 <a:solidFill>
                   <a:srgbClr val="F7FFE7"/>
                 </a:solidFill>
@@ -15933,7 +13627,7 @@
               <a:t>Better code </a:t>
             </a:r>
             <a:r>
-              <a:rPr lang="en-US" sz="2200" b="1" noProof="1" smtClean="0">
+              <a:rPr lang="en-US" sz="2200" b="1" noProof="1">
                 <a:solidFill>
                   <a:srgbClr val="F7FFE7"/>
                 </a:solidFill>
@@ -15950,7 +13644,7 @@
               </a:rPr>
               <a:t> less comments</a:t>
             </a:r>
-            <a:endParaRPr lang="en-US" sz="2200" b="1" noProof="1" smtClean="0">
+            <a:endParaRPr lang="en-US" sz="2200" b="1" noProof="1">
               <a:solidFill>
                 <a:srgbClr val="F7FFE7"/>
               </a:solidFill>
@@ -16096,10 +13790,9 @@
           <a:lstStyle/>
           <a:p>
             <a:r>
-              <a:rPr lang="en-US" dirty="0" smtClean="0"/>
+              <a:rPr lang="en-US" dirty="0"/>
               <a:t>Key Points for Effective Comments (4)</a:t>
             </a:r>
-            <a:endParaRPr lang="en-US" dirty="0"/>
           </a:p>
         </p:txBody>
       </p:sp>
@@ -16124,11 +13817,11 @@
           <a:lstStyle/>
           <a:p>
             <a:r>
-              <a:rPr lang="en-US" dirty="0" smtClean="0"/>
+              <a:rPr lang="en-US" dirty="0"/>
               <a:t>Focus paragraph comments on the </a:t>
             </a:r>
             <a:r>
-              <a:rPr lang="en-US" dirty="0" smtClean="0">
+              <a:rPr lang="en-US" dirty="0">
                 <a:solidFill>
                   <a:schemeClr val="accent5">
                     <a:lumMod val="20000"/>
@@ -16139,11 +13832,11 @@
               <a:t>why</a:t>
             </a:r>
             <a:r>
-              <a:rPr lang="en-US" dirty="0" smtClean="0"/>
+              <a:rPr lang="en-US" dirty="0"/>
               <a:t> rather than the </a:t>
             </a:r>
             <a:r>
-              <a:rPr lang="en-US" dirty="0" smtClean="0">
+              <a:rPr lang="en-US" dirty="0">
                 <a:solidFill>
                   <a:schemeClr val="accent5">
                     <a:lumMod val="20000"/>
@@ -16229,7 +13922,7 @@
               </a:lnSpc>
             </a:pPr>
             <a:r>
-              <a:rPr lang="en-US" sz="2000" b="1" noProof="1" smtClean="0">
+              <a:rPr lang="en-US" sz="2000" b="1" noProof="1">
                 <a:solidFill>
                   <a:schemeClr val="accent5">
                     <a:lumMod val="20000"/>
@@ -16246,10 +13939,17 @@
                 <a:latin typeface="Consolas" pitchFamily="49" charset="0"/>
                 <a:cs typeface="Consolas" pitchFamily="49" charset="0"/>
               </a:rPr>
-              <a:t>// </a:t>
-            </a:r>
-            <a:r>
-              <a:rPr lang="en-US" sz="2000" b="1" noProof="1" smtClean="0">
+              <a:t>// Establish a new account</a:t>
+            </a:r>
+          </a:p>
+          <a:p>
+            <a:pPr>
+              <a:lnSpc>
+                <a:spcPts val="2000"/>
+              </a:lnSpc>
+            </a:pPr>
+            <a:r>
+              <a:rPr lang="en-US" sz="2000" b="1" noProof="1">
                 <a:solidFill>
                   <a:schemeClr val="accent5">
                     <a:lumMod val="20000"/>
@@ -16266,10 +13966,17 @@
                 <a:latin typeface="Consolas" pitchFamily="49" charset="0"/>
                 <a:cs typeface="Consolas" pitchFamily="49" charset="0"/>
               </a:rPr>
-              <a:t>Establish </a:t>
-            </a:r>
-            <a:r>
-              <a:rPr lang="en-US" sz="2000" b="1" noProof="1" smtClean="0">
+              <a:t>if (accountType == AccountType.NewAccount) </a:t>
+            </a:r>
+          </a:p>
+          <a:p>
+            <a:pPr>
+              <a:lnSpc>
+                <a:spcPts val="2000"/>
+              </a:lnSpc>
+            </a:pPr>
+            <a:r>
+              <a:rPr lang="en-US" sz="2000" b="1" noProof="1">
                 <a:solidFill>
                   <a:schemeClr val="accent5">
                     <a:lumMod val="20000"/>
@@ -16286,7 +13993,7 @@
                 <a:latin typeface="Consolas" pitchFamily="49" charset="0"/>
                 <a:cs typeface="Consolas" pitchFamily="49" charset="0"/>
               </a:rPr>
-              <a:t>a new account</a:t>
+              <a:t>{ </a:t>
             </a:r>
           </a:p>
           <a:p>
@@ -16296,7 +14003,7 @@
               </a:lnSpc>
             </a:pPr>
             <a:r>
-              <a:rPr lang="en-US" sz="2000" b="1" noProof="1" smtClean="0">
+              <a:rPr lang="en-US" sz="2000" b="1" noProof="1">
                 <a:solidFill>
                   <a:schemeClr val="accent5">
                     <a:lumMod val="20000"/>
@@ -16313,85 +14020,8 @@
                 <a:latin typeface="Consolas" pitchFamily="49" charset="0"/>
                 <a:cs typeface="Consolas" pitchFamily="49" charset="0"/>
               </a:rPr>
-              <a:t>if </a:t>
-            </a:r>
-            <a:r>
-              <a:rPr lang="en-US" sz="2000" b="1" noProof="1" smtClean="0">
-                <a:solidFill>
-                  <a:schemeClr val="accent5">
-                    <a:lumMod val="20000"/>
-                    <a:lumOff val="80000"/>
-                  </a:schemeClr>
-                </a:solidFill>
-                <a:effectLst>
-                  <a:outerShdw blurRad="38100" dist="38100" dir="2700000" algn="tl">
-                    <a:srgbClr val="000000">
-                      <a:alpha val="43137"/>
-                    </a:srgbClr>
-                  </a:outerShdw>
-                </a:effectLst>
-                <a:latin typeface="Consolas" pitchFamily="49" charset="0"/>
-                <a:cs typeface="Consolas" pitchFamily="49" charset="0"/>
-              </a:rPr>
-              <a:t>(accountType </a:t>
-            </a:r>
-            <a:r>
-              <a:rPr lang="en-US" sz="2000" b="1" noProof="1" smtClean="0">
-                <a:solidFill>
-                  <a:schemeClr val="accent5">
-                    <a:lumMod val="20000"/>
-                    <a:lumOff val="80000"/>
-                  </a:schemeClr>
-                </a:solidFill>
-                <a:effectLst>
-                  <a:outerShdw blurRad="38100" dist="38100" dir="2700000" algn="tl">
-                    <a:srgbClr val="000000">
-                      <a:alpha val="43137"/>
-                    </a:srgbClr>
-                  </a:outerShdw>
-                </a:effectLst>
-                <a:latin typeface="Consolas" pitchFamily="49" charset="0"/>
-                <a:cs typeface="Consolas" pitchFamily="49" charset="0"/>
-              </a:rPr>
-              <a:t>== </a:t>
-            </a:r>
-            <a:r>
-              <a:rPr lang="en-US" sz="2000" b="1" noProof="1" smtClean="0">
-                <a:solidFill>
-                  <a:schemeClr val="accent5">
-                    <a:lumMod val="20000"/>
-                    <a:lumOff val="80000"/>
-                  </a:schemeClr>
-                </a:solidFill>
-                <a:effectLst>
-                  <a:outerShdw blurRad="38100" dist="38100" dir="2700000" algn="tl">
-                    <a:srgbClr val="000000">
-                      <a:alpha val="43137"/>
-                    </a:srgbClr>
-                  </a:outerShdw>
-                </a:effectLst>
-                <a:latin typeface="Consolas" pitchFamily="49" charset="0"/>
-                <a:cs typeface="Consolas" pitchFamily="49" charset="0"/>
-              </a:rPr>
-              <a:t>AccountType.NewAccount) </a:t>
-            </a:r>
-            <a:endParaRPr lang="en-US" sz="2000" b="1" noProof="1" smtClean="0">
-              <a:solidFill>
-                <a:schemeClr val="accent5">
-                  <a:lumMod val="20000"/>
-                  <a:lumOff val="80000"/>
-                </a:schemeClr>
-              </a:solidFill>
-              <a:effectLst>
-                <a:outerShdw blurRad="38100" dist="38100" dir="2700000" algn="tl">
-                  <a:srgbClr val="000000">
-                    <a:alpha val="43137"/>
-                  </a:srgbClr>
-                </a:outerShdw>
-              </a:effectLst>
-              <a:latin typeface="Consolas" pitchFamily="49" charset="0"/>
-              <a:cs typeface="Consolas" pitchFamily="49" charset="0"/>
-            </a:endParaRPr>
+              <a:t>   …</a:t>
+            </a:r>
           </a:p>
           <a:p>
             <a:pPr>
@@ -16400,98 +14030,7 @@
               </a:lnSpc>
             </a:pPr>
             <a:r>
-              <a:rPr lang="en-US" sz="2000" b="1" noProof="1" smtClean="0">
-                <a:solidFill>
-                  <a:schemeClr val="accent5">
-                    <a:lumMod val="20000"/>
-                    <a:lumOff val="80000"/>
-                  </a:schemeClr>
-                </a:solidFill>
-                <a:effectLst>
-                  <a:outerShdw blurRad="38100" dist="38100" dir="2700000" algn="tl">
-                    <a:srgbClr val="000000">
-                      <a:alpha val="43137"/>
-                    </a:srgbClr>
-                  </a:outerShdw>
-                </a:effectLst>
-                <a:latin typeface="Consolas" pitchFamily="49" charset="0"/>
-                <a:cs typeface="Consolas" pitchFamily="49" charset="0"/>
-              </a:rPr>
-              <a:t>{ </a:t>
-            </a:r>
-          </a:p>
-          <a:p>
-            <a:pPr>
-              <a:lnSpc>
-                <a:spcPts val="2000"/>
-              </a:lnSpc>
-            </a:pPr>
-            <a:r>
-              <a:rPr lang="en-US" sz="2000" b="1" noProof="1" smtClean="0">
-                <a:solidFill>
-                  <a:schemeClr val="accent5">
-                    <a:lumMod val="20000"/>
-                    <a:lumOff val="80000"/>
-                  </a:schemeClr>
-                </a:solidFill>
-                <a:effectLst>
-                  <a:outerShdw blurRad="38100" dist="38100" dir="2700000" algn="tl">
-                    <a:srgbClr val="000000">
-                      <a:alpha val="43137"/>
-                    </a:srgbClr>
-                  </a:outerShdw>
-                </a:effectLst>
-                <a:latin typeface="Consolas" pitchFamily="49" charset="0"/>
-                <a:cs typeface="Consolas" pitchFamily="49" charset="0"/>
-              </a:rPr>
-              <a:t>   </a:t>
-            </a:r>
-            <a:r>
-              <a:rPr lang="en-US" sz="2000" b="1" noProof="1" smtClean="0">
-                <a:solidFill>
-                  <a:schemeClr val="accent5">
-                    <a:lumMod val="20000"/>
-                    <a:lumOff val="80000"/>
-                  </a:schemeClr>
-                </a:solidFill>
-                <a:effectLst>
-                  <a:outerShdw blurRad="38100" dist="38100" dir="2700000" algn="tl">
-                    <a:srgbClr val="000000">
-                      <a:alpha val="43137"/>
-                    </a:srgbClr>
-                  </a:outerShdw>
-                </a:effectLst>
-                <a:latin typeface="Consolas" pitchFamily="49" charset="0"/>
-                <a:cs typeface="Consolas" pitchFamily="49" charset="0"/>
-              </a:rPr>
-              <a:t>…</a:t>
-            </a:r>
-            <a:endParaRPr lang="en-US" sz="2000" b="1" noProof="1" smtClean="0">
-              <a:solidFill>
-                <a:schemeClr val="accent5">
-                  <a:lumMod val="20000"/>
-                  <a:lumOff val="80000"/>
-                </a:schemeClr>
-              </a:solidFill>
-              <a:effectLst>
-                <a:outerShdw blurRad="38100" dist="38100" dir="2700000" algn="tl">
-                  <a:srgbClr val="000000">
-                    <a:alpha val="43137"/>
-                  </a:srgbClr>
-                </a:outerShdw>
-              </a:effectLst>
-              <a:latin typeface="Consolas" pitchFamily="49" charset="0"/>
-              <a:cs typeface="Consolas" pitchFamily="49" charset="0"/>
-            </a:endParaRPr>
-          </a:p>
-          <a:p>
-            <a:pPr>
-              <a:lnSpc>
-                <a:spcPts val="2000"/>
-              </a:lnSpc>
-            </a:pPr>
-            <a:r>
-              <a:rPr lang="en-US" sz="2000" b="1" noProof="1" smtClean="0">
+              <a:rPr lang="en-US" sz="2000" b="1" noProof="1">
                 <a:solidFill>
                   <a:schemeClr val="accent5">
                     <a:lumMod val="20000"/>
@@ -16558,7 +14097,7 @@
               </a:tabLst>
             </a:pPr>
             <a:r>
-              <a:rPr lang="en-US" sz="3200" b="1" dirty="0" smtClean="0">
+              <a:rPr lang="en-US" sz="3200" b="1" dirty="0">
                 <a:solidFill>
                   <a:srgbClr val="EBFFD2"/>
                 </a:solidFill>
@@ -16599,7 +14138,7 @@
               </a:tabLst>
             </a:pPr>
             <a:r>
-              <a:rPr lang="en-US" sz="3200" b="1" dirty="0" smtClean="0">
+              <a:rPr lang="en-US" sz="3200" b="1" dirty="0">
                 <a:solidFill>
                   <a:srgbClr val="EBFFD2"/>
                 </a:solidFill>
@@ -16781,13 +14320,6 @@
   <p:clrMapOvr>
     <a:masterClrMapping/>
   </p:clrMapOvr>
-  <p:timing>
-    <p:tnLst>
-      <p:par>
-        <p:cTn id="1" dur="indefinite" restart="never" nodeType="tmRoot"/>
-      </p:par>
-    </p:tnLst>
-  </p:timing>
 </p:sld>
 </file>
 
@@ -16829,10 +14361,9 @@
           <a:lstStyle/>
           <a:p>
             <a:r>
-              <a:rPr lang="en-US" dirty="0" smtClean="0"/>
+              <a:rPr lang="en-US" dirty="0"/>
               <a:t>Guidelines for Effective Comments (5)</a:t>
             </a:r>
-            <a:endParaRPr lang="en-US" dirty="0"/>
           </a:p>
         </p:txBody>
       </p:sp>
@@ -16910,7 +14441,7 @@
               </a:tabLst>
             </a:pPr>
             <a:r>
-              <a:rPr lang="en-US" sz="3200" b="1" dirty="0" smtClean="0">
+              <a:rPr lang="en-US" sz="3200" b="1" dirty="0">
                 <a:solidFill>
                   <a:srgbClr val="EBFFD2"/>
                 </a:solidFill>
@@ -16923,23 +14454,7 @@
                 </a:effectLst>
                 <a:latin typeface="+mn-lt"/>
               </a:rPr>
-              <a:t>Comment anything that gets around an error or an undocumented </a:t>
-            </a:r>
-            <a:r>
-              <a:rPr lang="en-US" sz="3200" b="1" dirty="0" smtClean="0">
-                <a:solidFill>
-                  <a:srgbClr val="EBFFD2"/>
-                </a:solidFill>
-                <a:effectLst>
-                  <a:outerShdw blurRad="38100" dist="38100" dir="2700000" algn="tl">
-                    <a:srgbClr val="000000">
-                      <a:alpha val="43137"/>
-                    </a:srgbClr>
-                  </a:outerShdw>
-                </a:effectLst>
-                <a:latin typeface="+mn-lt"/>
-              </a:rPr>
-              <a:t>feature</a:t>
+              <a:t>Comment anything that gets around an error or an undocumented feature</a:t>
             </a:r>
           </a:p>
           <a:p>
@@ -16967,7 +14482,7 @@
               </a:tabLst>
             </a:pPr>
             <a:r>
-              <a:rPr lang="en-US" sz="3000" b="1" dirty="0" smtClean="0">
+              <a:rPr lang="en-US" sz="3000" b="1" dirty="0">
                 <a:solidFill>
                   <a:srgbClr val="EBFFD2"/>
                 </a:solidFill>
@@ -16980,26 +14495,10 @@
                 </a:effectLst>
                 <a:latin typeface="+mn-lt"/>
               </a:rPr>
-              <a:t>E.g</a:t>
-            </a:r>
-            <a:r>
-              <a:rPr lang="en-US" sz="3000" b="1" dirty="0" smtClean="0">
-                <a:solidFill>
-                  <a:srgbClr val="EBFFD2"/>
-                </a:solidFill>
-                <a:effectLst>
-                  <a:outerShdw blurRad="38100" dist="38100" dir="2700000" algn="tl">
-                    <a:srgbClr val="000000">
-                      <a:alpha val="43137"/>
-                    </a:srgbClr>
-                  </a:outerShdw>
-                </a:effectLst>
-                <a:latin typeface="+mn-lt"/>
-              </a:rPr>
-              <a:t>. </a:t>
-            </a:r>
-            <a:r>
-              <a:rPr lang="en-US" sz="3000" b="1" i="1" dirty="0" smtClean="0">
+              <a:t>E.g. </a:t>
+            </a:r>
+            <a:r>
+              <a:rPr lang="en-US" sz="3000" b="1" i="1" dirty="0">
                 <a:solidFill>
                   <a:schemeClr val="accent5">
                     <a:lumMod val="20000"/>
@@ -17019,7 +14518,7 @@
               <a:t>//</a:t>
             </a:r>
             <a:r>
-              <a:rPr lang="en-US" sz="3000" b="1" i="1" dirty="0" smtClean="0">
+              <a:rPr lang="en-US" sz="3000" b="1" i="1" dirty="0">
                 <a:solidFill>
                   <a:schemeClr val="accent5">
                     <a:lumMod val="20000"/>
@@ -17039,7 +14538,7 @@
               <a:t> </a:t>
             </a:r>
             <a:r>
-              <a:rPr lang="en-US" sz="3000" b="1" i="1" dirty="0" smtClean="0">
+              <a:rPr lang="en-US" sz="3000" b="1" i="1" dirty="0">
                 <a:solidFill>
                   <a:schemeClr val="accent5">
                     <a:lumMod val="20000"/>
@@ -17059,7 +14558,7 @@
               <a:t>This</a:t>
             </a:r>
             <a:r>
-              <a:rPr lang="en-US" sz="3000" b="1" i="1" dirty="0" smtClean="0">
+              <a:rPr lang="en-US" sz="3000" b="1" i="1" dirty="0">
                 <a:solidFill>
                   <a:schemeClr val="accent5">
                     <a:lumMod val="20000"/>
@@ -17079,7 +14578,7 @@
               <a:t> </a:t>
             </a:r>
             <a:r>
-              <a:rPr lang="en-US" sz="3000" b="1" i="1" dirty="0" smtClean="0">
+              <a:rPr lang="en-US" sz="3000" b="1" i="1" dirty="0">
                 <a:solidFill>
                   <a:schemeClr val="accent5">
                     <a:lumMod val="20000"/>
@@ -17099,7 +14598,7 @@
               <a:t>is</a:t>
             </a:r>
             <a:r>
-              <a:rPr lang="en-US" sz="3000" b="1" i="1" dirty="0" smtClean="0">
+              <a:rPr lang="en-US" sz="3000" b="1" i="1" dirty="0">
                 <a:solidFill>
                   <a:schemeClr val="accent5">
                     <a:lumMod val="20000"/>
@@ -17119,7 +14618,7 @@
               <a:t> </a:t>
             </a:r>
             <a:r>
-              <a:rPr lang="en-US" sz="3000" b="1" i="1" dirty="0" smtClean="0">
+              <a:rPr lang="en-US" sz="3000" b="1" i="1" dirty="0">
                 <a:solidFill>
                   <a:schemeClr val="accent5">
                     <a:lumMod val="20000"/>
@@ -17139,7 +14638,7 @@
               <a:t>workaround</a:t>
             </a:r>
             <a:r>
-              <a:rPr lang="en-US" sz="3000" b="1" i="1" dirty="0" smtClean="0">
+              <a:rPr lang="en-US" sz="3000" b="1" i="1" dirty="0">
                 <a:solidFill>
                   <a:schemeClr val="accent5">
                     <a:lumMod val="20000"/>
@@ -17159,7 +14658,7 @@
               <a:t> </a:t>
             </a:r>
             <a:r>
-              <a:rPr lang="en-US" sz="3000" b="1" i="1" dirty="0" smtClean="0">
+              <a:rPr lang="en-US" sz="3000" b="1" i="1" dirty="0">
                 <a:solidFill>
                   <a:schemeClr val="accent5">
                     <a:lumMod val="20000"/>
@@ -17179,7 +14678,7 @@
               <a:t>for</a:t>
             </a:r>
             <a:r>
-              <a:rPr lang="en-US" sz="3000" b="1" i="1" dirty="0" smtClean="0">
+              <a:rPr lang="en-US" sz="3000" b="1" i="1" dirty="0">
                 <a:solidFill>
                   <a:schemeClr val="accent5">
                     <a:lumMod val="20000"/>
@@ -17199,7 +14698,7 @@
               <a:t> </a:t>
             </a:r>
             <a:r>
-              <a:rPr lang="en-US" sz="3000" b="1" i="1" dirty="0" smtClean="0">
+              <a:rPr lang="en-US" sz="3000" b="1" i="1" dirty="0">
                 <a:solidFill>
                   <a:schemeClr val="accent5">
                     <a:lumMod val="20000"/>
@@ -17219,7 +14718,7 @@
               <a:t>bug</a:t>
             </a:r>
             <a:r>
-              <a:rPr lang="en-US" sz="3000" b="1" i="1" dirty="0" smtClean="0">
+              <a:rPr lang="en-US" sz="3000" b="1" i="1" dirty="0">
                 <a:solidFill>
                   <a:schemeClr val="accent5">
                     <a:lumMod val="20000"/>
@@ -17239,7 +14738,7 @@
               <a:t> </a:t>
             </a:r>
             <a:r>
-              <a:rPr lang="en-US" sz="3000" b="1" i="1" dirty="0" smtClean="0">
+              <a:rPr lang="en-US" sz="3000" b="1" i="1" dirty="0">
                 <a:solidFill>
                   <a:schemeClr val="accent5">
                     <a:lumMod val="20000"/>
@@ -17284,7 +14783,7 @@
               </a:tabLst>
             </a:pPr>
             <a:r>
-              <a:rPr lang="en-US" sz="3200" b="1" dirty="0" smtClean="0">
+              <a:rPr lang="en-US" sz="3200" b="1" dirty="0">
                 <a:solidFill>
                   <a:srgbClr val="EBFFD2"/>
                 </a:solidFill>
@@ -17325,7 +14824,7 @@
               </a:tabLst>
             </a:pPr>
             <a:r>
-              <a:rPr lang="en-US" sz="3200" b="1" dirty="0" smtClean="0">
+              <a:rPr lang="en-US" sz="3200" b="1" dirty="0">
                 <a:solidFill>
                   <a:srgbClr val="EBFFD2"/>
                 </a:solidFill>
@@ -17366,7 +14865,7 @@
               </a:tabLst>
             </a:pPr>
             <a:r>
-              <a:rPr kumimoji="0" lang="en-US" sz="3200" b="1" i="0" u="none" strike="noStrike" kern="1200" cap="none" spc="0" normalizeH="0" baseline="0" noProof="0" dirty="0" smtClean="0">
+              <a:rPr kumimoji="0" lang="en-US" sz="3200" b="1" i="0" u="none" strike="noStrike" kern="1200" cap="none" spc="0" normalizeH="0" baseline="0" noProof="0" dirty="0">
                 <a:ln>
                   <a:noFill/>
                 </a:ln>
@@ -17389,7 +14888,7 @@
               <a:t>Use built-in</a:t>
             </a:r>
             <a:r>
-              <a:rPr kumimoji="0" lang="en-US" sz="3200" b="1" i="0" u="none" strike="noStrike" kern="1200" cap="none" spc="0" normalizeH="0" noProof="0" dirty="0" smtClean="0">
+              <a:rPr kumimoji="0" lang="en-US" sz="3200" b="1" i="0" u="none" strike="noStrike" kern="1200" cap="none" spc="0" normalizeH="0" noProof="0" dirty="0">
                 <a:ln>
                   <a:noFill/>
                 </a:ln>
@@ -17409,32 +14908,9 @@
                 <a:ea typeface="+mn-ea"/>
                 <a:cs typeface="+mn-cs"/>
               </a:rPr>
-              <a:t> features for </a:t>
-            </a:r>
-            <a:r>
-              <a:rPr kumimoji="0" lang="en-US" sz="3200" b="1" i="0" u="none" strike="noStrike" kern="1200" cap="none" spc="0" normalizeH="0" noProof="0" dirty="0" smtClean="0">
-                <a:ln>
-                  <a:noFill/>
-                </a:ln>
-                <a:solidFill>
-                  <a:srgbClr val="EBFFD2"/>
-                </a:solidFill>
-                <a:effectLst>
-                  <a:outerShdw blurRad="38100" dist="38100" dir="2700000" algn="tl">
-                    <a:srgbClr val="000000">
-                      <a:alpha val="43137"/>
-                    </a:srgbClr>
-                  </a:outerShdw>
-                </a:effectLst>
-                <a:uLnTx/>
-                <a:uFillTx/>
-                <a:latin typeface="+mn-lt"/>
-                <a:ea typeface="+mn-ea"/>
-                <a:cs typeface="+mn-cs"/>
-              </a:rPr>
-              <a:t>commenting</a:t>
-            </a:r>
-            <a:endParaRPr kumimoji="0" lang="bg-BG" sz="3200" b="1" i="0" u="none" strike="noStrike" kern="1200" cap="none" spc="0" normalizeH="0" noProof="0" dirty="0" smtClean="0">
+              <a:t> features for commenting</a:t>
+            </a:r>
+            <a:endParaRPr kumimoji="0" lang="bg-BG" sz="3200" b="1" i="0" u="none" strike="noStrike" kern="1200" cap="none" spc="0" normalizeH="0" noProof="0" dirty="0">
               <a:ln>
                 <a:noFill/>
               </a:ln>
@@ -17480,7 +14956,7 @@
               </a:tabLst>
             </a:pPr>
             <a:r>
-              <a:rPr kumimoji="0" lang="en-US" sz="3200" b="1" i="0" u="none" strike="noStrike" kern="1200" cap="none" spc="0" normalizeH="0" noProof="0" dirty="0" smtClean="0">
+              <a:rPr kumimoji="0" lang="en-US" sz="3200" b="1" i="0" u="none" strike="noStrike" kern="1200" cap="none" spc="0" normalizeH="0" noProof="0" dirty="0">
                 <a:ln>
                   <a:noFill/>
                 </a:ln>
@@ -17503,7 +14979,7 @@
               <a:t>XML comments</a:t>
             </a:r>
             <a:r>
-              <a:rPr kumimoji="0" lang="bg-BG" sz="3200" b="1" i="0" u="none" strike="noStrike" kern="1200" cap="none" spc="0" normalizeH="0" noProof="0" dirty="0" smtClean="0">
+              <a:rPr kumimoji="0" lang="bg-BG" sz="3200" b="1" i="0" u="none" strike="noStrike" kern="1200" cap="none" spc="0" normalizeH="0" noProof="0" dirty="0">
                 <a:ln>
                   <a:noFill/>
                 </a:ln>
@@ -17526,7 +15002,7 @@
               <a:t> </a:t>
             </a:r>
             <a:r>
-              <a:rPr kumimoji="0" lang="en-US" sz="3200" b="1" i="0" u="none" strike="noStrike" kern="1200" cap="none" spc="0" normalizeH="0" noProof="0" dirty="0" smtClean="0">
+              <a:rPr kumimoji="0" lang="en-US" sz="3200" b="1" i="0" u="none" strike="noStrike" kern="1200" cap="none" spc="0" normalizeH="0" noProof="0" dirty="0">
                 <a:ln>
                   <a:noFill/>
                 </a:ln>
@@ -17548,7 +15024,7 @@
               </a:rPr>
               <a:t>in C#</a:t>
             </a:r>
-            <a:endParaRPr kumimoji="0" lang="bg-BG" sz="3200" b="1" i="0" u="none" strike="noStrike" kern="1200" cap="none" spc="0" normalizeH="0" noProof="0" dirty="0" smtClean="0">
+            <a:endParaRPr kumimoji="0" lang="bg-BG" sz="3200" b="1" i="0" u="none" strike="noStrike" kern="1200" cap="none" spc="0" normalizeH="0" noProof="0" dirty="0">
               <a:ln>
                 <a:noFill/>
               </a:ln>
@@ -17594,7 +15070,7 @@
               </a:tabLst>
             </a:pPr>
             <a:r>
-              <a:rPr kumimoji="0" lang="en-US" sz="3200" b="1" i="0" u="none" strike="noStrike" kern="1200" cap="none" spc="0" normalizeH="0" noProof="0" dirty="0" err="1" smtClean="0">
+              <a:rPr kumimoji="0" lang="en-US" sz="3200" b="1" i="0" u="none" strike="noStrike" kern="1200" cap="none" spc="0" normalizeH="0" noProof="0" dirty="0" err="1">
                 <a:ln>
                   <a:noFill/>
                 </a:ln>
@@ -17617,7 +15093,7 @@
               <a:t>JavaDoc</a:t>
             </a:r>
             <a:r>
-              <a:rPr kumimoji="0" lang="en-US" sz="3200" b="1" i="0" u="none" strike="noStrike" kern="1200" cap="none" spc="0" normalizeH="0" noProof="0" dirty="0" smtClean="0">
+              <a:rPr kumimoji="0" lang="en-US" sz="3200" b="1" i="0" u="none" strike="noStrike" kern="1200" cap="none" spc="0" normalizeH="0" noProof="0" dirty="0">
                 <a:ln>
                   <a:noFill/>
                 </a:ln>
@@ -17639,7 +15115,7 @@
               </a:rPr>
               <a:t> in Java, …</a:t>
             </a:r>
-            <a:endParaRPr kumimoji="0" lang="en-US" sz="3200" b="1" i="0" u="none" strike="noStrike" kern="1200" cap="none" spc="0" normalizeH="0" baseline="0" noProof="0" dirty="0" smtClean="0">
+            <a:endParaRPr kumimoji="0" lang="en-US" sz="3200" b="1" i="0" u="none" strike="noStrike" kern="1200" cap="none" spc="0" normalizeH="0" baseline="0" noProof="0" dirty="0">
               <a:ln>
                 <a:noFill/>
               </a:ln>
@@ -17672,13 +15148,6 @@
   <p:clrMapOvr>
     <a:masterClrMapping/>
   </p:clrMapOvr>
-  <p:timing>
-    <p:tnLst>
-      <p:par>
-        <p:cTn id="1" dur="indefinite" restart="never" nodeType="tmRoot"/>
-      </p:par>
-    </p:tnLst>
-  </p:timing>
 </p:sld>
 </file>
 
@@ -17720,10 +15189,9 @@
           <a:lstStyle/>
           <a:p>
             <a:r>
-              <a:rPr lang="en-US" dirty="0" smtClean="0"/>
+              <a:rPr lang="en-US" dirty="0"/>
               <a:t>General Guidelines for Higher Level Documentation </a:t>
             </a:r>
-            <a:endParaRPr lang="en-US" dirty="0"/>
           </a:p>
         </p:txBody>
       </p:sp>
@@ -17801,7 +15269,7 @@
               </a:tabLst>
             </a:pPr>
             <a:r>
-              <a:rPr lang="en-US" sz="3200" b="1" dirty="0" smtClean="0">
+              <a:rPr lang="en-US" sz="3200" b="1" dirty="0">
                 <a:solidFill>
                   <a:srgbClr val="EBFFD2"/>
                 </a:solidFill>
@@ -17842,7 +15310,7 @@
               </a:tabLst>
             </a:pPr>
             <a:r>
-              <a:rPr lang="en-US" sz="3200" b="1" dirty="0" smtClean="0">
+              <a:rPr lang="en-US" sz="3200" b="1" dirty="0">
                 <a:solidFill>
                   <a:srgbClr val="EBFFD2"/>
                 </a:solidFill>
@@ -17883,7 +15351,7 @@
               </a:tabLst>
             </a:pPr>
             <a:r>
-              <a:rPr lang="en-US" sz="3200" b="1" dirty="0" smtClean="0">
+              <a:rPr lang="en-US" sz="3200" b="1" dirty="0">
                 <a:solidFill>
                   <a:srgbClr val="EBFFD2"/>
                 </a:solidFill>
@@ -17896,10 +15364,10 @@
                 </a:effectLst>
                 <a:latin typeface="+mn-lt"/>
               </a:rPr>
-              <a:t>Comment the class interface </a:t>
-            </a:r>
-            <a:r>
-              <a:rPr lang="en-US" sz="3200" b="1" dirty="0" smtClean="0">
+              <a:t>Comment the class interface (public methods / properties</a:t>
+            </a:r>
+            <a:r>
+              <a:rPr lang="en-US" sz="3200" b="1" dirty="0">
                 <a:solidFill>
                   <a:srgbClr val="EBFFD2"/>
                 </a:solidFill>
@@ -17910,54 +15378,25 @@
                     </a:srgbClr>
                   </a:outerShdw>
                 </a:effectLst>
+              </a:rPr>
+              <a:t> / events</a:t>
+            </a:r>
+            <a:r>
+              <a:rPr lang="en-US" sz="3200" b="1" dirty="0">
+                <a:solidFill>
+                  <a:srgbClr val="EBFFD2"/>
+                </a:solidFill>
+                <a:effectLst>
+                  <a:outerShdw blurRad="38100" dist="38100" dir="2700000" algn="tl">
+                    <a:srgbClr val="000000">
+                      <a:alpha val="43137"/>
+                    </a:srgbClr>
+                  </a:outerShdw>
+                </a:effectLst>
                 <a:latin typeface="+mn-lt"/>
               </a:rPr>
-              <a:t>(public methods / properties</a:t>
-            </a:r>
-            <a:r>
-              <a:rPr lang="en-US" sz="3200" b="1" dirty="0">
-                <a:solidFill>
-                  <a:srgbClr val="EBFFD2"/>
-                </a:solidFill>
-                <a:effectLst>
-                  <a:outerShdw blurRad="38100" dist="38100" dir="2700000" algn="tl">
-                    <a:srgbClr val="000000">
-                      <a:alpha val="43137"/>
-                    </a:srgbClr>
-                  </a:outerShdw>
-                </a:effectLst>
-              </a:rPr>
-              <a:t> / events</a:t>
-            </a:r>
-            <a:r>
-              <a:rPr lang="en-US" sz="3200" b="1" dirty="0" smtClean="0">
-                <a:solidFill>
-                  <a:srgbClr val="EBFFD2"/>
-                </a:solidFill>
-                <a:effectLst>
-                  <a:outerShdw blurRad="38100" dist="38100" dir="2700000" algn="tl">
-                    <a:srgbClr val="000000">
-                      <a:alpha val="43137"/>
-                    </a:srgbClr>
-                  </a:outerShdw>
-                </a:effectLst>
-                <a:latin typeface="+mn-lt"/>
-              </a:rPr>
               <a:t> / constructors)</a:t>
             </a:r>
-            <a:endParaRPr lang="en-US" sz="3200" b="1" dirty="0" smtClean="0">
-              <a:solidFill>
-                <a:srgbClr val="EBFFD2"/>
-              </a:solidFill>
-              <a:effectLst>
-                <a:outerShdw blurRad="38100" dist="38100" dir="2700000" algn="tl">
-                  <a:srgbClr val="000000">
-                    <a:alpha val="43137"/>
-                  </a:srgbClr>
-                </a:outerShdw>
-              </a:effectLst>
-              <a:latin typeface="+mn-lt"/>
-            </a:endParaRPr>
           </a:p>
           <a:p>
             <a:pPr marL="282575" lvl="0" indent="-282575" eaLnBrk="0" hangingPunct="0">
@@ -17984,7 +15423,7 @@
               </a:tabLst>
             </a:pPr>
             <a:r>
-              <a:rPr lang="en-US" sz="3200" b="1" dirty="0" smtClean="0">
+              <a:rPr lang="en-US" sz="3200" b="1" dirty="0">
                 <a:solidFill>
                   <a:srgbClr val="EBFFD2"/>
                 </a:solidFill>
@@ -18025,7 +15464,7 @@
               </a:tabLst>
             </a:pPr>
             <a:r>
-              <a:rPr lang="en-US" sz="3200" b="1" dirty="0" smtClean="0">
+              <a:rPr lang="en-US" sz="3200" b="1" dirty="0">
                 <a:solidFill>
                   <a:srgbClr val="EBFFD2"/>
                 </a:solidFill>
@@ -18065,7 +15504,7 @@
               </a:tabLst>
             </a:pPr>
             <a:r>
-              <a:rPr lang="en-US" sz="3200" b="1" dirty="0" smtClean="0">
+              <a:rPr lang="en-US" sz="3200" b="1" dirty="0">
                 <a:solidFill>
                   <a:srgbClr val="EBFFD2"/>
                 </a:solidFill>
@@ -18104,7 +15543,7 @@
                 <a:tab pos="282575" algn="l"/>
               </a:tabLst>
             </a:pPr>
-            <a:endParaRPr lang="en-US" sz="3200" b="1" dirty="0" smtClean="0">
+            <a:endParaRPr lang="en-US" sz="3200" b="1" dirty="0">
               <a:solidFill>
                 <a:srgbClr val="EBFFD2"/>
               </a:solidFill>
@@ -18130,13 +15569,6 @@
   <p:clrMapOvr>
     <a:masterClrMapping/>
   </p:clrMapOvr>
-  <p:timing>
-    <p:tnLst>
-      <p:par>
-        <p:cTn id="1" dur="indefinite" restart="never" nodeType="tmRoot"/>
-      </p:par>
-    </p:tnLst>
-  </p:timing>
 </p:sld>
 </file>
 
@@ -18285,13 +15717,6 @@
   <p:clrMapOvr>
     <a:masterClrMapping/>
   </p:clrMapOvr>
-  <p:timing>
-    <p:tnLst>
-      <p:par>
-        <p:cTn id="1" dur="indefinite" restart="never" nodeType="tmRoot"/>
-      </p:par>
-    </p:tnLst>
-  </p:timing>
 </p:sld>
 </file>
 
@@ -18355,61 +15780,28 @@
           <a:lstStyle/>
           <a:p>
             <a:r>
-              <a:rPr lang="en-US" dirty="0" smtClean="0"/>
-              <a:t>In C</a:t>
-            </a:r>
-            <a:r>
               <a:rPr lang="en-US" dirty="0"/>
-              <a:t># you can </a:t>
-            </a:r>
-            <a:r>
-              <a:rPr lang="en-US" dirty="0" smtClean="0"/>
-              <a:t>document the code by XML </a:t>
-            </a:r>
+              <a:t>In C# you can document the code by XML tags in special comments</a:t>
+            </a:r>
+          </a:p>
+          <a:p>
+            <a:pPr lvl="1"/>
             <a:r>
               <a:rPr lang="en-US" dirty="0"/>
-              <a:t>tags in special </a:t>
-            </a:r>
-            <a:r>
-              <a:rPr lang="en-US" dirty="0" smtClean="0"/>
-              <a:t>comments</a:t>
-            </a:r>
-          </a:p>
-          <a:p>
-            <a:pPr lvl="1"/>
-            <a:r>
-              <a:rPr lang="en-US" dirty="0" smtClean="0"/>
-              <a:t>Directly in </a:t>
-            </a:r>
+              <a:t>Directly in the source code</a:t>
+            </a:r>
+          </a:p>
+          <a:p>
             <a:r>
               <a:rPr lang="en-US" dirty="0"/>
-              <a:t>the source </a:t>
-            </a:r>
-            <a:r>
-              <a:rPr lang="en-US" dirty="0" smtClean="0"/>
-              <a:t>code</a:t>
-            </a:r>
-            <a:endParaRPr lang="en-US" dirty="0" smtClean="0"/>
-          </a:p>
-          <a:p>
-            <a:r>
-              <a:rPr lang="en-US" dirty="0" smtClean="0"/>
-              <a:t>For </a:t>
-            </a:r>
-            <a:r>
-              <a:rPr lang="en-US" dirty="0"/>
-              <a:t>example</a:t>
-            </a:r>
-            <a:r>
-              <a:rPr lang="en-US" dirty="0" smtClean="0"/>
-              <a:t>:</a:t>
+              <a:t>For example:</a:t>
             </a:r>
           </a:p>
           <a:p>
             <a:endParaRPr lang="en-US" dirty="0"/>
           </a:p>
           <a:p>
-            <a:endParaRPr lang="en-US" dirty="0" smtClean="0"/>
+            <a:endParaRPr lang="en-US" dirty="0"/>
           </a:p>
           <a:p>
             <a:r>
@@ -18417,7 +15809,7 @@
               <a:t>The XML doc comments are not </a:t>
             </a:r>
             <a:r>
-              <a:rPr lang="en-US" dirty="0" smtClean="0">
+              <a:rPr lang="en-US" dirty="0">
                 <a:solidFill>
                   <a:schemeClr val="accent5">
                     <a:lumMod val="20000"/>
@@ -18431,28 +15823,15 @@
           <a:p>
             <a:pPr lvl="1"/>
             <a:r>
-              <a:rPr lang="en-US" dirty="0" smtClean="0"/>
-              <a:t>Not </a:t>
-            </a:r>
-            <a:r>
               <a:rPr lang="en-US" dirty="0"/>
-              <a:t>included in the compiled assembly and </a:t>
-            </a:r>
-            <a:r>
-              <a:rPr lang="en-US" dirty="0" smtClean="0"/>
-              <a:t>not </a:t>
-            </a:r>
-            <a:r>
-              <a:rPr lang="en-US" dirty="0"/>
-              <a:t>accessible through reflection</a:t>
-            </a:r>
-            <a:endParaRPr lang="en-US" dirty="0" smtClean="0"/>
+              <a:t>Not included in the compiled assembly and not accessible through reflection</a:t>
+            </a:r>
           </a:p>
           <a:p>
             <a:endParaRPr lang="en-US" dirty="0"/>
           </a:p>
           <a:p>
-            <a:endParaRPr lang="en-US" dirty="0" smtClean="0"/>
+            <a:endParaRPr lang="en-US" dirty="0"/>
           </a:p>
         </p:txBody>
       </p:sp>
@@ -18573,10 +15952,17 @@
                 <a:latin typeface="Consolas" pitchFamily="49" charset="0"/>
                 <a:cs typeface="Consolas" pitchFamily="49" charset="0"/>
               </a:rPr>
-              <a:t>/// </a:t>
-            </a:r>
-            <a:r>
-              <a:rPr lang="en-US" sz="2000" b="1" noProof="1" smtClean="0">
+              <a:t>/// This class performs an important function.</a:t>
+            </a:r>
+          </a:p>
+          <a:p>
+            <a:pPr>
+              <a:lnSpc>
+                <a:spcPts val="2000"/>
+              </a:lnSpc>
+            </a:pPr>
+            <a:r>
+              <a:rPr lang="en-US" sz="2000" b="1" noProof="1">
                 <a:solidFill>
                   <a:schemeClr val="accent5">
                     <a:lumMod val="20000"/>
@@ -18593,8 +15979,15 @@
                 <a:latin typeface="Consolas" pitchFamily="49" charset="0"/>
                 <a:cs typeface="Consolas" pitchFamily="49" charset="0"/>
               </a:rPr>
-              <a:t>This </a:t>
-            </a:r>
+              <a:t>/// &lt;/summary&gt;</a:t>
+            </a:r>
+          </a:p>
+          <a:p>
+            <a:pPr>
+              <a:lnSpc>
+                <a:spcPts val="2000"/>
+              </a:lnSpc>
+            </a:pPr>
             <a:r>
               <a:rPr lang="en-US" sz="2000" b="1" noProof="1">
                 <a:solidFill>
@@ -18613,99 +16006,8 @@
                 <a:latin typeface="Consolas" pitchFamily="49" charset="0"/>
                 <a:cs typeface="Consolas" pitchFamily="49" charset="0"/>
               </a:rPr>
-              <a:t>class performs an important function.</a:t>
-            </a:r>
-          </a:p>
-          <a:p>
-            <a:pPr>
-              <a:lnSpc>
-                <a:spcPts val="2000"/>
-              </a:lnSpc>
-            </a:pPr>
-            <a:r>
-              <a:rPr lang="en-US" sz="2000" b="1" noProof="1">
-                <a:solidFill>
-                  <a:schemeClr val="accent5">
-                    <a:lumMod val="20000"/>
-                    <a:lumOff val="80000"/>
-                  </a:schemeClr>
-                </a:solidFill>
-                <a:effectLst>
-                  <a:outerShdw blurRad="38100" dist="38100" dir="2700000" algn="tl">
-                    <a:srgbClr val="000000">
-                      <a:alpha val="43137"/>
-                    </a:srgbClr>
-                  </a:outerShdw>
-                </a:effectLst>
-                <a:latin typeface="Consolas" pitchFamily="49" charset="0"/>
-                <a:cs typeface="Consolas" pitchFamily="49" charset="0"/>
-              </a:rPr>
-              <a:t>/// &lt;/summary&gt;</a:t>
-            </a:r>
-          </a:p>
-          <a:p>
-            <a:pPr>
-              <a:lnSpc>
-                <a:spcPts val="2000"/>
-              </a:lnSpc>
-            </a:pPr>
-            <a:r>
-              <a:rPr lang="en-US" sz="2000" b="1" noProof="1">
-                <a:solidFill>
-                  <a:schemeClr val="accent5">
-                    <a:lumMod val="20000"/>
-                    <a:lumOff val="80000"/>
-                  </a:schemeClr>
-                </a:solidFill>
-                <a:effectLst>
-                  <a:outerShdw blurRad="38100" dist="38100" dir="2700000" algn="tl">
-                    <a:srgbClr val="000000">
-                      <a:alpha val="43137"/>
-                    </a:srgbClr>
-                  </a:outerShdw>
-                </a:effectLst>
-                <a:latin typeface="Consolas" pitchFamily="49" charset="0"/>
-                <a:cs typeface="Consolas" pitchFamily="49" charset="0"/>
-              </a:rPr>
-              <a:t>public class </a:t>
-            </a:r>
-            <a:r>
-              <a:rPr lang="en-US" sz="2000" b="1" noProof="1" smtClean="0">
-                <a:solidFill>
-                  <a:schemeClr val="accent5">
-                    <a:lumMod val="20000"/>
-                    <a:lumOff val="80000"/>
-                  </a:schemeClr>
-                </a:solidFill>
-                <a:effectLst>
-                  <a:outerShdw blurRad="38100" dist="38100" dir="2700000" algn="tl">
-                    <a:srgbClr val="000000">
-                      <a:alpha val="43137"/>
-                    </a:srgbClr>
-                  </a:outerShdw>
-                </a:effectLst>
-                <a:latin typeface="Consolas" pitchFamily="49" charset="0"/>
-                <a:cs typeface="Consolas" pitchFamily="49" charset="0"/>
-              </a:rPr>
-              <a:t>MyClass { }</a:t>
-            </a:r>
-            <a:endParaRPr lang="en-US" sz="2000" b="1" noProof="1" smtClean="0">
-              <a:solidFill>
-                <a:schemeClr val="accent5">
-                  <a:lumMod val="20000"/>
-                  <a:lumOff val="80000"/>
-                </a:schemeClr>
-              </a:solidFill>
-              <a:effectLst>
-                <a:outerShdw blurRad="38100" dist="38100" dir="2700000" algn="tl">
-                  <a:srgbClr val="000000">
-                    <a:alpha val="43137"/>
-                  </a:srgbClr>
-                </a:outerShdw>
-              </a:effectLst>
-              <a:latin typeface="Consolas" pitchFamily="49" charset="0"/>
-              <a:cs typeface="Consolas" pitchFamily="49" charset="0"/>
-            </a:endParaRPr>
+              <a:t>public class MyClass { }</a:t>
+            </a:r>
           </a:p>
         </p:txBody>
       </p:sp>
@@ -18719,13 +16021,6 @@
   <p:clrMapOvr>
     <a:masterClrMapping/>
   </p:clrMapOvr>
-  <p:timing>
-    <p:tnLst>
-      <p:par>
-        <p:cTn id="1" dur="indefinite" restart="never" nodeType="tmRoot"/>
-      </p:par>
-    </p:tnLst>
-  </p:timing>
 </p:sld>
 </file>
 
@@ -18762,10 +16057,9 @@
           <a:lstStyle/>
           <a:p>
             <a:r>
-              <a:rPr lang="en-US" dirty="0" smtClean="0"/>
+              <a:rPr lang="en-US" dirty="0"/>
               <a:t>XML Documentation Tags</a:t>
             </a:r>
-            <a:endParaRPr lang="en-US" dirty="0"/>
           </a:p>
         </p:txBody>
       </p:sp>
@@ -18793,54 +16087,35 @@
               <a:rPr lang="en-US" dirty="0">
                 <a:hlinkClick r:id="rId2"/>
               </a:rPr>
-              <a:t>&lt;summary</a:t>
-            </a:r>
-            <a:r>
-              <a:rPr lang="en-US" dirty="0" smtClean="0">
-                <a:hlinkClick r:id="rId2"/>
-              </a:rPr>
-              <a:t>&gt;</a:t>
-            </a:r>
-            <a:endParaRPr lang="en-US" dirty="0" smtClean="0"/>
+              <a:t>&lt;summary&gt;</a:t>
+            </a:r>
+            <a:endParaRPr lang="en-US" dirty="0"/>
           </a:p>
           <a:p>
             <a:pPr lvl="1"/>
             <a:r>
               <a:rPr lang="en-US" dirty="0"/>
-              <a:t>A summary of the </a:t>
-            </a:r>
-            <a:r>
-              <a:rPr lang="en-US" dirty="0" smtClean="0"/>
-              <a:t>class / method / object</a:t>
-            </a:r>
-            <a:endParaRPr lang="en-US" dirty="0" smtClean="0"/>
-          </a:p>
-          <a:p>
-            <a:r>
-              <a:rPr lang="en-US" noProof="1" smtClean="0">
+              <a:t>A summary of the class / method / object</a:t>
+            </a:r>
+          </a:p>
+          <a:p>
+            <a:r>
+              <a:rPr lang="en-US" noProof="1">
                 <a:hlinkClick r:id="rId3"/>
               </a:rPr>
               <a:t>&lt;param&gt;</a:t>
             </a:r>
-            <a:endParaRPr lang="en-US" noProof="1" smtClean="0"/>
+            <a:endParaRPr lang="en-US" noProof="1"/>
           </a:p>
           <a:p>
             <a:pPr lvl="1"/>
-            <a:endParaRPr lang="en-US" dirty="0" smtClean="0"/>
+            <a:endParaRPr lang="en-US" dirty="0"/>
           </a:p>
           <a:p>
             <a:pPr lvl="1"/>
             <a:r>
-              <a:rPr lang="en-US" dirty="0" smtClean="0"/>
-              <a:t>Describes </a:t>
-            </a:r>
-            <a:r>
               <a:rPr lang="en-US" dirty="0"/>
-              <a:t>one of the parameters for </a:t>
-            </a:r>
-            <a:r>
-              <a:rPr lang="en-US" dirty="0" smtClean="0"/>
-              <a:t>a method</a:t>
+              <a:t>Describes one of the parameters for a method</a:t>
             </a:r>
           </a:p>
           <a:p>
@@ -18856,37 +16131,24 @@
             <a:pPr lvl="1"/>
             <a:r>
               <a:rPr lang="en-US" dirty="0"/>
-              <a:t>A description of the </a:t>
-            </a:r>
-            <a:r>
-              <a:rPr lang="en-US" dirty="0" smtClean="0"/>
-              <a:t>returned </a:t>
-            </a:r>
-            <a:r>
-              <a:rPr lang="en-US" dirty="0" smtClean="0"/>
-              <a:t>value</a:t>
-            </a:r>
-          </a:p>
-          <a:p>
-            <a:r>
-              <a:rPr lang="en-US" dirty="0" smtClean="0">
+              <a:t>A description of the returned value</a:t>
+            </a:r>
+          </a:p>
+          <a:p>
+            <a:r>
+              <a:rPr lang="en-US" dirty="0">
                 <a:hlinkClick r:id="rId5"/>
               </a:rPr>
               <a:t>&lt;remarks&gt;</a:t>
             </a:r>
-            <a:endParaRPr lang="en-US" dirty="0" smtClean="0"/>
+            <a:endParaRPr lang="en-US" dirty="0"/>
           </a:p>
           <a:p>
             <a:pPr lvl="1"/>
             <a:r>
-              <a:rPr lang="en-US" dirty="0" smtClean="0"/>
-              <a:t>Additional </a:t>
-            </a:r>
-            <a:r>
-              <a:rPr lang="en-US" dirty="0" smtClean="0"/>
-              <a:t>information (remarks)</a:t>
-            </a:r>
-            <a:endParaRPr lang="en-US" dirty="0"/>
+              <a:rPr lang="en-US" dirty="0"/>
+              <a:t>Additional information (remarks)</a:t>
+            </a:r>
           </a:p>
         </p:txBody>
       </p:sp>
@@ -18990,13 +16252,6 @@
   <p:clrMapOvr>
     <a:masterClrMapping/>
   </p:clrMapOvr>
-  <p:timing>
-    <p:tnLst>
-      <p:par>
-        <p:cTn id="1" dur="indefinite" restart="never" nodeType="tmRoot"/>
-      </p:par>
-    </p:tnLst>
-  </p:timing>
 </p:sld>
 </file>
 
@@ -19081,10 +16336,9 @@
               </a:lnSpc>
             </a:pPr>
             <a:r>
-              <a:rPr lang="en-US" dirty="0" smtClean="0"/>
+              <a:rPr lang="en-US" dirty="0"/>
               <a:t>Comments and Code Documentation</a:t>
             </a:r>
-            <a:endParaRPr lang="en-US" dirty="0"/>
           </a:p>
         </p:txBody>
       </p:sp>
@@ -19109,10 +16363,9 @@
           <a:lstStyle/>
           <a:p>
             <a:r>
-              <a:rPr lang="en-US" dirty="0" smtClean="0"/>
+              <a:rPr lang="en-US" dirty="0"/>
               <a:t>The Concept of Self-Documenting Code</a:t>
             </a:r>
-            <a:endParaRPr lang="en-US" dirty="0"/>
           </a:p>
         </p:txBody>
       </p:sp>
@@ -19126,13 +16379,6 @@
   <p:clrMapOvr>
     <a:masterClrMapping/>
   </p:clrMapOvr>
-  <p:timing>
-    <p:tnLst>
-      <p:par>
-        <p:cTn id="1" dur="indefinite" restart="never" nodeType="tmRoot"/>
-      </p:par>
-    </p:tnLst>
-  </p:timing>
 </p:sld>
 </file>
 
@@ -19169,10 +16415,9 @@
           <a:lstStyle/>
           <a:p>
             <a:r>
-              <a:rPr lang="en-US" dirty="0" smtClean="0"/>
+              <a:rPr lang="en-US" dirty="0"/>
               <a:t>XML Documentation Tags (2)</a:t>
             </a:r>
-            <a:endParaRPr lang="en-US" dirty="0"/>
           </a:p>
         </p:txBody>
       </p:sp>
@@ -19197,87 +16442,75 @@
           <a:lstStyle/>
           <a:p>
             <a:r>
-              <a:rPr lang="en-US" dirty="0" smtClean="0">
+              <a:rPr lang="en-US" dirty="0">
                 <a:hlinkClick r:id="rId2"/>
               </a:rPr>
               <a:t>&lt;c&gt;</a:t>
             </a:r>
             <a:r>
-              <a:rPr lang="en-US" dirty="0" smtClean="0"/>
+              <a:rPr lang="en-US" dirty="0"/>
               <a:t> and </a:t>
             </a:r>
             <a:r>
-              <a:rPr lang="en-US" dirty="0" smtClean="0">
+              <a:rPr lang="en-US" dirty="0">
                 <a:hlinkClick r:id="rId3"/>
               </a:rPr>
               <a:t>&lt;code&gt;</a:t>
             </a:r>
-            <a:endParaRPr lang="en-US" dirty="0" smtClean="0"/>
+            <a:endParaRPr lang="en-US" dirty="0"/>
           </a:p>
           <a:p>
             <a:pPr lvl="1"/>
             <a:r>
-              <a:rPr lang="en-US" dirty="0" smtClean="0"/>
-              <a:t>Gives </a:t>
-            </a:r>
-            <a:r>
               <a:rPr lang="en-US" dirty="0"/>
-              <a:t>you a way to indicate </a:t>
-            </a:r>
-            <a:r>
-              <a:rPr lang="en-US" dirty="0" smtClean="0"/>
-              <a:t>code</a:t>
-            </a:r>
-          </a:p>
-          <a:p>
-            <a:r>
-              <a:rPr lang="en-US" dirty="0" smtClean="0">
+              <a:t>Gives you a way to indicate code</a:t>
+            </a:r>
+          </a:p>
+          <a:p>
+            <a:r>
+              <a:rPr lang="en-US" dirty="0">
                 <a:hlinkClick r:id="rId4"/>
               </a:rPr>
               <a:t>&lt;see&gt;</a:t>
             </a:r>
             <a:r>
-              <a:rPr lang="en-US" dirty="0" smtClean="0"/>
+              <a:rPr lang="en-US" dirty="0"/>
               <a:t> and </a:t>
             </a:r>
             <a:r>
-              <a:rPr lang="en-US" dirty="0" smtClean="0">
+              <a:rPr lang="en-US" dirty="0">
                 <a:hlinkClick r:id="rId5"/>
               </a:rPr>
               <a:t>&lt;</a:t>
             </a:r>
             <a:r>
-              <a:rPr lang="en-US" noProof="1" smtClean="0">
+              <a:rPr lang="en-US" noProof="1">
                 <a:hlinkClick r:id="rId5"/>
               </a:rPr>
               <a:t>seealso</a:t>
             </a:r>
             <a:r>
-              <a:rPr lang="en-US" dirty="0" smtClean="0">
+              <a:rPr lang="en-US" dirty="0">
                 <a:hlinkClick r:id="rId5"/>
               </a:rPr>
               <a:t>&gt;</a:t>
             </a:r>
             <a:r>
-              <a:rPr lang="en-US" dirty="0" smtClean="0"/>
-              <a:t> </a:t>
-            </a:r>
-            <a:r>
-              <a:rPr lang="en-US" dirty="0" smtClean="0"/>
-              <a:t>and </a:t>
-            </a:r>
-            <a:r>
-              <a:rPr lang="en-US" dirty="0" smtClean="0">
+              <a:rPr lang="en-US" dirty="0"/>
+              <a:t> and </a:t>
+            </a:r>
+            <a:r>
+              <a:rPr lang="en-US" dirty="0">
                 <a:hlinkClick r:id="rId6"/>
               </a:rPr>
               <a:t>cref</a:t>
             </a:r>
-            <a:endParaRPr lang="en-US" dirty="0" smtClean="0"/>
+            <a:endParaRPr lang="en-US" dirty="0"/>
           </a:p>
           <a:p>
             <a:pPr lvl="1"/>
             <a:r>
-              <a:rPr lang="en-US" dirty="0" smtClean="0"/>
+              <a:rPr lang="en-US" dirty="0"/>
               <a:t>Code reference</a:t>
             </a:r>
           </a:p>
@@ -19300,28 +16533,19 @@
           </a:p>
           <a:p>
             <a:pPr lvl="1"/>
-            <a:endParaRPr lang="en-US" dirty="0" smtClean="0"/>
+            <a:endParaRPr lang="en-US" dirty="0"/>
           </a:p>
           <a:p>
             <a:pPr lvl="1"/>
             <a:r>
-              <a:rPr lang="en-US" dirty="0" smtClean="0"/>
-              <a:t>Lets </a:t>
-            </a:r>
-            <a:r>
               <a:rPr lang="en-US" dirty="0"/>
-              <a:t>you specify which exceptions can be thrown</a:t>
-            </a:r>
-            <a:endParaRPr lang="en-US" dirty="0" smtClean="0"/>
-          </a:p>
-          <a:p>
-            <a:r>
-              <a:rPr lang="en-US" dirty="0" smtClean="0"/>
-              <a:t>All tags</a:t>
-            </a:r>
+              <a:t>Lets you specify which exceptions can be thrown</a:t>
+            </a:r>
+          </a:p>
+          <a:p>
             <a:r>
               <a:rPr lang="en-US" dirty="0"/>
-              <a:t>: </a:t>
+              <a:t>All tags: </a:t>
             </a:r>
             <a:r>
               <a:rPr lang="en-US" dirty="0">
@@ -19502,7 +16726,7 @@
               <a:tabLst/>
             </a:pPr>
             <a:r>
-              <a:rPr kumimoji="0" lang="en-US" sz="900" b="0" i="0" u="none" strike="noStrike" cap="none" normalizeH="0" baseline="0" smtClean="0">
+              <a:rPr kumimoji="0" lang="en-US" sz="900" b="0" i="0" u="none" strike="noStrike" cap="none" normalizeH="0" baseline="0">
                 <a:ln>
                   <a:noFill/>
                 </a:ln>
@@ -19516,7 +16740,7 @@
               <a:t>&lt;seealso cref="TestClass.Main"/&gt;</a:t>
             </a:r>
             <a:r>
-              <a:rPr kumimoji="0" lang="en-US" sz="800" b="0" i="0" u="none" strike="noStrike" cap="none" normalizeH="0" baseline="0" smtClean="0">
+              <a:rPr kumimoji="0" lang="en-US" sz="800" b="0" i="0" u="none" strike="noStrike" cap="none" normalizeH="0" baseline="0">
                 <a:ln>
                   <a:noFill/>
                 </a:ln>
@@ -19527,7 +16751,7 @@
               </a:rPr>
               <a:t> </a:t>
             </a:r>
-            <a:endParaRPr kumimoji="0" lang="en-US" sz="1800" b="0" i="0" u="none" strike="noStrike" cap="none" normalizeH="0" baseline="0" smtClean="0">
+            <a:endParaRPr kumimoji="0" lang="en-US" sz="1800" b="0" i="0" u="none" strike="noStrike" cap="none" normalizeH="0" baseline="0">
               <a:ln>
                 <a:noFill/>
               </a:ln>
@@ -19611,13 +16835,6 @@
   <p:clrMapOvr>
     <a:masterClrMapping/>
   </p:clrMapOvr>
-  <p:timing>
-    <p:tnLst>
-      <p:par>
-        <p:cTn id="1" dur="indefinite" restart="never" nodeType="tmRoot"/>
-      </p:par>
-    </p:tnLst>
-  </p:timing>
 </p:sld>
 </file>
 
@@ -19655,13 +16872,8 @@
           <a:p>
             <a:r>
               <a:rPr lang="en-US" dirty="0"/>
-              <a:t>XML </a:t>
-            </a:r>
-            <a:r>
-              <a:rPr lang="en-US" dirty="0" smtClean="0"/>
-              <a:t>Documentation Example</a:t>
-            </a:r>
-            <a:endParaRPr lang="en-US" dirty="0"/>
+              <a:t>XML Documentation Example</a:t>
+            </a:r>
           </a:p>
         </p:txBody>
       </p:sp>
@@ -19738,7 +16950,7 @@
               </a:lnSpc>
             </a:pPr>
             <a:r>
-              <a:rPr lang="en-US" sz="1600" b="1" noProof="1" smtClean="0">
+              <a:rPr lang="en-US" sz="1600" b="1" noProof="1">
                 <a:solidFill>
                   <a:schemeClr val="accent5">
                     <a:lumMod val="20000"/>
@@ -19755,8 +16967,15 @@
                 <a:latin typeface="Consolas" pitchFamily="49" charset="0"/>
                 <a:cs typeface="Consolas" pitchFamily="49" charset="0"/>
               </a:rPr>
-              <a:t>/// </a:t>
-            </a:r>
+              <a:t>/// &lt;summary&gt; </a:t>
+            </a:r>
+          </a:p>
+          <a:p>
+            <a:pPr>
+              <a:lnSpc>
+                <a:spcPts val="2000"/>
+              </a:lnSpc>
+            </a:pPr>
             <a:r>
               <a:rPr lang="en-US" sz="1600" b="1" noProof="1">
                 <a:solidFill>
@@ -19775,7 +16994,7 @@
                 <a:latin typeface="Consolas" pitchFamily="49" charset="0"/>
                 <a:cs typeface="Consolas" pitchFamily="49" charset="0"/>
               </a:rPr>
-              <a:t>&lt;summary&gt; </a:t>
+              <a:t>/// The GetZero method. Always returns zero.</a:t>
             </a:r>
           </a:p>
           <a:p>
@@ -19785,7 +17004,7 @@
               </a:lnSpc>
             </a:pPr>
             <a:r>
-              <a:rPr lang="en-US" sz="1600" b="1" noProof="1" smtClean="0">
+              <a:rPr lang="en-US" sz="1600" b="1" noProof="1">
                 <a:solidFill>
                   <a:schemeClr val="accent5">
                     <a:lumMod val="20000"/>
@@ -19802,8 +17021,15 @@
                 <a:latin typeface="Consolas" pitchFamily="49" charset="0"/>
                 <a:cs typeface="Consolas" pitchFamily="49" charset="0"/>
               </a:rPr>
-              <a:t>/// </a:t>
-            </a:r>
+              <a:t>/// &lt;/summary&gt; </a:t>
+            </a:r>
+          </a:p>
+          <a:p>
+            <a:pPr>
+              <a:lnSpc>
+                <a:spcPts val="2000"/>
+              </a:lnSpc>
+            </a:pPr>
             <a:r>
               <a:rPr lang="en-US" sz="1600" b="1" noProof="1">
                 <a:solidFill>
@@ -19822,10 +17048,17 @@
                 <a:latin typeface="Consolas" pitchFamily="49" charset="0"/>
                 <a:cs typeface="Consolas" pitchFamily="49" charset="0"/>
               </a:rPr>
-              <a:t>The GetZero method. </a:t>
-            </a:r>
-            <a:r>
-              <a:rPr lang="en-US" sz="1600" b="1" noProof="1" smtClean="0">
+              <a:t>/// &lt;example&gt;  </a:t>
+            </a:r>
+          </a:p>
+          <a:p>
+            <a:pPr>
+              <a:lnSpc>
+                <a:spcPts val="2000"/>
+              </a:lnSpc>
+            </a:pPr>
+            <a:r>
+              <a:rPr lang="en-US" sz="1600" b="1" noProof="1">
                 <a:solidFill>
                   <a:schemeClr val="accent5">
                     <a:lumMod val="20000"/>
@@ -19842,25 +17075,8 @@
                 <a:latin typeface="Consolas" pitchFamily="49" charset="0"/>
                 <a:cs typeface="Consolas" pitchFamily="49" charset="0"/>
               </a:rPr>
-              <a:t>Always returns zero.</a:t>
-            </a:r>
-            <a:endParaRPr lang="en-US" sz="1600" b="1" noProof="1">
-              <a:solidFill>
-                <a:schemeClr val="accent5">
-                  <a:lumMod val="20000"/>
-                  <a:lumOff val="80000"/>
-                </a:schemeClr>
-              </a:solidFill>
-              <a:effectLst>
-                <a:outerShdw blurRad="38100" dist="38100" dir="2700000" algn="tl">
-                  <a:srgbClr val="000000">
-                    <a:alpha val="43137"/>
-                  </a:srgbClr>
-                </a:outerShdw>
-              </a:effectLst>
-              <a:latin typeface="Consolas" pitchFamily="49" charset="0"/>
-              <a:cs typeface="Consolas" pitchFamily="49" charset="0"/>
-            </a:endParaRPr>
+              <a:t>/// This sample shows how to call the &lt;see cref="GetZero"/&gt; method.</a:t>
+            </a:r>
           </a:p>
           <a:p>
             <a:pPr>
@@ -19869,7 +17085,7 @@
               </a:lnSpc>
             </a:pPr>
             <a:r>
-              <a:rPr lang="en-US" sz="1600" b="1" noProof="1" smtClean="0">
+              <a:rPr lang="en-US" sz="1600" b="1" noProof="1">
                 <a:solidFill>
                   <a:schemeClr val="accent5">
                     <a:lumMod val="20000"/>
@@ -19886,8 +17102,15 @@
                 <a:latin typeface="Consolas" pitchFamily="49" charset="0"/>
                 <a:cs typeface="Consolas" pitchFamily="49" charset="0"/>
               </a:rPr>
-              <a:t>/// </a:t>
-            </a:r>
+              <a:t>/// &lt;code&gt; </a:t>
+            </a:r>
+          </a:p>
+          <a:p>
+            <a:pPr>
+              <a:lnSpc>
+                <a:spcPts val="2000"/>
+              </a:lnSpc>
+            </a:pPr>
             <a:r>
               <a:rPr lang="en-US" sz="1600" b="1" noProof="1">
                 <a:solidFill>
@@ -19906,7 +17129,7 @@
                 <a:latin typeface="Consolas" pitchFamily="49" charset="0"/>
                 <a:cs typeface="Consolas" pitchFamily="49" charset="0"/>
               </a:rPr>
-              <a:t>&lt;/summary&gt; </a:t>
+              <a:t>/// class TestClass  </a:t>
             </a:r>
           </a:p>
           <a:p>
@@ -19916,7 +17139,7 @@
               </a:lnSpc>
             </a:pPr>
             <a:r>
-              <a:rPr lang="en-US" sz="1600" b="1" noProof="1" smtClean="0">
+              <a:rPr lang="en-US" sz="1600" b="1" noProof="1">
                 <a:solidFill>
                   <a:schemeClr val="accent5">
                     <a:lumMod val="20000"/>
@@ -19933,8 +17156,15 @@
                 <a:latin typeface="Consolas" pitchFamily="49" charset="0"/>
                 <a:cs typeface="Consolas" pitchFamily="49" charset="0"/>
               </a:rPr>
-              <a:t>/// </a:t>
-            </a:r>
+              <a:t>/// { </a:t>
+            </a:r>
+          </a:p>
+          <a:p>
+            <a:pPr>
+              <a:lnSpc>
+                <a:spcPts val="2000"/>
+              </a:lnSpc>
+            </a:pPr>
             <a:r>
               <a:rPr lang="en-US" sz="1600" b="1" noProof="1">
                 <a:solidFill>
@@ -19953,7 +17183,7 @@
                 <a:latin typeface="Consolas" pitchFamily="49" charset="0"/>
                 <a:cs typeface="Consolas" pitchFamily="49" charset="0"/>
               </a:rPr>
-              <a:t>&lt;example&gt;  </a:t>
+              <a:t>///     static int Main()  </a:t>
             </a:r>
           </a:p>
           <a:p>
@@ -19963,7 +17193,7 @@
               </a:lnSpc>
             </a:pPr>
             <a:r>
-              <a:rPr lang="en-US" sz="1600" b="1" noProof="1" smtClean="0">
+              <a:rPr lang="en-US" sz="1600" b="1" noProof="1">
                 <a:solidFill>
                   <a:schemeClr val="accent5">
                     <a:lumMod val="20000"/>
@@ -19980,8 +17210,15 @@
                 <a:latin typeface="Consolas" pitchFamily="49" charset="0"/>
                 <a:cs typeface="Consolas" pitchFamily="49" charset="0"/>
               </a:rPr>
-              <a:t>/// </a:t>
-            </a:r>
+              <a:t>///     { </a:t>
+            </a:r>
+          </a:p>
+          <a:p>
+            <a:pPr>
+              <a:lnSpc>
+                <a:spcPts val="2000"/>
+              </a:lnSpc>
+            </a:pPr>
             <a:r>
               <a:rPr lang="en-US" sz="1600" b="1" noProof="1">
                 <a:solidFill>
@@ -20000,7 +17237,7 @@
                 <a:latin typeface="Consolas" pitchFamily="49" charset="0"/>
                 <a:cs typeface="Consolas" pitchFamily="49" charset="0"/>
               </a:rPr>
-              <a:t>This sample shows how to call the &lt;see cref="GetZero"/&gt; method.</a:t>
+              <a:t>///         return GetZero(); </a:t>
             </a:r>
           </a:p>
           <a:p>
@@ -20010,7 +17247,7 @@
               </a:lnSpc>
             </a:pPr>
             <a:r>
-              <a:rPr lang="en-US" sz="1600" b="1" noProof="1" smtClean="0">
+              <a:rPr lang="en-US" sz="1600" b="1" noProof="1">
                 <a:solidFill>
                   <a:schemeClr val="accent5">
                     <a:lumMod val="20000"/>
@@ -20027,8 +17264,15 @@
                 <a:latin typeface="Consolas" pitchFamily="49" charset="0"/>
                 <a:cs typeface="Consolas" pitchFamily="49" charset="0"/>
               </a:rPr>
-              <a:t>/// </a:t>
-            </a:r>
+              <a:t>///     } </a:t>
+            </a:r>
+          </a:p>
+          <a:p>
+            <a:pPr>
+              <a:lnSpc>
+                <a:spcPts val="2000"/>
+              </a:lnSpc>
+            </a:pPr>
             <a:r>
               <a:rPr lang="en-US" sz="1600" b="1" noProof="1">
                 <a:solidFill>
@@ -20047,7 +17291,7 @@
                 <a:latin typeface="Consolas" pitchFamily="49" charset="0"/>
                 <a:cs typeface="Consolas" pitchFamily="49" charset="0"/>
               </a:rPr>
-              <a:t>&lt;code&gt; </a:t>
+              <a:t>/// } </a:t>
             </a:r>
           </a:p>
           <a:p>
@@ -20057,7 +17301,7 @@
               </a:lnSpc>
             </a:pPr>
             <a:r>
-              <a:rPr lang="en-US" sz="1600" b="1" noProof="1" smtClean="0">
+              <a:rPr lang="en-US" sz="1600" b="1" noProof="1">
                 <a:solidFill>
                   <a:schemeClr val="accent5">
                     <a:lumMod val="20000"/>
@@ -20074,8 +17318,15 @@
                 <a:latin typeface="Consolas" pitchFamily="49" charset="0"/>
                 <a:cs typeface="Consolas" pitchFamily="49" charset="0"/>
               </a:rPr>
-              <a:t>/// </a:t>
-            </a:r>
+              <a:t>/// &lt;/code&gt; </a:t>
+            </a:r>
+          </a:p>
+          <a:p>
+            <a:pPr>
+              <a:lnSpc>
+                <a:spcPts val="2000"/>
+              </a:lnSpc>
+            </a:pPr>
             <a:r>
               <a:rPr lang="en-US" sz="1600" b="1" noProof="1">
                 <a:solidFill>
@@ -20094,7 +17345,7 @@
                 <a:latin typeface="Consolas" pitchFamily="49" charset="0"/>
                 <a:cs typeface="Consolas" pitchFamily="49" charset="0"/>
               </a:rPr>
-              <a:t>class TestClass  </a:t>
+              <a:t>/// &lt;/example&gt;</a:t>
             </a:r>
           </a:p>
           <a:p>
@@ -20104,7 +17355,7 @@
               </a:lnSpc>
             </a:pPr>
             <a:r>
-              <a:rPr lang="en-US" sz="1600" b="1" noProof="1" smtClean="0">
+              <a:rPr lang="en-US" sz="1600" b="1" noProof="1">
                 <a:solidFill>
                   <a:schemeClr val="accent5">
                     <a:lumMod val="20000"/>
@@ -20121,8 +17372,15 @@
                 <a:latin typeface="Consolas" pitchFamily="49" charset="0"/>
                 <a:cs typeface="Consolas" pitchFamily="49" charset="0"/>
               </a:rPr>
-              <a:t>/// </a:t>
-            </a:r>
+              <a:t>public static int GetZero()</a:t>
+            </a:r>
+          </a:p>
+          <a:p>
+            <a:pPr>
+              <a:lnSpc>
+                <a:spcPts val="2000"/>
+              </a:lnSpc>
+            </a:pPr>
             <a:r>
               <a:rPr lang="en-US" sz="1600" b="1" noProof="1">
                 <a:solidFill>
@@ -20141,7 +17399,7 @@
                 <a:latin typeface="Consolas" pitchFamily="49" charset="0"/>
                 <a:cs typeface="Consolas" pitchFamily="49" charset="0"/>
               </a:rPr>
-              <a:t>{ </a:t>
+              <a:t>{</a:t>
             </a:r>
           </a:p>
           <a:p>
@@ -20151,7 +17409,7 @@
               </a:lnSpc>
             </a:pPr>
             <a:r>
-              <a:rPr lang="en-US" sz="1600" b="1" noProof="1" smtClean="0">
+              <a:rPr lang="en-US" sz="1600" b="1" noProof="1">
                 <a:solidFill>
                   <a:schemeClr val="accent5">
                     <a:lumMod val="20000"/>
@@ -20168,67 +17426,7 @@
                 <a:latin typeface="Consolas" pitchFamily="49" charset="0"/>
                 <a:cs typeface="Consolas" pitchFamily="49" charset="0"/>
               </a:rPr>
-              <a:t>///     </a:t>
-            </a:r>
-            <a:r>
-              <a:rPr lang="en-US" sz="1600" b="1" noProof="1">
-                <a:solidFill>
-                  <a:schemeClr val="accent5">
-                    <a:lumMod val="20000"/>
-                    <a:lumOff val="80000"/>
-                  </a:schemeClr>
-                </a:solidFill>
-                <a:effectLst>
-                  <a:outerShdw blurRad="38100" dist="38100" dir="2700000" algn="tl">
-                    <a:srgbClr val="000000">
-                      <a:alpha val="43137"/>
-                    </a:srgbClr>
-                  </a:outerShdw>
-                </a:effectLst>
-                <a:latin typeface="Consolas" pitchFamily="49" charset="0"/>
-                <a:cs typeface="Consolas" pitchFamily="49" charset="0"/>
-              </a:rPr>
-              <a:t>static </a:t>
-            </a:r>
-            <a:r>
-              <a:rPr lang="en-US" sz="1600" b="1" noProof="1" smtClean="0">
-                <a:solidFill>
-                  <a:schemeClr val="accent5">
-                    <a:lumMod val="20000"/>
-                    <a:lumOff val="80000"/>
-                  </a:schemeClr>
-                </a:solidFill>
-                <a:effectLst>
-                  <a:outerShdw blurRad="38100" dist="38100" dir="2700000" algn="tl">
-                    <a:srgbClr val="000000">
-                      <a:alpha val="43137"/>
-                    </a:srgbClr>
-                  </a:outerShdw>
-                </a:effectLst>
-                <a:latin typeface="Consolas" pitchFamily="49" charset="0"/>
-                <a:cs typeface="Consolas" pitchFamily="49" charset="0"/>
-              </a:rPr>
-              <a:t>int Main</a:t>
-            </a:r>
-            <a:r>
-              <a:rPr lang="en-US" sz="1600" b="1" noProof="1">
-                <a:solidFill>
-                  <a:schemeClr val="accent5">
-                    <a:lumMod val="20000"/>
-                    <a:lumOff val="80000"/>
-                  </a:schemeClr>
-                </a:solidFill>
-                <a:effectLst>
-                  <a:outerShdw blurRad="38100" dist="38100" dir="2700000" algn="tl">
-                    <a:srgbClr val="000000">
-                      <a:alpha val="43137"/>
-                    </a:srgbClr>
-                  </a:outerShdw>
-                </a:effectLst>
-                <a:latin typeface="Consolas" pitchFamily="49" charset="0"/>
-                <a:cs typeface="Consolas" pitchFamily="49" charset="0"/>
-              </a:rPr>
-              <a:t>()  </a:t>
+              <a:t>    return 0;</a:t>
             </a:r>
           </a:p>
           <a:p>
@@ -20238,464 +17436,7 @@
               </a:lnSpc>
             </a:pPr>
             <a:r>
-              <a:rPr lang="en-US" sz="1600" b="1" noProof="1" smtClean="0">
-                <a:solidFill>
-                  <a:schemeClr val="accent5">
-                    <a:lumMod val="20000"/>
-                    <a:lumOff val="80000"/>
-                  </a:schemeClr>
-                </a:solidFill>
-                <a:effectLst>
-                  <a:outerShdw blurRad="38100" dist="38100" dir="2700000" algn="tl">
-                    <a:srgbClr val="000000">
-                      <a:alpha val="43137"/>
-                    </a:srgbClr>
-                  </a:outerShdw>
-                </a:effectLst>
-                <a:latin typeface="Consolas" pitchFamily="49" charset="0"/>
-                <a:cs typeface="Consolas" pitchFamily="49" charset="0"/>
-              </a:rPr>
-              <a:t>///     </a:t>
-            </a:r>
-            <a:r>
               <a:rPr lang="en-US" sz="1600" b="1" noProof="1">
-                <a:solidFill>
-                  <a:schemeClr val="accent5">
-                    <a:lumMod val="20000"/>
-                    <a:lumOff val="80000"/>
-                  </a:schemeClr>
-                </a:solidFill>
-                <a:effectLst>
-                  <a:outerShdw blurRad="38100" dist="38100" dir="2700000" algn="tl">
-                    <a:srgbClr val="000000">
-                      <a:alpha val="43137"/>
-                    </a:srgbClr>
-                  </a:outerShdw>
-                </a:effectLst>
-                <a:latin typeface="Consolas" pitchFamily="49" charset="0"/>
-                <a:cs typeface="Consolas" pitchFamily="49" charset="0"/>
-              </a:rPr>
-              <a:t>{ </a:t>
-            </a:r>
-          </a:p>
-          <a:p>
-            <a:pPr>
-              <a:lnSpc>
-                <a:spcPts val="2000"/>
-              </a:lnSpc>
-            </a:pPr>
-            <a:r>
-              <a:rPr lang="en-US" sz="1600" b="1" noProof="1" smtClean="0">
-                <a:solidFill>
-                  <a:schemeClr val="accent5">
-                    <a:lumMod val="20000"/>
-                    <a:lumOff val="80000"/>
-                  </a:schemeClr>
-                </a:solidFill>
-                <a:effectLst>
-                  <a:outerShdw blurRad="38100" dist="38100" dir="2700000" algn="tl">
-                    <a:srgbClr val="000000">
-                      <a:alpha val="43137"/>
-                    </a:srgbClr>
-                  </a:outerShdw>
-                </a:effectLst>
-                <a:latin typeface="Consolas" pitchFamily="49" charset="0"/>
-                <a:cs typeface="Consolas" pitchFamily="49" charset="0"/>
-              </a:rPr>
-              <a:t>///         </a:t>
-            </a:r>
-            <a:r>
-              <a:rPr lang="en-US" sz="1600" b="1" noProof="1">
-                <a:solidFill>
-                  <a:schemeClr val="accent5">
-                    <a:lumMod val="20000"/>
-                    <a:lumOff val="80000"/>
-                  </a:schemeClr>
-                </a:solidFill>
-                <a:effectLst>
-                  <a:outerShdw blurRad="38100" dist="38100" dir="2700000" algn="tl">
-                    <a:srgbClr val="000000">
-                      <a:alpha val="43137"/>
-                    </a:srgbClr>
-                  </a:outerShdw>
-                </a:effectLst>
-                <a:latin typeface="Consolas" pitchFamily="49" charset="0"/>
-                <a:cs typeface="Consolas" pitchFamily="49" charset="0"/>
-              </a:rPr>
-              <a:t>return GetZero(); </a:t>
-            </a:r>
-          </a:p>
-          <a:p>
-            <a:pPr>
-              <a:lnSpc>
-                <a:spcPts val="2000"/>
-              </a:lnSpc>
-            </a:pPr>
-            <a:r>
-              <a:rPr lang="en-US" sz="1600" b="1" noProof="1" smtClean="0">
-                <a:solidFill>
-                  <a:schemeClr val="accent5">
-                    <a:lumMod val="20000"/>
-                    <a:lumOff val="80000"/>
-                  </a:schemeClr>
-                </a:solidFill>
-                <a:effectLst>
-                  <a:outerShdw blurRad="38100" dist="38100" dir="2700000" algn="tl">
-                    <a:srgbClr val="000000">
-                      <a:alpha val="43137"/>
-                    </a:srgbClr>
-                  </a:outerShdw>
-                </a:effectLst>
-                <a:latin typeface="Consolas" pitchFamily="49" charset="0"/>
-                <a:cs typeface="Consolas" pitchFamily="49" charset="0"/>
-              </a:rPr>
-              <a:t>///     </a:t>
-            </a:r>
-            <a:r>
-              <a:rPr lang="en-US" sz="1600" b="1" noProof="1">
-                <a:solidFill>
-                  <a:schemeClr val="accent5">
-                    <a:lumMod val="20000"/>
-                    <a:lumOff val="80000"/>
-                  </a:schemeClr>
-                </a:solidFill>
-                <a:effectLst>
-                  <a:outerShdw blurRad="38100" dist="38100" dir="2700000" algn="tl">
-                    <a:srgbClr val="000000">
-                      <a:alpha val="43137"/>
-                    </a:srgbClr>
-                  </a:outerShdw>
-                </a:effectLst>
-                <a:latin typeface="Consolas" pitchFamily="49" charset="0"/>
-                <a:cs typeface="Consolas" pitchFamily="49" charset="0"/>
-              </a:rPr>
-              <a:t>} </a:t>
-            </a:r>
-          </a:p>
-          <a:p>
-            <a:pPr>
-              <a:lnSpc>
-                <a:spcPts val="2000"/>
-              </a:lnSpc>
-            </a:pPr>
-            <a:r>
-              <a:rPr lang="en-US" sz="1600" b="1" noProof="1" smtClean="0">
-                <a:solidFill>
-                  <a:schemeClr val="accent5">
-                    <a:lumMod val="20000"/>
-                    <a:lumOff val="80000"/>
-                  </a:schemeClr>
-                </a:solidFill>
-                <a:effectLst>
-                  <a:outerShdw blurRad="38100" dist="38100" dir="2700000" algn="tl">
-                    <a:srgbClr val="000000">
-                      <a:alpha val="43137"/>
-                    </a:srgbClr>
-                  </a:outerShdw>
-                </a:effectLst>
-                <a:latin typeface="Consolas" pitchFamily="49" charset="0"/>
-                <a:cs typeface="Consolas" pitchFamily="49" charset="0"/>
-              </a:rPr>
-              <a:t>/// </a:t>
-            </a:r>
-            <a:r>
-              <a:rPr lang="en-US" sz="1600" b="1" noProof="1">
-                <a:solidFill>
-                  <a:schemeClr val="accent5">
-                    <a:lumMod val="20000"/>
-                    <a:lumOff val="80000"/>
-                  </a:schemeClr>
-                </a:solidFill>
-                <a:effectLst>
-                  <a:outerShdw blurRad="38100" dist="38100" dir="2700000" algn="tl">
-                    <a:srgbClr val="000000">
-                      <a:alpha val="43137"/>
-                    </a:srgbClr>
-                  </a:outerShdw>
-                </a:effectLst>
-                <a:latin typeface="Consolas" pitchFamily="49" charset="0"/>
-                <a:cs typeface="Consolas" pitchFamily="49" charset="0"/>
-              </a:rPr>
-              <a:t>} </a:t>
-            </a:r>
-          </a:p>
-          <a:p>
-            <a:pPr>
-              <a:lnSpc>
-                <a:spcPts val="2000"/>
-              </a:lnSpc>
-            </a:pPr>
-            <a:r>
-              <a:rPr lang="en-US" sz="1600" b="1" noProof="1" smtClean="0">
-                <a:solidFill>
-                  <a:schemeClr val="accent5">
-                    <a:lumMod val="20000"/>
-                    <a:lumOff val="80000"/>
-                  </a:schemeClr>
-                </a:solidFill>
-                <a:effectLst>
-                  <a:outerShdw blurRad="38100" dist="38100" dir="2700000" algn="tl">
-                    <a:srgbClr val="000000">
-                      <a:alpha val="43137"/>
-                    </a:srgbClr>
-                  </a:outerShdw>
-                </a:effectLst>
-                <a:latin typeface="Consolas" pitchFamily="49" charset="0"/>
-                <a:cs typeface="Consolas" pitchFamily="49" charset="0"/>
-              </a:rPr>
-              <a:t>/// </a:t>
-            </a:r>
-            <a:r>
-              <a:rPr lang="en-US" sz="1600" b="1" noProof="1">
-                <a:solidFill>
-                  <a:schemeClr val="accent5">
-                    <a:lumMod val="20000"/>
-                    <a:lumOff val="80000"/>
-                  </a:schemeClr>
-                </a:solidFill>
-                <a:effectLst>
-                  <a:outerShdw blurRad="38100" dist="38100" dir="2700000" algn="tl">
-                    <a:srgbClr val="000000">
-                      <a:alpha val="43137"/>
-                    </a:srgbClr>
-                  </a:outerShdw>
-                </a:effectLst>
-                <a:latin typeface="Consolas" pitchFamily="49" charset="0"/>
-                <a:cs typeface="Consolas" pitchFamily="49" charset="0"/>
-              </a:rPr>
-              <a:t>&lt;/code&gt; </a:t>
-            </a:r>
-          </a:p>
-          <a:p>
-            <a:pPr>
-              <a:lnSpc>
-                <a:spcPts val="2000"/>
-              </a:lnSpc>
-            </a:pPr>
-            <a:r>
-              <a:rPr lang="en-US" sz="1600" b="1" noProof="1" smtClean="0">
-                <a:solidFill>
-                  <a:schemeClr val="accent5">
-                    <a:lumMod val="20000"/>
-                    <a:lumOff val="80000"/>
-                  </a:schemeClr>
-                </a:solidFill>
-                <a:effectLst>
-                  <a:outerShdw blurRad="38100" dist="38100" dir="2700000" algn="tl">
-                    <a:srgbClr val="000000">
-                      <a:alpha val="43137"/>
-                    </a:srgbClr>
-                  </a:outerShdw>
-                </a:effectLst>
-                <a:latin typeface="Consolas" pitchFamily="49" charset="0"/>
-                <a:cs typeface="Consolas" pitchFamily="49" charset="0"/>
-              </a:rPr>
-              <a:t>/// </a:t>
-            </a:r>
-            <a:r>
-              <a:rPr lang="en-US" sz="1600" b="1" noProof="1">
-                <a:solidFill>
-                  <a:schemeClr val="accent5">
-                    <a:lumMod val="20000"/>
-                    <a:lumOff val="80000"/>
-                  </a:schemeClr>
-                </a:solidFill>
-                <a:effectLst>
-                  <a:outerShdw blurRad="38100" dist="38100" dir="2700000" algn="tl">
-                    <a:srgbClr val="000000">
-                      <a:alpha val="43137"/>
-                    </a:srgbClr>
-                  </a:outerShdw>
-                </a:effectLst>
-                <a:latin typeface="Consolas" pitchFamily="49" charset="0"/>
-                <a:cs typeface="Consolas" pitchFamily="49" charset="0"/>
-              </a:rPr>
-              <a:t>&lt;/example</a:t>
-            </a:r>
-            <a:r>
-              <a:rPr lang="en-US" sz="1600" b="1" noProof="1" smtClean="0">
-                <a:solidFill>
-                  <a:schemeClr val="accent5">
-                    <a:lumMod val="20000"/>
-                    <a:lumOff val="80000"/>
-                  </a:schemeClr>
-                </a:solidFill>
-                <a:effectLst>
-                  <a:outerShdw blurRad="38100" dist="38100" dir="2700000" algn="tl">
-                    <a:srgbClr val="000000">
-                      <a:alpha val="43137"/>
-                    </a:srgbClr>
-                  </a:outerShdw>
-                </a:effectLst>
-                <a:latin typeface="Consolas" pitchFamily="49" charset="0"/>
-                <a:cs typeface="Consolas" pitchFamily="49" charset="0"/>
-              </a:rPr>
-              <a:t>&gt;</a:t>
-            </a:r>
-            <a:endParaRPr lang="en-US" sz="1600" b="1" noProof="1">
-              <a:solidFill>
-                <a:schemeClr val="accent5">
-                  <a:lumMod val="20000"/>
-                  <a:lumOff val="80000"/>
-                </a:schemeClr>
-              </a:solidFill>
-              <a:effectLst>
-                <a:outerShdw blurRad="38100" dist="38100" dir="2700000" algn="tl">
-                  <a:srgbClr val="000000">
-                    <a:alpha val="43137"/>
-                  </a:srgbClr>
-                </a:outerShdw>
-              </a:effectLst>
-              <a:latin typeface="Consolas" pitchFamily="49" charset="0"/>
-              <a:cs typeface="Consolas" pitchFamily="49" charset="0"/>
-            </a:endParaRPr>
-          </a:p>
-          <a:p>
-            <a:pPr>
-              <a:lnSpc>
-                <a:spcPts val="2000"/>
-              </a:lnSpc>
-            </a:pPr>
-            <a:r>
-              <a:rPr lang="en-US" sz="1600" b="1" noProof="1" smtClean="0">
-                <a:solidFill>
-                  <a:schemeClr val="accent5">
-                    <a:lumMod val="20000"/>
-                    <a:lumOff val="80000"/>
-                  </a:schemeClr>
-                </a:solidFill>
-                <a:effectLst>
-                  <a:outerShdw blurRad="38100" dist="38100" dir="2700000" algn="tl">
-                    <a:srgbClr val="000000">
-                      <a:alpha val="43137"/>
-                    </a:srgbClr>
-                  </a:outerShdw>
-                </a:effectLst>
-                <a:latin typeface="Consolas" pitchFamily="49" charset="0"/>
-                <a:cs typeface="Consolas" pitchFamily="49" charset="0"/>
-              </a:rPr>
-              <a:t>public </a:t>
-            </a:r>
-            <a:r>
-              <a:rPr lang="en-US" sz="1600" b="1" noProof="1">
-                <a:solidFill>
-                  <a:schemeClr val="accent5">
-                    <a:lumMod val="20000"/>
-                    <a:lumOff val="80000"/>
-                  </a:schemeClr>
-                </a:solidFill>
-                <a:effectLst>
-                  <a:outerShdw blurRad="38100" dist="38100" dir="2700000" algn="tl">
-                    <a:srgbClr val="000000">
-                      <a:alpha val="43137"/>
-                    </a:srgbClr>
-                  </a:outerShdw>
-                </a:effectLst>
-                <a:latin typeface="Consolas" pitchFamily="49" charset="0"/>
-                <a:cs typeface="Consolas" pitchFamily="49" charset="0"/>
-              </a:rPr>
-              <a:t>static int GetZero()</a:t>
-            </a:r>
-          </a:p>
-          <a:p>
-            <a:pPr>
-              <a:lnSpc>
-                <a:spcPts val="2000"/>
-              </a:lnSpc>
-            </a:pPr>
-            <a:r>
-              <a:rPr lang="en-US" sz="1600" b="1" noProof="1" smtClean="0">
-                <a:solidFill>
-                  <a:schemeClr val="accent5">
-                    <a:lumMod val="20000"/>
-                    <a:lumOff val="80000"/>
-                  </a:schemeClr>
-                </a:solidFill>
-                <a:effectLst>
-                  <a:outerShdw blurRad="38100" dist="38100" dir="2700000" algn="tl">
-                    <a:srgbClr val="000000">
-                      <a:alpha val="43137"/>
-                    </a:srgbClr>
-                  </a:outerShdw>
-                </a:effectLst>
-                <a:latin typeface="Consolas" pitchFamily="49" charset="0"/>
-                <a:cs typeface="Consolas" pitchFamily="49" charset="0"/>
-              </a:rPr>
-              <a:t>{</a:t>
-            </a:r>
-            <a:endParaRPr lang="en-US" sz="1600" b="1" noProof="1">
-              <a:solidFill>
-                <a:schemeClr val="accent5">
-                  <a:lumMod val="20000"/>
-                  <a:lumOff val="80000"/>
-                </a:schemeClr>
-              </a:solidFill>
-              <a:effectLst>
-                <a:outerShdw blurRad="38100" dist="38100" dir="2700000" algn="tl">
-                  <a:srgbClr val="000000">
-                    <a:alpha val="43137"/>
-                  </a:srgbClr>
-                </a:outerShdw>
-              </a:effectLst>
-              <a:latin typeface="Consolas" pitchFamily="49" charset="0"/>
-              <a:cs typeface="Consolas" pitchFamily="49" charset="0"/>
-            </a:endParaRPr>
-          </a:p>
-          <a:p>
-            <a:pPr>
-              <a:lnSpc>
-                <a:spcPts val="2000"/>
-              </a:lnSpc>
-            </a:pPr>
-            <a:r>
-              <a:rPr lang="en-US" sz="1600" b="1" noProof="1" smtClean="0">
-                <a:solidFill>
-                  <a:schemeClr val="accent5">
-                    <a:lumMod val="20000"/>
-                    <a:lumOff val="80000"/>
-                  </a:schemeClr>
-                </a:solidFill>
-                <a:effectLst>
-                  <a:outerShdw blurRad="38100" dist="38100" dir="2700000" algn="tl">
-                    <a:srgbClr val="000000">
-                      <a:alpha val="43137"/>
-                    </a:srgbClr>
-                  </a:outerShdw>
-                </a:effectLst>
-                <a:latin typeface="Consolas" pitchFamily="49" charset="0"/>
-                <a:cs typeface="Consolas" pitchFamily="49" charset="0"/>
-              </a:rPr>
-              <a:t>    return </a:t>
-            </a:r>
-            <a:r>
-              <a:rPr lang="en-US" sz="1600" b="1" noProof="1">
-                <a:solidFill>
-                  <a:schemeClr val="accent5">
-                    <a:lumMod val="20000"/>
-                    <a:lumOff val="80000"/>
-                  </a:schemeClr>
-                </a:solidFill>
-                <a:effectLst>
-                  <a:outerShdw blurRad="38100" dist="38100" dir="2700000" algn="tl">
-                    <a:srgbClr val="000000">
-                      <a:alpha val="43137"/>
-                    </a:srgbClr>
-                  </a:outerShdw>
-                </a:effectLst>
-                <a:latin typeface="Consolas" pitchFamily="49" charset="0"/>
-                <a:cs typeface="Consolas" pitchFamily="49" charset="0"/>
-              </a:rPr>
-              <a:t>0;</a:t>
-            </a:r>
-          </a:p>
-          <a:p>
-            <a:pPr>
-              <a:lnSpc>
-                <a:spcPts val="2000"/>
-              </a:lnSpc>
-            </a:pPr>
-            <a:r>
-              <a:rPr lang="en-US" sz="1600" b="1" noProof="1" smtClean="0">
                 <a:solidFill>
                   <a:schemeClr val="accent5">
                     <a:lumMod val="20000"/>
@@ -20727,13 +17468,6 @@
   <p:clrMapOvr>
     <a:masterClrMapping/>
   </p:clrMapOvr>
-  <p:timing>
-    <p:tnLst>
-      <p:par>
-        <p:cTn id="1" dur="indefinite" restart="never" nodeType="tmRoot"/>
-      </p:par>
-    </p:tnLst>
-  </p:timing>
 </p:sld>
 </file>
 
@@ -20792,41 +17526,28 @@
           <a:lstStyle/>
           <a:p>
             <a:r>
-              <a:rPr lang="en-US" dirty="0" smtClean="0"/>
-              <a:t>Visual </a:t>
-            </a:r>
-            <a:r>
-              <a:rPr lang="en-US" dirty="0" smtClean="0"/>
-              <a:t>Studio will use the XML documentation </a:t>
-            </a:r>
-            <a:r>
-              <a:rPr lang="en-US" dirty="0" smtClean="0"/>
-              <a:t>for autocomplete</a:t>
+              <a:rPr lang="en-US" dirty="0"/>
+              <a:t>Visual Studio will use the XML documentation for autocomplete</a:t>
             </a:r>
           </a:p>
           <a:p>
             <a:pPr lvl="1"/>
             <a:r>
-              <a:rPr lang="en-US" dirty="0" smtClean="0"/>
+              <a:rPr lang="en-US" dirty="0"/>
               <a:t>Automatically, just use XML docs</a:t>
             </a:r>
-            <a:endParaRPr lang="en-US" dirty="0" smtClean="0"/>
-          </a:p>
-          <a:p>
-            <a:r>
-              <a:rPr lang="en-US" dirty="0" smtClean="0"/>
+          </a:p>
+          <a:p>
+            <a:r>
+              <a:rPr lang="en-US" dirty="0"/>
               <a:t>Compiling the XML documentation:</a:t>
             </a:r>
           </a:p>
           <a:p>
             <a:pPr lvl="1"/>
             <a:r>
-              <a:rPr lang="en-US" dirty="0" smtClean="0"/>
-              <a:t>Compile </a:t>
-            </a:r>
-            <a:r>
               <a:rPr lang="en-US" dirty="0"/>
-              <a:t>with </a:t>
+              <a:t>Compile with </a:t>
             </a:r>
             <a:r>
               <a:rPr lang="en-US" dirty="0">
@@ -20841,35 +17562,30 @@
             </a:r>
             <a:r>
               <a:rPr lang="en-US" dirty="0"/>
-              <a:t>the </a:t>
-            </a:r>
-            <a:r>
-              <a:rPr lang="en-US" dirty="0" smtClean="0"/>
-              <a:t>to extract the XML doc into an external XML file</a:t>
-            </a:r>
-            <a:endParaRPr lang="en-US" dirty="0" smtClean="0"/>
+              <a:t>the to extract the XML doc into an external XML file</a:t>
+            </a:r>
           </a:p>
           <a:p>
             <a:pPr lvl="1"/>
             <a:r>
-              <a:rPr lang="en-US" dirty="0" smtClean="0"/>
+              <a:rPr lang="en-US" dirty="0"/>
               <a:t>Use </a:t>
             </a:r>
             <a:r>
-              <a:rPr lang="en-US" dirty="0" smtClean="0">
+              <a:rPr lang="en-US" dirty="0">
                 <a:hlinkClick r:id="rId2"/>
               </a:rPr>
               <a:t>Sandcastle</a:t>
             </a:r>
             <a:r>
-              <a:rPr lang="en-US" dirty="0" smtClean="0"/>
+              <a:rPr lang="en-US" dirty="0"/>
               <a:t> or other tool to generate CHM / PDF / HTML / other MSDN-style documentation</a:t>
             </a:r>
           </a:p>
           <a:p>
             <a:pPr lvl="2"/>
             <a:r>
-              <a:rPr lang="en-US" dirty="0" smtClean="0"/>
+              <a:rPr lang="en-US" dirty="0"/>
               <a:t>Example: </a:t>
             </a:r>
             <a:r>
@@ -20921,13 +17637,6 @@
   <p:clrMapOvr>
     <a:masterClrMapping/>
   </p:clrMapOvr>
-  <p:timing>
-    <p:tnLst>
-      <p:par>
-        <p:cTn id="1" dur="indefinite" restart="never" nodeType="tmRoot"/>
-      </p:par>
-    </p:tnLst>
-  </p:timing>
 </p:sld>
 </file>
 
@@ -20969,10 +17678,9 @@
           <a:lstStyle/>
           <a:p>
             <a:r>
-              <a:rPr lang="en-US" dirty="0" smtClean="0"/>
+              <a:rPr lang="en-US" dirty="0"/>
               <a:t>Demo: C# XML Documentation Comments</a:t>
             </a:r>
-            <a:endParaRPr lang="en-US" dirty="0"/>
           </a:p>
         </p:txBody>
       </p:sp>
@@ -21018,7 +17726,6 @@
           <a:effectLst>
             <a:reflection blurRad="12700" stA="38000" endPos="28000" dist="5000" dir="5400000" sy="-100000" algn="bl" rotWithShape="0"/>
           </a:effectLst>
-          <a:extLst/>
         </p:spPr>
       </p:pic>
     </p:spTree>
@@ -21031,13 +17738,6 @@
   <p:clrMapOvr>
     <a:masterClrMapping/>
   </p:clrMapOvr>
-  <p:timing>
-    <p:tnLst>
-      <p:par>
-        <p:cTn id="1" dur="indefinite" restart="never" nodeType="tmRoot"/>
-      </p:par>
-    </p:tnLst>
-  </p:timing>
 </p:sld>
 </file>
 
@@ -21106,7 +17806,7 @@
           <a:lstStyle/>
           <a:p>
             <a:r>
-              <a:rPr lang="en-US" dirty="0" smtClean="0">
+              <a:rPr lang="en-US" dirty="0">
                 <a:hlinkClick r:id="rId2"/>
               </a:rPr>
               <a:t>http://academy.telerik.com</a:t>
@@ -21125,13 +17825,6 @@
   <p:clrMapOvr>
     <a:masterClrMapping/>
   </p:clrMapOvr>
-  <p:timing>
-    <p:tnLst>
-      <p:par>
-        <p:cTn id="1" dur="indefinite" restart="never" nodeType="tmRoot"/>
-      </p:par>
-    </p:tnLst>
-  </p:timing>
 </p:sld>
 </file>
 
@@ -21168,10 +17861,9 @@
           <a:lstStyle/>
           <a:p>
             <a:r>
-              <a:rPr lang="en-US" dirty="0" smtClean="0"/>
+              <a:rPr lang="en-US" dirty="0"/>
               <a:t>Homework</a:t>
             </a:r>
-            <a:endParaRPr lang="en-US" dirty="0"/>
           </a:p>
         </p:txBody>
       </p:sp>
@@ -21208,41 +17900,17 @@
             </a:pPr>
             <a:r>
               <a:rPr lang="en-US" sz="2800" dirty="0"/>
-              <a:t>Open </a:t>
-            </a:r>
-            <a:r>
-              <a:rPr lang="en-US" sz="2800" dirty="0" smtClean="0"/>
-              <a:t>project located in </a:t>
-            </a:r>
-            <a:r>
-              <a:rPr lang="en-US" sz="2800" u="sng" dirty="0" smtClean="0">
-                <a:hlinkClick r:id="rId2" action="ppaction://hlinkfile"/>
-              </a:rPr>
-              <a:t>4</a:t>
+              <a:t>Open project located in </a:t>
             </a:r>
             <a:r>
               <a:rPr lang="en-US" sz="2800" u="sng" dirty="0">
                 <a:hlinkClick r:id="rId2" action="ppaction://hlinkfile"/>
               </a:rPr>
-              <a:t>. Code Documentation and Comments </a:t>
-            </a:r>
-            <a:r>
-              <a:rPr lang="en-US" sz="2800" u="sng" dirty="0" smtClean="0">
-                <a:hlinkClick r:id="rId2" action="ppaction://hlinkfile"/>
-              </a:rPr>
-              <a:t>Homework.zip</a:t>
-            </a:r>
-            <a:r>
-              <a:rPr lang="en-US" sz="2800" dirty="0" smtClean="0"/>
-              <a:t> </a:t>
-            </a:r>
-            <a:r>
-              <a:rPr lang="en-US" sz="2800" dirty="0" smtClean="0"/>
-              <a:t>and</a:t>
-            </a:r>
-            <a:r>
-              <a:rPr lang="en-US" sz="2800" dirty="0" smtClean="0"/>
-              <a:t>:</a:t>
+              <a:t>4. Code Documentation and Comments Homework.zip</a:t>
+            </a:r>
+            <a:r>
+              <a:rPr lang="en-US" sz="2800" dirty="0"/>
+              <a:t> and:</a:t>
             </a:r>
           </a:p>
           <a:p>
@@ -21255,7 +17923,7 @@
               </a:spcBef>
             </a:pPr>
             <a:r>
-              <a:rPr lang="en-US" sz="2800" dirty="0" smtClean="0"/>
+              <a:rPr lang="en-US" sz="2800" dirty="0"/>
               <a:t>Add comments where necessary</a:t>
             </a:r>
           </a:p>
@@ -21269,16 +17937,8 @@
               </a:spcBef>
             </a:pPr>
             <a:r>
-              <a:rPr lang="en-US" sz="2800" dirty="0" smtClean="0"/>
-              <a:t>For each public member add documentation as </a:t>
-            </a:r>
-            <a:r>
               <a:rPr lang="en-US" sz="2800" dirty="0"/>
-              <a:t>C# XML Documentation </a:t>
-            </a:r>
-            <a:r>
-              <a:rPr lang="en-US" sz="2800" dirty="0" smtClean="0"/>
-              <a:t>Comments</a:t>
+              <a:t>For each public member add documentation as C# XML Documentation Comments</a:t>
             </a:r>
           </a:p>
           <a:p>
@@ -21291,10 +17951,9 @@
               </a:spcBef>
             </a:pPr>
             <a:r>
-              <a:rPr lang="en-US" sz="2800" dirty="0" smtClean="0"/>
+              <a:rPr lang="en-US" sz="2800" dirty="0"/>
               <a:t>* Play with Sandcastle / other tools and try to generate CHM book</a:t>
             </a:r>
-            <a:endParaRPr lang="en-US" sz="2800" dirty="0" smtClean="0"/>
           </a:p>
         </p:txBody>
       </p:sp>
@@ -21478,13 +18137,6 @@
   <p:clrMapOvr>
     <a:masterClrMapping/>
   </p:clrMapOvr>
-  <p:timing>
-    <p:tnLst>
-      <p:par>
-        <p:cTn id="1" dur="indefinite" restart="never" nodeType="tmRoot"/>
-      </p:par>
-    </p:tnLst>
-  </p:timing>
 </p:sld>
 </file>
 
@@ -21521,10 +18173,9 @@
           <a:lstStyle/>
           <a:p>
             <a:r>
-              <a:rPr lang="en-US" sz="3600" dirty="0" smtClean="0"/>
+              <a:rPr lang="en-US" sz="3600" dirty="0"/>
               <a:t>Free Trainings @ Telerik Academy</a:t>
             </a:r>
-            <a:endParaRPr lang="en-US" sz="3600" dirty="0"/>
           </a:p>
         </p:txBody>
       </p:sp>
@@ -21549,11 +18200,11 @@
           <a:lstStyle/>
           <a:p>
             <a:r>
-              <a:rPr lang="en-US" smtClean="0"/>
+              <a:rPr lang="en-US"/>
               <a:t>C# Programming </a:t>
             </a:r>
             <a:r>
-              <a:rPr lang="en-US" dirty="0" smtClean="0"/>
+              <a:rPr lang="en-US" dirty="0"/>
               <a:t>@ Telerik Academy</a:t>
             </a:r>
           </a:p>
@@ -21599,7 +18250,7 @@
               </a:tabLst>
             </a:pPr>
             <a:r>
-              <a:rPr lang="en-US" dirty="0" smtClean="0"/>
+              <a:rPr lang="en-US" dirty="0"/>
               <a:t>Telerik Software Academy</a:t>
             </a:r>
           </a:p>
@@ -21619,12 +18270,12 @@
               </a:tabLst>
             </a:pPr>
             <a:r>
-              <a:rPr lang="en-US" noProof="1" smtClean="0">
+              <a:rPr lang="en-US" noProof="1">
                 <a:hlinkClick r:id="rId3" tooltip="Telerik Software Academy - Free Programming Courses"/>
               </a:rPr>
               <a:t>academy.telerik.com</a:t>
             </a:r>
-            <a:endParaRPr lang="en-US" noProof="1" smtClean="0"/>
+            <a:endParaRPr lang="en-US" noProof="1"/>
           </a:p>
           <a:p>
             <a:pPr marL="282575" lvl="1" indent="-282575">
@@ -21645,7 +18296,7 @@
               </a:tabLst>
             </a:pPr>
             <a:r>
-              <a:rPr lang="en-US" dirty="0" smtClean="0"/>
+              <a:rPr lang="en-US" dirty="0"/>
               <a:t>Telerik Academy @ Facebook</a:t>
             </a:r>
           </a:p>
@@ -21665,12 +18316,12 @@
               </a:tabLst>
             </a:pPr>
             <a:r>
-              <a:rPr lang="en-US" noProof="1" smtClean="0">
+              <a:rPr lang="en-US" noProof="1">
                 <a:hlinkClick r:id="rId4" tooltip="Telerik Softyware Academy @ Facebook"/>
               </a:rPr>
               <a:t>facebook.com/TelerikAcademy</a:t>
             </a:r>
-            <a:endParaRPr lang="en-US" noProof="1" smtClean="0"/>
+            <a:endParaRPr lang="en-US" noProof="1"/>
           </a:p>
           <a:p>
             <a:pPr marL="282575" lvl="1" indent="-282575">
@@ -21691,7 +18342,7 @@
               </a:tabLst>
             </a:pPr>
             <a:r>
-              <a:rPr lang="en-US" dirty="0" smtClean="0"/>
+              <a:rPr lang="en-US" dirty="0"/>
               <a:t>Telerik Software Academy Forums</a:t>
             </a:r>
           </a:p>
@@ -21711,7 +18362,7 @@
               </a:tabLst>
             </a:pPr>
             <a:r>
-              <a:rPr lang="en-US" noProof="1" smtClean="0">
+              <a:rPr lang="en-US" noProof="1">
                 <a:hlinkClick r:id="rId5" tooltip="Telerik Software Academy Forums - Community for Programmers"/>
               </a:rPr>
               <a:t>forums.academy.telerik.com</a:t>
@@ -21942,13 +18593,6 @@
   <p:clrMapOvr>
     <a:masterClrMapping/>
   </p:clrMapOvr>
-  <p:timing>
-    <p:tnLst>
-      <p:par>
-        <p:cTn id="1" dur="indefinite" restart="never" nodeType="tmRoot"/>
-      </p:par>
-    </p:tnLst>
-  </p:timing>
 </p:sld>
 </file>
 
@@ -21990,14 +18634,9 @@
           <a:lstStyle/>
           <a:p>
             <a:r>
-              <a:rPr lang="en-US" sz="3800" dirty="0" smtClean="0"/>
-              <a:t>What is </a:t>
-            </a:r>
-            <a:r>
-              <a:rPr lang="en-US" sz="3800" dirty="0" smtClean="0"/>
-              <a:t>Project Documentation?</a:t>
-            </a:r>
-            <a:endParaRPr lang="en-US" sz="3800" dirty="0"/>
+              <a:rPr lang="en-US" sz="3800" dirty="0"/>
+              <a:t>What is Project Documentation?</a:t>
+            </a:r>
           </a:p>
         </p:txBody>
       </p:sp>
@@ -22017,32 +18656,20 @@
           <a:lstStyle/>
           <a:p>
             <a:r>
-              <a:rPr lang="en-US" dirty="0" smtClean="0"/>
-              <a:t>Consists of </a:t>
-            </a:r>
-            <a:r>
-              <a:rPr lang="en-US" dirty="0" smtClean="0"/>
-              <a:t>documents and information</a:t>
+              <a:rPr lang="en-US" dirty="0"/>
+              <a:t>Consists of documents and information</a:t>
             </a:r>
           </a:p>
           <a:p>
             <a:pPr lvl="1"/>
             <a:r>
-              <a:rPr lang="en-US" dirty="0" smtClean="0"/>
-              <a:t>Both </a:t>
-            </a:r>
-            <a:r>
-              <a:rPr lang="en-US" dirty="0" smtClean="0"/>
-              <a:t>inside the source-code </a:t>
-            </a:r>
-            <a:r>
-              <a:rPr lang="en-US" dirty="0" smtClean="0"/>
-              <a:t>and outside</a:t>
-            </a:r>
-          </a:p>
-          <a:p>
-            <a:r>
-              <a:rPr lang="en-US" dirty="0" smtClean="0">
+              <a:rPr lang="en-US" dirty="0"/>
+              <a:t>Both inside the source-code and outside</a:t>
+            </a:r>
+          </a:p>
+          <a:p>
+            <a:r>
+              <a:rPr lang="en-US" dirty="0">
                 <a:solidFill>
                   <a:schemeClr val="accent5">
                     <a:lumMod val="20000"/>
@@ -22056,37 +18683,20 @@
           <a:p>
             <a:pPr lvl="1"/>
             <a:r>
-              <a:rPr lang="en-US" dirty="0" smtClean="0"/>
-              <a:t>At a higher </a:t>
-            </a:r>
-            <a:r>
-              <a:rPr lang="en-US" dirty="0" smtClean="0"/>
-              <a:t>level compared to the </a:t>
-            </a:r>
-            <a:r>
-              <a:rPr lang="en-US" dirty="0" smtClean="0"/>
-              <a:t>code</a:t>
+              <a:rPr lang="en-US" dirty="0"/>
+              <a:t>At a higher level compared to the code</a:t>
             </a:r>
           </a:p>
           <a:p>
             <a:pPr lvl="1"/>
             <a:r>
-              <a:rPr lang="en-US" dirty="0" smtClean="0"/>
-              <a:t>Problem definition, requirements</a:t>
-            </a:r>
-            <a:r>
               <a:rPr lang="en-US" dirty="0"/>
-              <a:t>, </a:t>
-            </a:r>
-            <a:r>
-              <a:rPr lang="en-US" dirty="0" smtClean="0"/>
-              <a:t>architecture, design, project plans, test plans. etc.</a:t>
-            </a:r>
-            <a:endParaRPr lang="en-US" dirty="0" smtClean="0"/>
-          </a:p>
-          <a:p>
-            <a:r>
-              <a:rPr lang="en-US" dirty="0" smtClean="0">
+              <a:t>Problem definition, requirements, architecture, design, project plans, test plans. etc.</a:t>
+            </a:r>
+          </a:p>
+          <a:p>
+            <a:r>
+              <a:rPr lang="en-US" dirty="0">
                 <a:solidFill>
                   <a:schemeClr val="accent5">
                     <a:lumMod val="20000"/>
@@ -22096,29 +18706,20 @@
               </a:rPr>
               <a:t>Internal documentation</a:t>
             </a:r>
-            <a:endParaRPr lang="en-US" dirty="0" smtClean="0">
-              <a:solidFill>
-                <a:schemeClr val="accent5">
-                  <a:lumMod val="20000"/>
-                  <a:lumOff val="80000"/>
-                </a:schemeClr>
-              </a:solidFill>
-            </a:endParaRPr>
           </a:p>
           <a:p>
             <a:pPr lvl="1"/>
             <a:r>
-              <a:rPr lang="en-US" dirty="0" smtClean="0"/>
+              <a:rPr lang="en-US" dirty="0"/>
               <a:t>Lower-level – explains a class,</a:t>
             </a:r>
             <a:br>
-              <a:rPr lang="en-US" dirty="0" smtClean="0"/>
+              <a:rPr lang="en-US" dirty="0"/>
             </a:br>
             <a:r>
-              <a:rPr lang="en-US" dirty="0" smtClean="0"/>
+              <a:rPr lang="en-US" dirty="0"/>
               <a:t>method or a piece of code</a:t>
             </a:r>
-            <a:endParaRPr lang="en-US" dirty="0"/>
           </a:p>
         </p:txBody>
       </p:sp>
@@ -22202,13 +18803,6 @@
   <p:clrMapOvr>
     <a:masterClrMapping/>
   </p:clrMapOvr>
-  <p:timing>
-    <p:tnLst>
-      <p:par>
-        <p:cTn id="1" dur="indefinite" restart="never" nodeType="tmRoot"/>
-      </p:par>
-    </p:tnLst>
-  </p:timing>
 </p:sld>
 </file>
 
@@ -22245,10 +18839,9 @@
           <a:lstStyle/>
           <a:p>
             <a:r>
-              <a:rPr lang="en-US" dirty="0" smtClean="0"/>
+              <a:rPr lang="en-US" dirty="0"/>
               <a:t>Programming Style</a:t>
             </a:r>
-            <a:endParaRPr lang="en-US" dirty="0"/>
           </a:p>
         </p:txBody>
       </p:sp>
@@ -22268,66 +18861,49 @@
           <a:lstStyle/>
           <a:p>
             <a:r>
-              <a:rPr lang="en-US" dirty="0" smtClean="0"/>
+              <a:rPr lang="en-US" dirty="0"/>
               <a:t>Main contributor to code-level documentation</a:t>
             </a:r>
           </a:p>
           <a:p>
             <a:pPr lvl="1"/>
             <a:r>
-              <a:rPr lang="en-US" dirty="0" smtClean="0"/>
-              <a:t>The program </a:t>
-            </a:r>
-            <a:r>
-              <a:rPr lang="en-US" dirty="0" smtClean="0"/>
-              <a:t>structure</a:t>
+              <a:rPr lang="en-US" dirty="0"/>
+              <a:t>The program structure</a:t>
             </a:r>
           </a:p>
           <a:p>
             <a:pPr lvl="1"/>
             <a:r>
-              <a:rPr lang="en-US" dirty="0" smtClean="0"/>
-              <a:t>Straight-forward, easy-to-read </a:t>
-            </a:r>
-            <a:r>
-              <a:rPr lang="en-US" dirty="0" smtClean="0"/>
-              <a:t>and easily </a:t>
-            </a:r>
-            <a:r>
-              <a:rPr lang="en-US" dirty="0" smtClean="0"/>
-              <a:t>understandable code</a:t>
-            </a:r>
-            <a:endParaRPr lang="en-US" dirty="0" smtClean="0"/>
+              <a:rPr lang="en-US" dirty="0"/>
+              <a:t>Straight-forward, easy-to-read and easily understandable code</a:t>
+            </a:r>
           </a:p>
           <a:p>
             <a:pPr lvl="1"/>
             <a:r>
-              <a:rPr lang="en-US" dirty="0" smtClean="0"/>
+              <a:rPr lang="en-US" dirty="0"/>
               <a:t>Good naming approach</a:t>
             </a:r>
           </a:p>
           <a:p>
             <a:pPr lvl="1"/>
             <a:r>
-              <a:rPr lang="en-US" dirty="0" smtClean="0"/>
-              <a:t>Clear </a:t>
-            </a:r>
-            <a:r>
-              <a:rPr lang="en-US" dirty="0" smtClean="0"/>
-              <a:t>layout and formatting</a:t>
+              <a:rPr lang="en-US" dirty="0"/>
+              <a:t>Clear layout and formatting</a:t>
             </a:r>
           </a:p>
           <a:p>
             <a:pPr lvl="1"/>
             <a:r>
-              <a:rPr lang="en-US" dirty="0" smtClean="0"/>
+              <a:rPr lang="en-US" dirty="0"/>
               <a:t>Clear abstractions</a:t>
             </a:r>
           </a:p>
           <a:p>
             <a:pPr lvl="1"/>
             <a:r>
-              <a:rPr lang="en-US" dirty="0" smtClean="0"/>
+              <a:rPr lang="en-US" dirty="0"/>
               <a:t>Minimized complexity</a:t>
             </a:r>
           </a:p>
@@ -22335,13 +18911,8 @@
             <a:pPr lvl="1"/>
             <a:r>
               <a:rPr lang="en-US" dirty="0"/>
-              <a:t>Loose coupling and strong </a:t>
-            </a:r>
-            <a:r>
-              <a:rPr lang="en-US" dirty="0" smtClean="0"/>
-              <a:t>cohesion</a:t>
-            </a:r>
-            <a:endParaRPr lang="en-US" dirty="0" smtClean="0"/>
+              <a:t>Loose coupling and strong cohesion</a:t>
+            </a:r>
           </a:p>
         </p:txBody>
       </p:sp>
@@ -22423,13 +18994,6 @@
   <p:clrMapOvr>
     <a:masterClrMapping/>
   </p:clrMapOvr>
-  <p:timing>
-    <p:tnLst>
-      <p:par>
-        <p:cTn id="1" dur="indefinite" restart="never" nodeType="tmRoot"/>
-      </p:par>
-    </p:tnLst>
-  </p:timing>
 </p:sld>
 </file>
 
@@ -22466,10 +19030,9 @@
           <a:lstStyle/>
           <a:p>
             <a:r>
-              <a:rPr lang="en-US" dirty="0" smtClean="0"/>
+              <a:rPr lang="en-US" dirty="0"/>
               <a:t>Bad Comments – Example</a:t>
             </a:r>
-            <a:endParaRPr lang="en-US" dirty="0"/>
           </a:p>
         </p:txBody>
       </p:sp>
@@ -23244,10 +19807,9 @@
           <a:lstStyle/>
           <a:p>
             <a:r>
-              <a:rPr lang="en-US" sz="1800" i="1" dirty="0" smtClean="0"/>
+              <a:rPr lang="en-US" sz="1800" i="1" dirty="0"/>
               <a:t>(continues on the next slide)</a:t>
             </a:r>
-            <a:endParaRPr lang="en-US" sz="1800" i="1" dirty="0"/>
           </a:p>
         </p:txBody>
       </p:sp>
@@ -23318,13 +19880,6 @@
   <p:clrMapOvr>
     <a:masterClrMapping/>
   </p:clrMapOvr>
-  <p:timing>
-    <p:tnLst>
-      <p:par>
-        <p:cTn id="1" dur="indefinite" restart="never" nodeType="tmRoot"/>
-      </p:par>
-    </p:tnLst>
-  </p:timing>
 </p:sld>
 </file>
 
@@ -23361,11 +19916,11 @@
           <a:lstStyle/>
           <a:p>
             <a:r>
-              <a:rPr lang="en-US" dirty="0" smtClean="0"/>
+              <a:rPr lang="en-US" dirty="0"/>
               <a:t>Bad Comments </a:t>
             </a:r>
             <a:r>
-              <a:rPr lang="en-US" smtClean="0"/>
+              <a:rPr lang="en-US"/>
               <a:t>– Example (2)</a:t>
             </a:r>
             <a:endParaRPr lang="en-US" dirty="0"/>
@@ -23977,13 +20532,6 @@
   <p:clrMapOvr>
     <a:masterClrMapping/>
   </p:clrMapOvr>
-  <p:timing>
-    <p:tnLst>
-      <p:par>
-        <p:cTn id="1" dur="indefinite" restart="never" nodeType="tmRoot"/>
-      </p:par>
-    </p:tnLst>
-  </p:timing>
 </p:sld>
 </file>
 
@@ -24025,10 +20573,9 @@
           <a:lstStyle/>
           <a:p>
             <a:r>
-              <a:rPr lang="en-US" dirty="0" smtClean="0"/>
+              <a:rPr lang="en-US" dirty="0"/>
               <a:t>Self-Documenting Code – Example</a:t>
             </a:r>
-            <a:endParaRPr lang="en-US" dirty="0"/>
           </a:p>
         </p:txBody>
       </p:sp>
@@ -24565,10 +21112,9 @@
           <a:lstStyle/>
           <a:p>
             <a:r>
-              <a:rPr lang="en-US" sz="1800" i="1" dirty="0" smtClean="0"/>
+              <a:rPr lang="en-US" sz="1800" i="1" dirty="0"/>
               <a:t>(continues on the next slide)</a:t>
             </a:r>
-            <a:endParaRPr lang="en-US" sz="1800" i="1" dirty="0"/>
           </a:p>
         </p:txBody>
       </p:sp>
@@ -24626,7 +21172,7 @@
               <a:buSzPct val="70000"/>
             </a:pPr>
             <a:r>
-              <a:rPr lang="en-US" sz="2200" b="1" noProof="1" smtClean="0">
+              <a:rPr lang="en-US" sz="2200" b="1" noProof="1">
                 <a:solidFill>
                   <a:srgbClr val="F7FFE7"/>
                 </a:solidFill>
@@ -24824,10 +21370,9 @@
           <a:lstStyle/>
           <a:p>
             <a:r>
-              <a:rPr lang="en-US" dirty="0" smtClean="0"/>
+              <a:rPr lang="en-US" dirty="0"/>
               <a:t>Self-Documenting Code – Example (2)</a:t>
             </a:r>
-            <a:endParaRPr lang="en-US" dirty="0"/>
           </a:p>
         </p:txBody>
       </p:sp>
@@ -25463,7 +22008,7 @@
               <a:buSzPct val="70000"/>
             </a:pPr>
             <a:r>
-              <a:rPr lang="en-US" sz="2200" b="1" noProof="1" smtClean="0">
+              <a:rPr lang="en-US" sz="2200" b="1" noProof="1">
                 <a:solidFill>
                   <a:srgbClr val="F7FFE7"/>
                 </a:solidFill>
@@ -25536,7 +22081,7 @@
               <a:buSzPct val="70000"/>
             </a:pPr>
             <a:r>
-              <a:rPr lang="en-US" sz="2200" b="1" noProof="1" smtClean="0">
+              <a:rPr lang="en-US" sz="2200" b="1" noProof="1">
                 <a:solidFill>
                   <a:srgbClr val="F7FFE7"/>
                 </a:solidFill>
